--- a/Presentaciones/Semana 8 - Windows Function.pptx
+++ b/Presentaciones/Semana 8 - Windows Function.pptx
@@ -5,7 +5,7 @@
     <p:sldMasterId id="2147483660" r:id="rId1"/>
   </p:sldMasterIdLst>
   <p:notesMasterIdLst>
-    <p:notesMasterId r:id="rId15"/>
+    <p:notesMasterId r:id="rId29"/>
   </p:notesMasterIdLst>
   <p:sldIdLst>
     <p:sldId id="256" r:id="rId2"/>
@@ -20,7 +20,21 @@
     <p:sldId id="355" r:id="rId11"/>
     <p:sldId id="356" r:id="rId12"/>
     <p:sldId id="357" r:id="rId13"/>
-    <p:sldId id="346" r:id="rId14"/>
+    <p:sldId id="358" r:id="rId14"/>
+    <p:sldId id="359" r:id="rId15"/>
+    <p:sldId id="360" r:id="rId16"/>
+    <p:sldId id="361" r:id="rId17"/>
+    <p:sldId id="362" r:id="rId18"/>
+    <p:sldId id="363" r:id="rId19"/>
+    <p:sldId id="364" r:id="rId20"/>
+    <p:sldId id="365" r:id="rId21"/>
+    <p:sldId id="366" r:id="rId22"/>
+    <p:sldId id="367" r:id="rId23"/>
+    <p:sldId id="368" r:id="rId24"/>
+    <p:sldId id="369" r:id="rId25"/>
+    <p:sldId id="370" r:id="rId26"/>
+    <p:sldId id="371" r:id="rId27"/>
+    <p:sldId id="346" r:id="rId28"/>
   </p:sldIdLst>
   <p:sldSz cx="9144000" cy="6858000" type="screen4x3"/>
   <p:notesSz cx="6858000" cy="9144000"/>
@@ -3460,7 +3474,7 @@
           <a:p>
             <a:fld id="{1E61A9BF-0BFA-43BA-9075-7BAB5702E502}" type="datetimeFigureOut">
               <a:rPr lang="es-ES" smtClean="0"/>
-              <a:t>16/07/2021</a:t>
+              <a:t>17/07/2021</a:t>
             </a:fld>
             <a:endParaRPr lang="es-ES"/>
           </a:p>
@@ -3858,7 +3872,7 @@
           <a:p>
             <a:fld id="{D773F917-CF9F-4E5E-A9C0-25A32D536801}" type="datetimeFigureOut">
               <a:rPr lang="es-NI" smtClean="0"/>
-              <a:t>16/07/2021</a:t>
+              <a:t>17/7/2021</a:t>
             </a:fld>
             <a:endParaRPr lang="es-NI"/>
           </a:p>
@@ -4028,7 +4042,7 @@
           <a:p>
             <a:fld id="{D773F917-CF9F-4E5E-A9C0-25A32D536801}" type="datetimeFigureOut">
               <a:rPr lang="es-NI" smtClean="0"/>
-              <a:t>16/07/2021</a:t>
+              <a:t>17/7/2021</a:t>
             </a:fld>
             <a:endParaRPr lang="es-NI"/>
           </a:p>
@@ -4208,7 +4222,7 @@
           <a:p>
             <a:fld id="{D773F917-CF9F-4E5E-A9C0-25A32D536801}" type="datetimeFigureOut">
               <a:rPr lang="es-NI" smtClean="0"/>
-              <a:t>16/07/2021</a:t>
+              <a:t>17/7/2021</a:t>
             </a:fld>
             <a:endParaRPr lang="es-NI"/>
           </a:p>
@@ -4402,7 +4416,7 @@
           <a:p>
             <a:fld id="{D773F917-CF9F-4E5E-A9C0-25A32D536801}" type="datetimeFigureOut">
               <a:rPr lang="es-NI" smtClean="0"/>
-              <a:t>16/07/2021</a:t>
+              <a:t>17/7/2021</a:t>
             </a:fld>
             <a:endParaRPr lang="es-NI"/>
           </a:p>
@@ -5185,7 +5199,7 @@
           <a:p>
             <a:fld id="{D773F917-CF9F-4E5E-A9C0-25A32D536801}" type="datetimeFigureOut">
               <a:rPr lang="es-NI" smtClean="0"/>
-              <a:t>16/07/2021</a:t>
+              <a:t>17/7/2021</a:t>
             </a:fld>
             <a:endParaRPr lang="es-NI"/>
           </a:p>
@@ -5417,7 +5431,7 @@
           <a:p>
             <a:fld id="{D773F917-CF9F-4E5E-A9C0-25A32D536801}" type="datetimeFigureOut">
               <a:rPr lang="es-NI" smtClean="0"/>
-              <a:t>16/07/2021</a:t>
+              <a:t>17/7/2021</a:t>
             </a:fld>
             <a:endParaRPr lang="es-NI"/>
           </a:p>
@@ -5784,7 +5798,7 @@
           <a:p>
             <a:fld id="{D773F917-CF9F-4E5E-A9C0-25A32D536801}" type="datetimeFigureOut">
               <a:rPr lang="es-NI" smtClean="0"/>
-              <a:t>16/07/2021</a:t>
+              <a:t>17/7/2021</a:t>
             </a:fld>
             <a:endParaRPr lang="es-NI"/>
           </a:p>
@@ -6473,7 +6487,7 @@
           <a:p>
             <a:fld id="{D773F917-CF9F-4E5E-A9C0-25A32D536801}" type="datetimeFigureOut">
               <a:rPr lang="es-NI" smtClean="0"/>
-              <a:t>16/07/2021</a:t>
+              <a:t>17/7/2021</a:t>
             </a:fld>
             <a:endParaRPr lang="es-NI"/>
           </a:p>
@@ -6568,7 +6582,7 @@
           <a:p>
             <a:fld id="{D773F917-CF9F-4E5E-A9C0-25A32D536801}" type="datetimeFigureOut">
               <a:rPr lang="es-NI" smtClean="0"/>
-              <a:t>16/07/2021</a:t>
+              <a:t>17/7/2021</a:t>
             </a:fld>
             <a:endParaRPr lang="es-NI"/>
           </a:p>
@@ -6845,7 +6859,7 @@
           <a:p>
             <a:fld id="{D773F917-CF9F-4E5E-A9C0-25A32D536801}" type="datetimeFigureOut">
               <a:rPr lang="es-NI" smtClean="0"/>
-              <a:t>16/07/2021</a:t>
+              <a:t>17/7/2021</a:t>
             </a:fld>
             <a:endParaRPr lang="es-NI"/>
           </a:p>
@@ -7102,7 +7116,7 @@
           <a:p>
             <a:fld id="{D773F917-CF9F-4E5E-A9C0-25A32D536801}" type="datetimeFigureOut">
               <a:rPr lang="es-NI" smtClean="0"/>
-              <a:t>16/07/2021</a:t>
+              <a:t>17/7/2021</a:t>
             </a:fld>
             <a:endParaRPr lang="es-NI"/>
           </a:p>
@@ -7324,7 +7338,7 @@
           <a:p>
             <a:fld id="{D773F917-CF9F-4E5E-A9C0-25A32D536801}" type="datetimeFigureOut">
               <a:rPr lang="es-NI" smtClean="0"/>
-              <a:t>16/07/2021</a:t>
+              <a:t>17/7/2021</a:t>
             </a:fld>
             <a:endParaRPr lang="es-NI"/>
           </a:p>
@@ -9324,6 +9338,5517 @@
           <p:cNvPr id="2" name="Título 1">
             <a:extLst>
               <a:ext uri="{FF2B5EF4-FFF2-40B4-BE49-F238E27FC236}">
+                <a16:creationId xmlns:a16="http://schemas.microsoft.com/office/drawing/2014/main" id="{FF11B9D7-2F8D-4551-8F71-A7BB9AD9F513}"/>
+              </a:ext>
+            </a:extLst>
+          </p:cNvPr>
+          <p:cNvSpPr>
+            <a:spLocks noGrp="1"/>
+          </p:cNvSpPr>
+          <p:nvPr>
+            <p:ph type="title"/>
+          </p:nvPr>
+        </p:nvSpPr>
+        <p:spPr/>
+        <p:txBody>
+          <a:bodyPr/>
+          <a:lstStyle/>
+          <a:p>
+            <a:r>
+              <a:rPr lang="es-NI" dirty="0">
+                <a:effectLst/>
+              </a:rPr>
+              <a:t>Funciones de clasificación de Windows</a:t>
+            </a:r>
+            <a:endParaRPr lang="es-ES" dirty="0"/>
+          </a:p>
+        </p:txBody>
+      </p:sp>
+      <p:sp>
+        <p:nvSpPr>
+          <p:cNvPr id="3" name="Marcador de contenido 2">
+            <a:extLst>
+              <a:ext uri="{FF2B5EF4-FFF2-40B4-BE49-F238E27FC236}">
+                <a16:creationId xmlns:a16="http://schemas.microsoft.com/office/drawing/2014/main" id="{33D0356B-C708-4595-B0A6-BCFD231A0D03}"/>
+              </a:ext>
+            </a:extLst>
+          </p:cNvPr>
+          <p:cNvSpPr>
+            <a:spLocks noGrp="1"/>
+          </p:cNvSpPr>
+          <p:nvPr>
+            <p:ph idx="1"/>
+          </p:nvPr>
+        </p:nvSpPr>
+        <p:spPr/>
+        <p:txBody>
+          <a:bodyPr>
+            <a:normAutofit lnSpcReduction="10000"/>
+          </a:bodyPr>
+          <a:lstStyle/>
+          <a:p>
+            <a:r>
+              <a:rPr lang="es-NI" dirty="0"/>
+              <a:t>Al igual que las funciones de agregado de Windows incluyen el valor de un campo específico, las funciones de RANKING clasificarán los valores de un campo específico y los clasificarán de acuerdo con su rango.</a:t>
+            </a:r>
+          </a:p>
+          <a:p>
+            <a:r>
+              <a:rPr lang="es-NI" dirty="0"/>
+              <a:t>El uso más común de las funciones de RANKING es encontrar los registros superiores(N) en función de un determinado valor. Por ejemplo</a:t>
+            </a:r>
+          </a:p>
+          <a:p>
+            <a:pPr lvl="1"/>
+            <a:r>
+              <a:rPr lang="es-NI" dirty="0"/>
+              <a:t>los 10 empleados mejor pagados, los 10 estudiantes mejor clasificados, los 50 pedidos más grandes, etc.</a:t>
+            </a:r>
+          </a:p>
+          <a:p>
+            <a:pPr fontAlgn="base"/>
+            <a:r>
+              <a:rPr lang="es-NI" dirty="0"/>
+              <a:t>Las siguientes son funciones de RANKING compatibles:</a:t>
+            </a:r>
+            <a:endParaRPr lang="es-ES" dirty="0"/>
+          </a:p>
+          <a:p>
+            <a:pPr lvl="1" fontAlgn="base"/>
+            <a:r>
+              <a:rPr lang="es-ES" b="1" dirty="0"/>
+              <a:t>RANK(), DENSE_RANK(), ROW_NUMBER(), NTILE()</a:t>
+            </a:r>
+            <a:endParaRPr lang="es-NI" dirty="0"/>
+          </a:p>
+        </p:txBody>
+      </p:sp>
+    </p:spTree>
+    <p:extLst>
+      <p:ext uri="{BB962C8B-B14F-4D97-AF65-F5344CB8AC3E}">
+        <p14:creationId xmlns:p14="http://schemas.microsoft.com/office/powerpoint/2010/main" val="4139362881"/>
+      </p:ext>
+    </p:extLst>
+  </p:cSld>
+  <p:clrMapOvr>
+    <a:masterClrMapping/>
+  </p:clrMapOvr>
+</p:sld>
+</file>
+
+<file path=ppt/slides/slide14.xml><?xml version="1.0" encoding="utf-8"?>
+<p:sld xmlns:a="http://schemas.openxmlformats.org/drawingml/2006/main" xmlns:r="http://schemas.openxmlformats.org/officeDocument/2006/relationships" xmlns:p="http://schemas.openxmlformats.org/presentationml/2006/main">
+  <p:cSld>
+    <p:spTree>
+      <p:nvGrpSpPr>
+        <p:cNvPr id="1" name=""/>
+        <p:cNvGrpSpPr/>
+        <p:nvPr/>
+      </p:nvGrpSpPr>
+      <p:grpSpPr>
+        <a:xfrm>
+          <a:off x="0" y="0"/>
+          <a:ext cx="0" cy="0"/>
+          <a:chOff x="0" y="0"/>
+          <a:chExt cx="0" cy="0"/>
+        </a:xfrm>
+      </p:grpSpPr>
+      <p:sp>
+        <p:nvSpPr>
+          <p:cNvPr id="2" name="Título 1">
+            <a:extLst>
+              <a:ext uri="{FF2B5EF4-FFF2-40B4-BE49-F238E27FC236}">
+                <a16:creationId xmlns:a16="http://schemas.microsoft.com/office/drawing/2014/main" id="{FF11B9D7-2F8D-4551-8F71-A7BB9AD9F513}"/>
+              </a:ext>
+            </a:extLst>
+          </p:cNvPr>
+          <p:cNvSpPr>
+            <a:spLocks noGrp="1"/>
+          </p:cNvSpPr>
+          <p:nvPr>
+            <p:ph type="title"/>
+          </p:nvPr>
+        </p:nvSpPr>
+        <p:spPr/>
+        <p:txBody>
+          <a:bodyPr/>
+          <a:lstStyle/>
+          <a:p>
+            <a:r>
+              <a:rPr lang="es-NI" dirty="0">
+                <a:effectLst/>
+              </a:rPr>
+              <a:t>RANK</a:t>
+            </a:r>
+            <a:endParaRPr lang="es-ES" dirty="0"/>
+          </a:p>
+        </p:txBody>
+      </p:sp>
+      <p:sp>
+        <p:nvSpPr>
+          <p:cNvPr id="3" name="Marcador de contenido 2">
+            <a:extLst>
+              <a:ext uri="{FF2B5EF4-FFF2-40B4-BE49-F238E27FC236}">
+                <a16:creationId xmlns:a16="http://schemas.microsoft.com/office/drawing/2014/main" id="{33D0356B-C708-4595-B0A6-BCFD231A0D03}"/>
+              </a:ext>
+            </a:extLst>
+          </p:cNvPr>
+          <p:cNvSpPr>
+            <a:spLocks noGrp="1"/>
+          </p:cNvSpPr>
+          <p:nvPr>
+            <p:ph idx="1"/>
+          </p:nvPr>
+        </p:nvSpPr>
+        <p:spPr/>
+        <p:txBody>
+          <a:bodyPr>
+            <a:normAutofit lnSpcReduction="10000"/>
+          </a:bodyPr>
+          <a:lstStyle/>
+          <a:p>
+            <a:r>
+              <a:rPr lang="es-NI" dirty="0"/>
+              <a:t>Se utiliza para otorgar un rango o categoría única a cada registro en función de un valor específico, por ejemplo, salario, cantidad de pedido, </a:t>
+            </a:r>
+            <a:r>
+              <a:rPr lang="es-NI" dirty="0" err="1"/>
+              <a:t>etc</a:t>
+            </a:r>
+            <a:endParaRPr lang="es-NI" dirty="0"/>
+          </a:p>
+          <a:p>
+            <a:r>
+              <a:rPr lang="es-NI" dirty="0"/>
+              <a:t>Si dos registros tienen el mismo valor, la función RANK( ) asignará el mismo rango a ambos registros omitiendo el siguiente rango. </a:t>
+            </a:r>
+          </a:p>
+          <a:p>
+            <a:r>
+              <a:rPr lang="es-NI" dirty="0"/>
+              <a:t>Esto significa que si hay dos valores idénticos en el rango 2, asignará el mismo rango 2 a ambos registros y luego saltará el rango 3 y asignará el rango 4 al siguiente registro.</a:t>
+            </a:r>
+          </a:p>
+          <a:p>
+            <a:pPr fontAlgn="base"/>
+            <a:r>
+              <a:rPr lang="es-NI" dirty="0"/>
+              <a:t>Clasifiquemos cada pedido por el monto de su pedido.</a:t>
+            </a:r>
+          </a:p>
+        </p:txBody>
+      </p:sp>
+    </p:spTree>
+    <p:extLst>
+      <p:ext uri="{BB962C8B-B14F-4D97-AF65-F5344CB8AC3E}">
+        <p14:creationId xmlns:p14="http://schemas.microsoft.com/office/powerpoint/2010/main" val="3233337279"/>
+      </p:ext>
+    </p:extLst>
+  </p:cSld>
+  <p:clrMapOvr>
+    <a:masterClrMapping/>
+  </p:clrMapOvr>
+</p:sld>
+</file>
+
+<file path=ppt/slides/slide15.xml><?xml version="1.0" encoding="utf-8"?>
+<p:sld xmlns:a="http://schemas.openxmlformats.org/drawingml/2006/main" xmlns:r="http://schemas.openxmlformats.org/officeDocument/2006/relationships" xmlns:p="http://schemas.openxmlformats.org/presentationml/2006/main">
+  <p:cSld>
+    <p:spTree>
+      <p:nvGrpSpPr>
+        <p:cNvPr id="1" name=""/>
+        <p:cNvGrpSpPr/>
+        <p:nvPr/>
+      </p:nvGrpSpPr>
+      <p:grpSpPr>
+        <a:xfrm>
+          <a:off x="0" y="0"/>
+          <a:ext cx="0" cy="0"/>
+          <a:chOff x="0" y="0"/>
+          <a:chExt cx="0" cy="0"/>
+        </a:xfrm>
+      </p:grpSpPr>
+      <p:sp>
+        <p:nvSpPr>
+          <p:cNvPr id="2" name="Título 1">
+            <a:extLst>
+              <a:ext uri="{FF2B5EF4-FFF2-40B4-BE49-F238E27FC236}">
+                <a16:creationId xmlns:a16="http://schemas.microsoft.com/office/drawing/2014/main" id="{638C6D1C-BD47-4D7C-8EFA-C5193B2E56BE}"/>
+              </a:ext>
+            </a:extLst>
+          </p:cNvPr>
+          <p:cNvSpPr>
+            <a:spLocks noGrp="1"/>
+          </p:cNvSpPr>
+          <p:nvPr>
+            <p:ph type="title"/>
+          </p:nvPr>
+        </p:nvSpPr>
+        <p:spPr/>
+        <p:txBody>
+          <a:bodyPr>
+            <a:normAutofit fontScale="90000"/>
+          </a:bodyPr>
+          <a:lstStyle/>
+          <a:p>
+            <a:pPr fontAlgn="base"/>
+            <a:r>
+              <a:rPr lang="es-NI" dirty="0"/>
+              <a:t>Clasifiquemos cada pedido por el monto de su pedido.</a:t>
+            </a:r>
+            <a:endParaRPr lang="es-ES" dirty="0"/>
+          </a:p>
+        </p:txBody>
+      </p:sp>
+      <p:pic>
+        <p:nvPicPr>
+          <p:cNvPr id="3" name="Imagen 2">
+            <a:extLst>
+              <a:ext uri="{FF2B5EF4-FFF2-40B4-BE49-F238E27FC236}">
+                <a16:creationId xmlns:a16="http://schemas.microsoft.com/office/drawing/2014/main" id="{DF61BB88-287E-47DD-B459-167FEF34D3A5}"/>
+              </a:ext>
+            </a:extLst>
+          </p:cNvPr>
+          <p:cNvPicPr>
+            <a:picLocks noChangeAspect="1"/>
+          </p:cNvPicPr>
+          <p:nvPr/>
+        </p:nvPicPr>
+        <p:blipFill>
+          <a:blip r:embed="rId2"/>
+          <a:stretch>
+            <a:fillRect/>
+          </a:stretch>
+        </p:blipFill>
+        <p:spPr>
+          <a:xfrm>
+            <a:off x="609260" y="1521977"/>
+            <a:ext cx="4209524" cy="1304762"/>
+          </a:xfrm>
+          <a:prstGeom prst="rect">
+            <a:avLst/>
+          </a:prstGeom>
+        </p:spPr>
+      </p:pic>
+      <p:pic>
+        <p:nvPicPr>
+          <p:cNvPr id="6" name="Imagen 5">
+            <a:extLst>
+              <a:ext uri="{FF2B5EF4-FFF2-40B4-BE49-F238E27FC236}">
+                <a16:creationId xmlns:a16="http://schemas.microsoft.com/office/drawing/2014/main" id="{0EFC711E-E27A-4C4B-B8CB-09250F49EC1D}"/>
+              </a:ext>
+            </a:extLst>
+          </p:cNvPr>
+          <p:cNvPicPr>
+            <a:picLocks noChangeAspect="1"/>
+          </p:cNvPicPr>
+          <p:nvPr/>
+        </p:nvPicPr>
+        <p:blipFill>
+          <a:blip r:embed="rId3"/>
+          <a:stretch>
+            <a:fillRect/>
+          </a:stretch>
+        </p:blipFill>
+        <p:spPr>
+          <a:xfrm>
+            <a:off x="1388048" y="2989587"/>
+            <a:ext cx="6219048" cy="2961905"/>
+          </a:xfrm>
+          <a:prstGeom prst="rect">
+            <a:avLst/>
+          </a:prstGeom>
+        </p:spPr>
+      </p:pic>
+      <p:sp>
+        <p:nvSpPr>
+          <p:cNvPr id="7" name="Rectángulo 6">
+            <a:extLst>
+              <a:ext uri="{FF2B5EF4-FFF2-40B4-BE49-F238E27FC236}">
+                <a16:creationId xmlns:a16="http://schemas.microsoft.com/office/drawing/2014/main" id="{02DD1FEA-FCB9-4B87-A797-5F12CF093869}"/>
+              </a:ext>
+            </a:extLst>
+          </p:cNvPr>
+          <p:cNvSpPr/>
+          <p:nvPr/>
+        </p:nvSpPr>
+        <p:spPr>
+          <a:xfrm>
+            <a:off x="6007395" y="3795823"/>
+            <a:ext cx="1446028" cy="574158"/>
+          </a:xfrm>
+          <a:prstGeom prst="rect">
+            <a:avLst/>
+          </a:prstGeom>
+          <a:noFill/>
+        </p:spPr>
+        <p:style>
+          <a:lnRef idx="2">
+            <a:schemeClr val="accent1">
+              <a:shade val="50000"/>
+            </a:schemeClr>
+          </a:lnRef>
+          <a:fillRef idx="1">
+            <a:schemeClr val="accent1"/>
+          </a:fillRef>
+          <a:effectRef idx="0">
+            <a:schemeClr val="accent1"/>
+          </a:effectRef>
+          <a:fontRef idx="minor">
+            <a:schemeClr val="lt1"/>
+          </a:fontRef>
+        </p:style>
+        <p:txBody>
+          <a:bodyPr rtlCol="0" anchor="ctr"/>
+          <a:lstStyle/>
+          <a:p>
+            <a:pPr algn="ctr"/>
+            <a:endParaRPr lang="es-ES"/>
+          </a:p>
+        </p:txBody>
+      </p:sp>
+      <p:cxnSp>
+        <p:nvCxnSpPr>
+          <p:cNvPr id="9" name="Conector recto de flecha 8">
+            <a:extLst>
+              <a:ext uri="{FF2B5EF4-FFF2-40B4-BE49-F238E27FC236}">
+                <a16:creationId xmlns:a16="http://schemas.microsoft.com/office/drawing/2014/main" id="{F92C350F-3C0F-4C83-90C5-E15F7B4BB7AE}"/>
+              </a:ext>
+            </a:extLst>
+          </p:cNvPr>
+          <p:cNvCxnSpPr/>
+          <p:nvPr/>
+        </p:nvCxnSpPr>
+        <p:spPr>
+          <a:xfrm>
+            <a:off x="3189767" y="2402958"/>
+            <a:ext cx="3072810" cy="586629"/>
+          </a:xfrm>
+          <a:prstGeom prst="straightConnector1">
+            <a:avLst/>
+          </a:prstGeom>
+          <a:ln>
+            <a:tailEnd type="triangle"/>
+          </a:ln>
+        </p:spPr>
+        <p:style>
+          <a:lnRef idx="1">
+            <a:schemeClr val="accent1"/>
+          </a:lnRef>
+          <a:fillRef idx="0">
+            <a:schemeClr val="accent1"/>
+          </a:fillRef>
+          <a:effectRef idx="0">
+            <a:schemeClr val="accent1"/>
+          </a:effectRef>
+          <a:fontRef idx="minor">
+            <a:schemeClr val="tx1"/>
+          </a:fontRef>
+        </p:style>
+      </p:cxnSp>
+    </p:spTree>
+    <p:extLst>
+      <p:ext uri="{BB962C8B-B14F-4D97-AF65-F5344CB8AC3E}">
+        <p14:creationId xmlns:p14="http://schemas.microsoft.com/office/powerpoint/2010/main" val="748236530"/>
+      </p:ext>
+    </p:extLst>
+  </p:cSld>
+  <p:clrMapOvr>
+    <a:masterClrMapping/>
+  </p:clrMapOvr>
+  <p:timing>
+    <p:tnLst>
+      <p:par>
+        <p:cTn id="1" dur="indefinite" restart="never" nodeType="tmRoot">
+          <p:childTnLst>
+            <p:seq concurrent="1" nextAc="seek">
+              <p:cTn id="2" dur="indefinite" nodeType="mainSeq">
+                <p:childTnLst>
+                  <p:par>
+                    <p:cTn id="3" fill="hold">
+                      <p:stCondLst>
+                        <p:cond delay="indefinite"/>
+                      </p:stCondLst>
+                      <p:childTnLst>
+                        <p:par>
+                          <p:cTn id="4" fill="hold">
+                            <p:stCondLst>
+                              <p:cond delay="0"/>
+                            </p:stCondLst>
+                            <p:childTnLst>
+                              <p:par>
+                                <p:cTn id="5" presetID="2" presetClass="entr" presetSubtype="4" fill="hold" nodeType="clickEffect">
+                                  <p:stCondLst>
+                                    <p:cond delay="0"/>
+                                  </p:stCondLst>
+                                  <p:childTnLst>
+                                    <p:set>
+                                      <p:cBhvr>
+                                        <p:cTn id="6" dur="1" fill="hold">
+                                          <p:stCondLst>
+                                            <p:cond delay="0"/>
+                                          </p:stCondLst>
+                                        </p:cTn>
+                                        <p:tgtEl>
+                                          <p:spTgt spid="3"/>
+                                        </p:tgtEl>
+                                        <p:attrNameLst>
+                                          <p:attrName>style.visibility</p:attrName>
+                                        </p:attrNameLst>
+                                      </p:cBhvr>
+                                      <p:to>
+                                        <p:strVal val="visible"/>
+                                      </p:to>
+                                    </p:set>
+                                    <p:anim calcmode="lin" valueType="num">
+                                      <p:cBhvr additive="base">
+                                        <p:cTn id="7" dur="500" fill="hold"/>
+                                        <p:tgtEl>
+                                          <p:spTgt spid="3"/>
+                                        </p:tgtEl>
+                                        <p:attrNameLst>
+                                          <p:attrName>ppt_x</p:attrName>
+                                        </p:attrNameLst>
+                                      </p:cBhvr>
+                                      <p:tavLst>
+                                        <p:tav tm="0">
+                                          <p:val>
+                                            <p:strVal val="#ppt_x"/>
+                                          </p:val>
+                                        </p:tav>
+                                        <p:tav tm="100000">
+                                          <p:val>
+                                            <p:strVal val="#ppt_x"/>
+                                          </p:val>
+                                        </p:tav>
+                                      </p:tavLst>
+                                    </p:anim>
+                                    <p:anim calcmode="lin" valueType="num">
+                                      <p:cBhvr additive="base">
+                                        <p:cTn id="8" dur="500" fill="hold"/>
+                                        <p:tgtEl>
+                                          <p:spTgt spid="3"/>
+                                        </p:tgtEl>
+                                        <p:attrNameLst>
+                                          <p:attrName>ppt_y</p:attrName>
+                                        </p:attrNameLst>
+                                      </p:cBhvr>
+                                      <p:tavLst>
+                                        <p:tav tm="0">
+                                          <p:val>
+                                            <p:strVal val="1+#ppt_h/2"/>
+                                          </p:val>
+                                        </p:tav>
+                                        <p:tav tm="100000">
+                                          <p:val>
+                                            <p:strVal val="#ppt_y"/>
+                                          </p:val>
+                                        </p:tav>
+                                      </p:tavLst>
+                                    </p:anim>
+                                  </p:childTnLst>
+                                </p:cTn>
+                              </p:par>
+                            </p:childTnLst>
+                          </p:cTn>
+                        </p:par>
+                      </p:childTnLst>
+                    </p:cTn>
+                  </p:par>
+                  <p:par>
+                    <p:cTn id="9" fill="hold">
+                      <p:stCondLst>
+                        <p:cond delay="indefinite"/>
+                      </p:stCondLst>
+                      <p:childTnLst>
+                        <p:par>
+                          <p:cTn id="10" fill="hold">
+                            <p:stCondLst>
+                              <p:cond delay="0"/>
+                            </p:stCondLst>
+                            <p:childTnLst>
+                              <p:par>
+                                <p:cTn id="11" presetID="2" presetClass="entr" presetSubtype="4" fill="hold" nodeType="clickEffect">
+                                  <p:stCondLst>
+                                    <p:cond delay="0"/>
+                                  </p:stCondLst>
+                                  <p:childTnLst>
+                                    <p:set>
+                                      <p:cBhvr>
+                                        <p:cTn id="12" dur="1" fill="hold">
+                                          <p:stCondLst>
+                                            <p:cond delay="0"/>
+                                          </p:stCondLst>
+                                        </p:cTn>
+                                        <p:tgtEl>
+                                          <p:spTgt spid="6"/>
+                                        </p:tgtEl>
+                                        <p:attrNameLst>
+                                          <p:attrName>style.visibility</p:attrName>
+                                        </p:attrNameLst>
+                                      </p:cBhvr>
+                                      <p:to>
+                                        <p:strVal val="visible"/>
+                                      </p:to>
+                                    </p:set>
+                                    <p:anim calcmode="lin" valueType="num">
+                                      <p:cBhvr additive="base">
+                                        <p:cTn id="13" dur="500" fill="hold"/>
+                                        <p:tgtEl>
+                                          <p:spTgt spid="6"/>
+                                        </p:tgtEl>
+                                        <p:attrNameLst>
+                                          <p:attrName>ppt_x</p:attrName>
+                                        </p:attrNameLst>
+                                      </p:cBhvr>
+                                      <p:tavLst>
+                                        <p:tav tm="0">
+                                          <p:val>
+                                            <p:strVal val="#ppt_x"/>
+                                          </p:val>
+                                        </p:tav>
+                                        <p:tav tm="100000">
+                                          <p:val>
+                                            <p:strVal val="#ppt_x"/>
+                                          </p:val>
+                                        </p:tav>
+                                      </p:tavLst>
+                                    </p:anim>
+                                    <p:anim calcmode="lin" valueType="num">
+                                      <p:cBhvr additive="base">
+                                        <p:cTn id="14" dur="500" fill="hold"/>
+                                        <p:tgtEl>
+                                          <p:spTgt spid="6"/>
+                                        </p:tgtEl>
+                                        <p:attrNameLst>
+                                          <p:attrName>ppt_y</p:attrName>
+                                        </p:attrNameLst>
+                                      </p:cBhvr>
+                                      <p:tavLst>
+                                        <p:tav tm="0">
+                                          <p:val>
+                                            <p:strVal val="1+#ppt_h/2"/>
+                                          </p:val>
+                                        </p:tav>
+                                        <p:tav tm="100000">
+                                          <p:val>
+                                            <p:strVal val="#ppt_y"/>
+                                          </p:val>
+                                        </p:tav>
+                                      </p:tavLst>
+                                    </p:anim>
+                                  </p:childTnLst>
+                                </p:cTn>
+                              </p:par>
+                            </p:childTnLst>
+                          </p:cTn>
+                        </p:par>
+                      </p:childTnLst>
+                    </p:cTn>
+                  </p:par>
+                  <p:par>
+                    <p:cTn id="15" fill="hold">
+                      <p:stCondLst>
+                        <p:cond delay="indefinite"/>
+                      </p:stCondLst>
+                      <p:childTnLst>
+                        <p:par>
+                          <p:cTn id="16" fill="hold">
+                            <p:stCondLst>
+                              <p:cond delay="0"/>
+                            </p:stCondLst>
+                            <p:childTnLst>
+                              <p:par>
+                                <p:cTn id="17" presetID="26" presetClass="entr" presetSubtype="0" fill="hold" grpId="0" nodeType="clickEffect">
+                                  <p:stCondLst>
+                                    <p:cond delay="0"/>
+                                  </p:stCondLst>
+                                  <p:childTnLst>
+                                    <p:set>
+                                      <p:cBhvr>
+                                        <p:cTn id="18" dur="1" fill="hold">
+                                          <p:stCondLst>
+                                            <p:cond delay="0"/>
+                                          </p:stCondLst>
+                                        </p:cTn>
+                                        <p:tgtEl>
+                                          <p:spTgt spid="7"/>
+                                        </p:tgtEl>
+                                        <p:attrNameLst>
+                                          <p:attrName>style.visibility</p:attrName>
+                                        </p:attrNameLst>
+                                      </p:cBhvr>
+                                      <p:to>
+                                        <p:strVal val="visible"/>
+                                      </p:to>
+                                    </p:set>
+                                    <p:animEffect transition="in" filter="wipe(down)">
+                                      <p:cBhvr>
+                                        <p:cTn id="19" dur="580">
+                                          <p:stCondLst>
+                                            <p:cond delay="0"/>
+                                          </p:stCondLst>
+                                        </p:cTn>
+                                        <p:tgtEl>
+                                          <p:spTgt spid="7"/>
+                                        </p:tgtEl>
+                                      </p:cBhvr>
+                                    </p:animEffect>
+                                    <p:anim calcmode="lin" valueType="num">
+                                      <p:cBhvr>
+                                        <p:cTn id="20" dur="1822" tmFilter="0,0; 0.14,0.36; 0.43,0.73; 0.71,0.91; 1.0,1.0">
+                                          <p:stCondLst>
+                                            <p:cond delay="0"/>
+                                          </p:stCondLst>
+                                        </p:cTn>
+                                        <p:tgtEl>
+                                          <p:spTgt spid="7"/>
+                                        </p:tgtEl>
+                                        <p:attrNameLst>
+                                          <p:attrName>ppt_x</p:attrName>
+                                        </p:attrNameLst>
+                                      </p:cBhvr>
+                                      <p:tavLst>
+                                        <p:tav tm="0">
+                                          <p:val>
+                                            <p:strVal val="#ppt_x-0.25"/>
+                                          </p:val>
+                                        </p:tav>
+                                        <p:tav tm="100000">
+                                          <p:val>
+                                            <p:strVal val="#ppt_x"/>
+                                          </p:val>
+                                        </p:tav>
+                                      </p:tavLst>
+                                    </p:anim>
+                                    <p:anim calcmode="lin" valueType="num">
+                                      <p:cBhvr>
+                                        <p:cTn id="21" dur="664" tmFilter="0.0,0.0; 0.25,0.07; 0.50,0.2; 0.75,0.467; 1.0,1.0">
+                                          <p:stCondLst>
+                                            <p:cond delay="0"/>
+                                          </p:stCondLst>
+                                        </p:cTn>
+                                        <p:tgtEl>
+                                          <p:spTgt spid="7"/>
+                                        </p:tgtEl>
+                                        <p:attrNameLst>
+                                          <p:attrName>ppt_y</p:attrName>
+                                        </p:attrNameLst>
+                                      </p:cBhvr>
+                                      <p:tavLst>
+                                        <p:tav tm="0" fmla="#ppt_y-sin(pi*$)/3">
+                                          <p:val>
+                                            <p:fltVal val="0.5"/>
+                                          </p:val>
+                                        </p:tav>
+                                        <p:tav tm="100000">
+                                          <p:val>
+                                            <p:fltVal val="1"/>
+                                          </p:val>
+                                        </p:tav>
+                                      </p:tavLst>
+                                    </p:anim>
+                                    <p:anim calcmode="lin" valueType="num">
+                                      <p:cBhvr>
+                                        <p:cTn id="22" dur="664" tmFilter="0, 0; 0.125,0.2665; 0.25,0.4; 0.375,0.465; 0.5,0.5;  0.625,0.535; 0.75,0.6; 0.875,0.7335; 1,1">
+                                          <p:stCondLst>
+                                            <p:cond delay="664"/>
+                                          </p:stCondLst>
+                                        </p:cTn>
+                                        <p:tgtEl>
+                                          <p:spTgt spid="7"/>
+                                        </p:tgtEl>
+                                        <p:attrNameLst>
+                                          <p:attrName>ppt_y</p:attrName>
+                                        </p:attrNameLst>
+                                      </p:cBhvr>
+                                      <p:tavLst>
+                                        <p:tav tm="0" fmla="#ppt_y-sin(pi*$)/9">
+                                          <p:val>
+                                            <p:fltVal val="0"/>
+                                          </p:val>
+                                        </p:tav>
+                                        <p:tav tm="100000">
+                                          <p:val>
+                                            <p:fltVal val="1"/>
+                                          </p:val>
+                                        </p:tav>
+                                      </p:tavLst>
+                                    </p:anim>
+                                    <p:anim calcmode="lin" valueType="num">
+                                      <p:cBhvr>
+                                        <p:cTn id="23" dur="332" tmFilter="0, 0; 0.125,0.2665; 0.25,0.4; 0.375,0.465; 0.5,0.5;  0.625,0.535; 0.75,0.6; 0.875,0.7335; 1,1">
+                                          <p:stCondLst>
+                                            <p:cond delay="1324"/>
+                                          </p:stCondLst>
+                                        </p:cTn>
+                                        <p:tgtEl>
+                                          <p:spTgt spid="7"/>
+                                        </p:tgtEl>
+                                        <p:attrNameLst>
+                                          <p:attrName>ppt_y</p:attrName>
+                                        </p:attrNameLst>
+                                      </p:cBhvr>
+                                      <p:tavLst>
+                                        <p:tav tm="0" fmla="#ppt_y-sin(pi*$)/27">
+                                          <p:val>
+                                            <p:fltVal val="0"/>
+                                          </p:val>
+                                        </p:tav>
+                                        <p:tav tm="100000">
+                                          <p:val>
+                                            <p:fltVal val="1"/>
+                                          </p:val>
+                                        </p:tav>
+                                      </p:tavLst>
+                                    </p:anim>
+                                    <p:anim calcmode="lin" valueType="num">
+                                      <p:cBhvr>
+                                        <p:cTn id="24" dur="164" tmFilter="0, 0; 0.125,0.2665; 0.25,0.4; 0.375,0.465; 0.5,0.5;  0.625,0.535; 0.75,0.6; 0.875,0.7335; 1,1">
+                                          <p:stCondLst>
+                                            <p:cond delay="1656"/>
+                                          </p:stCondLst>
+                                        </p:cTn>
+                                        <p:tgtEl>
+                                          <p:spTgt spid="7"/>
+                                        </p:tgtEl>
+                                        <p:attrNameLst>
+                                          <p:attrName>ppt_y</p:attrName>
+                                        </p:attrNameLst>
+                                      </p:cBhvr>
+                                      <p:tavLst>
+                                        <p:tav tm="0" fmla="#ppt_y-sin(pi*$)/81">
+                                          <p:val>
+                                            <p:fltVal val="0"/>
+                                          </p:val>
+                                        </p:tav>
+                                        <p:tav tm="100000">
+                                          <p:val>
+                                            <p:fltVal val="1"/>
+                                          </p:val>
+                                        </p:tav>
+                                      </p:tavLst>
+                                    </p:anim>
+                                    <p:animScale>
+                                      <p:cBhvr>
+                                        <p:cTn id="25" dur="26">
+                                          <p:stCondLst>
+                                            <p:cond delay="650"/>
+                                          </p:stCondLst>
+                                        </p:cTn>
+                                        <p:tgtEl>
+                                          <p:spTgt spid="7"/>
+                                        </p:tgtEl>
+                                      </p:cBhvr>
+                                      <p:to x="100000" y="60000"/>
+                                    </p:animScale>
+                                    <p:animScale>
+                                      <p:cBhvr>
+                                        <p:cTn id="26" dur="166" decel="50000">
+                                          <p:stCondLst>
+                                            <p:cond delay="676"/>
+                                          </p:stCondLst>
+                                        </p:cTn>
+                                        <p:tgtEl>
+                                          <p:spTgt spid="7"/>
+                                        </p:tgtEl>
+                                      </p:cBhvr>
+                                      <p:to x="100000" y="100000"/>
+                                    </p:animScale>
+                                    <p:animScale>
+                                      <p:cBhvr>
+                                        <p:cTn id="27" dur="26">
+                                          <p:stCondLst>
+                                            <p:cond delay="1312"/>
+                                          </p:stCondLst>
+                                        </p:cTn>
+                                        <p:tgtEl>
+                                          <p:spTgt spid="7"/>
+                                        </p:tgtEl>
+                                      </p:cBhvr>
+                                      <p:to x="100000" y="80000"/>
+                                    </p:animScale>
+                                    <p:animScale>
+                                      <p:cBhvr>
+                                        <p:cTn id="28" dur="166" decel="50000">
+                                          <p:stCondLst>
+                                            <p:cond delay="1338"/>
+                                          </p:stCondLst>
+                                        </p:cTn>
+                                        <p:tgtEl>
+                                          <p:spTgt spid="7"/>
+                                        </p:tgtEl>
+                                      </p:cBhvr>
+                                      <p:to x="100000" y="100000"/>
+                                    </p:animScale>
+                                    <p:animScale>
+                                      <p:cBhvr>
+                                        <p:cTn id="29" dur="26">
+                                          <p:stCondLst>
+                                            <p:cond delay="1642"/>
+                                          </p:stCondLst>
+                                        </p:cTn>
+                                        <p:tgtEl>
+                                          <p:spTgt spid="7"/>
+                                        </p:tgtEl>
+                                      </p:cBhvr>
+                                      <p:to x="100000" y="90000"/>
+                                    </p:animScale>
+                                    <p:animScale>
+                                      <p:cBhvr>
+                                        <p:cTn id="30" dur="166" decel="50000">
+                                          <p:stCondLst>
+                                            <p:cond delay="1668"/>
+                                          </p:stCondLst>
+                                        </p:cTn>
+                                        <p:tgtEl>
+                                          <p:spTgt spid="7"/>
+                                        </p:tgtEl>
+                                      </p:cBhvr>
+                                      <p:to x="100000" y="100000"/>
+                                    </p:animScale>
+                                    <p:animScale>
+                                      <p:cBhvr>
+                                        <p:cTn id="31" dur="26">
+                                          <p:stCondLst>
+                                            <p:cond delay="1808"/>
+                                          </p:stCondLst>
+                                        </p:cTn>
+                                        <p:tgtEl>
+                                          <p:spTgt spid="7"/>
+                                        </p:tgtEl>
+                                      </p:cBhvr>
+                                      <p:to x="100000" y="95000"/>
+                                    </p:animScale>
+                                    <p:animScale>
+                                      <p:cBhvr>
+                                        <p:cTn id="32" dur="166" decel="50000">
+                                          <p:stCondLst>
+                                            <p:cond delay="1834"/>
+                                          </p:stCondLst>
+                                        </p:cTn>
+                                        <p:tgtEl>
+                                          <p:spTgt spid="7"/>
+                                        </p:tgtEl>
+                                      </p:cBhvr>
+                                      <p:to x="100000" y="100000"/>
+                                    </p:animScale>
+                                  </p:childTnLst>
+                                </p:cTn>
+                              </p:par>
+                              <p:par>
+                                <p:cTn id="33" presetID="26" presetClass="entr" presetSubtype="0" fill="hold" nodeType="withEffect">
+                                  <p:stCondLst>
+                                    <p:cond delay="0"/>
+                                  </p:stCondLst>
+                                  <p:childTnLst>
+                                    <p:set>
+                                      <p:cBhvr>
+                                        <p:cTn id="34" dur="1" fill="hold">
+                                          <p:stCondLst>
+                                            <p:cond delay="0"/>
+                                          </p:stCondLst>
+                                        </p:cTn>
+                                        <p:tgtEl>
+                                          <p:spTgt spid="9"/>
+                                        </p:tgtEl>
+                                        <p:attrNameLst>
+                                          <p:attrName>style.visibility</p:attrName>
+                                        </p:attrNameLst>
+                                      </p:cBhvr>
+                                      <p:to>
+                                        <p:strVal val="visible"/>
+                                      </p:to>
+                                    </p:set>
+                                    <p:animEffect transition="in" filter="wipe(down)">
+                                      <p:cBhvr>
+                                        <p:cTn id="35" dur="580">
+                                          <p:stCondLst>
+                                            <p:cond delay="0"/>
+                                          </p:stCondLst>
+                                        </p:cTn>
+                                        <p:tgtEl>
+                                          <p:spTgt spid="9"/>
+                                        </p:tgtEl>
+                                      </p:cBhvr>
+                                    </p:animEffect>
+                                    <p:anim calcmode="lin" valueType="num">
+                                      <p:cBhvr>
+                                        <p:cTn id="36" dur="1822" tmFilter="0,0; 0.14,0.36; 0.43,0.73; 0.71,0.91; 1.0,1.0">
+                                          <p:stCondLst>
+                                            <p:cond delay="0"/>
+                                          </p:stCondLst>
+                                        </p:cTn>
+                                        <p:tgtEl>
+                                          <p:spTgt spid="9"/>
+                                        </p:tgtEl>
+                                        <p:attrNameLst>
+                                          <p:attrName>ppt_x</p:attrName>
+                                        </p:attrNameLst>
+                                      </p:cBhvr>
+                                      <p:tavLst>
+                                        <p:tav tm="0">
+                                          <p:val>
+                                            <p:strVal val="#ppt_x-0.25"/>
+                                          </p:val>
+                                        </p:tav>
+                                        <p:tav tm="100000">
+                                          <p:val>
+                                            <p:strVal val="#ppt_x"/>
+                                          </p:val>
+                                        </p:tav>
+                                      </p:tavLst>
+                                    </p:anim>
+                                    <p:anim calcmode="lin" valueType="num">
+                                      <p:cBhvr>
+                                        <p:cTn id="37" dur="664" tmFilter="0.0,0.0; 0.25,0.07; 0.50,0.2; 0.75,0.467; 1.0,1.0">
+                                          <p:stCondLst>
+                                            <p:cond delay="0"/>
+                                          </p:stCondLst>
+                                        </p:cTn>
+                                        <p:tgtEl>
+                                          <p:spTgt spid="9"/>
+                                        </p:tgtEl>
+                                        <p:attrNameLst>
+                                          <p:attrName>ppt_y</p:attrName>
+                                        </p:attrNameLst>
+                                      </p:cBhvr>
+                                      <p:tavLst>
+                                        <p:tav tm="0" fmla="#ppt_y-sin(pi*$)/3">
+                                          <p:val>
+                                            <p:fltVal val="0.5"/>
+                                          </p:val>
+                                        </p:tav>
+                                        <p:tav tm="100000">
+                                          <p:val>
+                                            <p:fltVal val="1"/>
+                                          </p:val>
+                                        </p:tav>
+                                      </p:tavLst>
+                                    </p:anim>
+                                    <p:anim calcmode="lin" valueType="num">
+                                      <p:cBhvr>
+                                        <p:cTn id="38" dur="664" tmFilter="0, 0; 0.125,0.2665; 0.25,0.4; 0.375,0.465; 0.5,0.5;  0.625,0.535; 0.75,0.6; 0.875,0.7335; 1,1">
+                                          <p:stCondLst>
+                                            <p:cond delay="664"/>
+                                          </p:stCondLst>
+                                        </p:cTn>
+                                        <p:tgtEl>
+                                          <p:spTgt spid="9"/>
+                                        </p:tgtEl>
+                                        <p:attrNameLst>
+                                          <p:attrName>ppt_y</p:attrName>
+                                        </p:attrNameLst>
+                                      </p:cBhvr>
+                                      <p:tavLst>
+                                        <p:tav tm="0" fmla="#ppt_y-sin(pi*$)/9">
+                                          <p:val>
+                                            <p:fltVal val="0"/>
+                                          </p:val>
+                                        </p:tav>
+                                        <p:tav tm="100000">
+                                          <p:val>
+                                            <p:fltVal val="1"/>
+                                          </p:val>
+                                        </p:tav>
+                                      </p:tavLst>
+                                    </p:anim>
+                                    <p:anim calcmode="lin" valueType="num">
+                                      <p:cBhvr>
+                                        <p:cTn id="39" dur="332" tmFilter="0, 0; 0.125,0.2665; 0.25,0.4; 0.375,0.465; 0.5,0.5;  0.625,0.535; 0.75,0.6; 0.875,0.7335; 1,1">
+                                          <p:stCondLst>
+                                            <p:cond delay="1324"/>
+                                          </p:stCondLst>
+                                        </p:cTn>
+                                        <p:tgtEl>
+                                          <p:spTgt spid="9"/>
+                                        </p:tgtEl>
+                                        <p:attrNameLst>
+                                          <p:attrName>ppt_y</p:attrName>
+                                        </p:attrNameLst>
+                                      </p:cBhvr>
+                                      <p:tavLst>
+                                        <p:tav tm="0" fmla="#ppt_y-sin(pi*$)/27">
+                                          <p:val>
+                                            <p:fltVal val="0"/>
+                                          </p:val>
+                                        </p:tav>
+                                        <p:tav tm="100000">
+                                          <p:val>
+                                            <p:fltVal val="1"/>
+                                          </p:val>
+                                        </p:tav>
+                                      </p:tavLst>
+                                    </p:anim>
+                                    <p:anim calcmode="lin" valueType="num">
+                                      <p:cBhvr>
+                                        <p:cTn id="40" dur="164" tmFilter="0, 0; 0.125,0.2665; 0.25,0.4; 0.375,0.465; 0.5,0.5;  0.625,0.535; 0.75,0.6; 0.875,0.7335; 1,1">
+                                          <p:stCondLst>
+                                            <p:cond delay="1656"/>
+                                          </p:stCondLst>
+                                        </p:cTn>
+                                        <p:tgtEl>
+                                          <p:spTgt spid="9"/>
+                                        </p:tgtEl>
+                                        <p:attrNameLst>
+                                          <p:attrName>ppt_y</p:attrName>
+                                        </p:attrNameLst>
+                                      </p:cBhvr>
+                                      <p:tavLst>
+                                        <p:tav tm="0" fmla="#ppt_y-sin(pi*$)/81">
+                                          <p:val>
+                                            <p:fltVal val="0"/>
+                                          </p:val>
+                                        </p:tav>
+                                        <p:tav tm="100000">
+                                          <p:val>
+                                            <p:fltVal val="1"/>
+                                          </p:val>
+                                        </p:tav>
+                                      </p:tavLst>
+                                    </p:anim>
+                                    <p:animScale>
+                                      <p:cBhvr>
+                                        <p:cTn id="41" dur="26">
+                                          <p:stCondLst>
+                                            <p:cond delay="650"/>
+                                          </p:stCondLst>
+                                        </p:cTn>
+                                        <p:tgtEl>
+                                          <p:spTgt spid="9"/>
+                                        </p:tgtEl>
+                                      </p:cBhvr>
+                                      <p:to x="100000" y="60000"/>
+                                    </p:animScale>
+                                    <p:animScale>
+                                      <p:cBhvr>
+                                        <p:cTn id="42" dur="166" decel="50000">
+                                          <p:stCondLst>
+                                            <p:cond delay="676"/>
+                                          </p:stCondLst>
+                                        </p:cTn>
+                                        <p:tgtEl>
+                                          <p:spTgt spid="9"/>
+                                        </p:tgtEl>
+                                      </p:cBhvr>
+                                      <p:to x="100000" y="100000"/>
+                                    </p:animScale>
+                                    <p:animScale>
+                                      <p:cBhvr>
+                                        <p:cTn id="43" dur="26">
+                                          <p:stCondLst>
+                                            <p:cond delay="1312"/>
+                                          </p:stCondLst>
+                                        </p:cTn>
+                                        <p:tgtEl>
+                                          <p:spTgt spid="9"/>
+                                        </p:tgtEl>
+                                      </p:cBhvr>
+                                      <p:to x="100000" y="80000"/>
+                                    </p:animScale>
+                                    <p:animScale>
+                                      <p:cBhvr>
+                                        <p:cTn id="44" dur="166" decel="50000">
+                                          <p:stCondLst>
+                                            <p:cond delay="1338"/>
+                                          </p:stCondLst>
+                                        </p:cTn>
+                                        <p:tgtEl>
+                                          <p:spTgt spid="9"/>
+                                        </p:tgtEl>
+                                      </p:cBhvr>
+                                      <p:to x="100000" y="100000"/>
+                                    </p:animScale>
+                                    <p:animScale>
+                                      <p:cBhvr>
+                                        <p:cTn id="45" dur="26">
+                                          <p:stCondLst>
+                                            <p:cond delay="1642"/>
+                                          </p:stCondLst>
+                                        </p:cTn>
+                                        <p:tgtEl>
+                                          <p:spTgt spid="9"/>
+                                        </p:tgtEl>
+                                      </p:cBhvr>
+                                      <p:to x="100000" y="90000"/>
+                                    </p:animScale>
+                                    <p:animScale>
+                                      <p:cBhvr>
+                                        <p:cTn id="46" dur="166" decel="50000">
+                                          <p:stCondLst>
+                                            <p:cond delay="1668"/>
+                                          </p:stCondLst>
+                                        </p:cTn>
+                                        <p:tgtEl>
+                                          <p:spTgt spid="9"/>
+                                        </p:tgtEl>
+                                      </p:cBhvr>
+                                      <p:to x="100000" y="100000"/>
+                                    </p:animScale>
+                                    <p:animScale>
+                                      <p:cBhvr>
+                                        <p:cTn id="47" dur="26">
+                                          <p:stCondLst>
+                                            <p:cond delay="1808"/>
+                                          </p:stCondLst>
+                                        </p:cTn>
+                                        <p:tgtEl>
+                                          <p:spTgt spid="9"/>
+                                        </p:tgtEl>
+                                      </p:cBhvr>
+                                      <p:to x="100000" y="95000"/>
+                                    </p:animScale>
+                                    <p:animScale>
+                                      <p:cBhvr>
+                                        <p:cTn id="48" dur="166" decel="50000">
+                                          <p:stCondLst>
+                                            <p:cond delay="1834"/>
+                                          </p:stCondLst>
+                                        </p:cTn>
+                                        <p:tgtEl>
+                                          <p:spTgt spid="9"/>
+                                        </p:tgtEl>
+                                      </p:cBhvr>
+                                      <p:to x="100000" y="100000"/>
+                                    </p:animScale>
+                                  </p:childTnLst>
+                                </p:cTn>
+                              </p:par>
+                            </p:childTnLst>
+                          </p:cTn>
+                        </p:par>
+                      </p:childTnLst>
+                    </p:cTn>
+                  </p:par>
+                </p:childTnLst>
+              </p:cTn>
+              <p:prevCondLst>
+                <p:cond evt="onPrev" delay="0">
+                  <p:tgtEl>
+                    <p:sldTgt/>
+                  </p:tgtEl>
+                </p:cond>
+              </p:prevCondLst>
+              <p:nextCondLst>
+                <p:cond evt="onNext" delay="0">
+                  <p:tgtEl>
+                    <p:sldTgt/>
+                  </p:tgtEl>
+                </p:cond>
+              </p:nextCondLst>
+            </p:seq>
+          </p:childTnLst>
+        </p:cTn>
+      </p:par>
+    </p:tnLst>
+    <p:bldLst>
+      <p:bldP spid="7" grpId="0" animBg="1"/>
+    </p:bldLst>
+  </p:timing>
+</p:sld>
+</file>
+
+<file path=ppt/slides/slide16.xml><?xml version="1.0" encoding="utf-8"?>
+<p:sld xmlns:a="http://schemas.openxmlformats.org/drawingml/2006/main" xmlns:r="http://schemas.openxmlformats.org/officeDocument/2006/relationships" xmlns:p="http://schemas.openxmlformats.org/presentationml/2006/main">
+  <p:cSld>
+    <p:spTree>
+      <p:nvGrpSpPr>
+        <p:cNvPr id="1" name=""/>
+        <p:cNvGrpSpPr/>
+        <p:nvPr/>
+      </p:nvGrpSpPr>
+      <p:grpSpPr>
+        <a:xfrm>
+          <a:off x="0" y="0"/>
+          <a:ext cx="0" cy="0"/>
+          <a:chOff x="0" y="0"/>
+          <a:chExt cx="0" cy="0"/>
+        </a:xfrm>
+      </p:grpSpPr>
+      <p:pic>
+        <p:nvPicPr>
+          <p:cNvPr id="5" name="Imagen 4">
+            <a:extLst>
+              <a:ext uri="{FF2B5EF4-FFF2-40B4-BE49-F238E27FC236}">
+                <a16:creationId xmlns:a16="http://schemas.microsoft.com/office/drawing/2014/main" id="{5C3BED08-7136-4574-8B5F-0A1F359A0118}"/>
+              </a:ext>
+            </a:extLst>
+          </p:cNvPr>
+          <p:cNvPicPr>
+            <a:picLocks noChangeAspect="1"/>
+          </p:cNvPicPr>
+          <p:nvPr/>
+        </p:nvPicPr>
+        <p:blipFill>
+          <a:blip r:embed="rId2"/>
+          <a:stretch>
+            <a:fillRect/>
+          </a:stretch>
+        </p:blipFill>
+        <p:spPr>
+          <a:xfrm>
+            <a:off x="2686655" y="3553904"/>
+            <a:ext cx="6152381" cy="3000000"/>
+          </a:xfrm>
+          <a:prstGeom prst="rect">
+            <a:avLst/>
+          </a:prstGeom>
+        </p:spPr>
+      </p:pic>
+      <p:sp>
+        <p:nvSpPr>
+          <p:cNvPr id="2" name="Título 1">
+            <a:extLst>
+              <a:ext uri="{FF2B5EF4-FFF2-40B4-BE49-F238E27FC236}">
+                <a16:creationId xmlns:a16="http://schemas.microsoft.com/office/drawing/2014/main" id="{CE2EAC98-B2D1-47A5-93EE-2245857C2A8F}"/>
+              </a:ext>
+            </a:extLst>
+          </p:cNvPr>
+          <p:cNvSpPr>
+            <a:spLocks noGrp="1"/>
+          </p:cNvSpPr>
+          <p:nvPr>
+            <p:ph type="title"/>
+          </p:nvPr>
+        </p:nvSpPr>
+        <p:spPr/>
+        <p:txBody>
+          <a:bodyPr/>
+          <a:lstStyle/>
+          <a:p>
+            <a:r>
+              <a:rPr lang="es-ES" dirty="0"/>
+              <a:t>DENSE_RANK</a:t>
+            </a:r>
+          </a:p>
+        </p:txBody>
+      </p:sp>
+      <p:sp>
+        <p:nvSpPr>
+          <p:cNvPr id="3" name="Marcador de contenido 2">
+            <a:extLst>
+              <a:ext uri="{FF2B5EF4-FFF2-40B4-BE49-F238E27FC236}">
+                <a16:creationId xmlns:a16="http://schemas.microsoft.com/office/drawing/2014/main" id="{F057BA84-1A7A-4AE3-BEDC-D0DA9F70FCB3}"/>
+              </a:ext>
+            </a:extLst>
+          </p:cNvPr>
+          <p:cNvSpPr>
+            <a:spLocks noGrp="1"/>
+          </p:cNvSpPr>
+          <p:nvPr>
+            <p:ph idx="1"/>
+          </p:nvPr>
+        </p:nvSpPr>
+        <p:spPr>
+          <a:xfrm>
+            <a:off x="628650" y="1221971"/>
+            <a:ext cx="7886700" cy="2414364"/>
+          </a:xfrm>
+        </p:spPr>
+        <p:txBody>
+          <a:bodyPr/>
+          <a:lstStyle/>
+          <a:p>
+            <a:r>
+              <a:rPr lang="es-NI" dirty="0"/>
+              <a:t>Es idéntica a la función RANK() excepto que no omite ningún rango. Esto significa que si se encuentran dos registros idénticos, DENSE_ RANK() asignará el mismo rango a ambos registros pero no lo omitirá y luego posteriormente omitirá el siguiente rango</a:t>
+            </a:r>
+            <a:endParaRPr lang="es-ES" dirty="0"/>
+          </a:p>
+        </p:txBody>
+      </p:sp>
+      <p:pic>
+        <p:nvPicPr>
+          <p:cNvPr id="4" name="Imagen 3">
+            <a:extLst>
+              <a:ext uri="{FF2B5EF4-FFF2-40B4-BE49-F238E27FC236}">
+                <a16:creationId xmlns:a16="http://schemas.microsoft.com/office/drawing/2014/main" id="{B1A183A8-F31C-4E1E-A76F-055D18B3B050}"/>
+              </a:ext>
+            </a:extLst>
+          </p:cNvPr>
+          <p:cNvPicPr>
+            <a:picLocks noChangeAspect="1"/>
+          </p:cNvPicPr>
+          <p:nvPr/>
+        </p:nvPicPr>
+        <p:blipFill>
+          <a:blip r:embed="rId3"/>
+          <a:stretch>
+            <a:fillRect/>
+          </a:stretch>
+        </p:blipFill>
+        <p:spPr>
+          <a:xfrm>
+            <a:off x="391074" y="3553904"/>
+            <a:ext cx="5257143" cy="1323810"/>
+          </a:xfrm>
+          <a:prstGeom prst="rect">
+            <a:avLst/>
+          </a:prstGeom>
+        </p:spPr>
+      </p:pic>
+    </p:spTree>
+    <p:extLst>
+      <p:ext uri="{BB962C8B-B14F-4D97-AF65-F5344CB8AC3E}">
+        <p14:creationId xmlns:p14="http://schemas.microsoft.com/office/powerpoint/2010/main" val="693174033"/>
+      </p:ext>
+    </p:extLst>
+  </p:cSld>
+  <p:clrMapOvr>
+    <a:masterClrMapping/>
+  </p:clrMapOvr>
+  <p:timing>
+    <p:tnLst>
+      <p:par>
+        <p:cTn id="1" dur="indefinite" restart="never" nodeType="tmRoot">
+          <p:childTnLst>
+            <p:seq concurrent="1" nextAc="seek">
+              <p:cTn id="2" dur="indefinite" nodeType="mainSeq">
+                <p:childTnLst>
+                  <p:par>
+                    <p:cTn id="3" fill="hold">
+                      <p:stCondLst>
+                        <p:cond delay="indefinite"/>
+                      </p:stCondLst>
+                      <p:childTnLst>
+                        <p:par>
+                          <p:cTn id="4" fill="hold">
+                            <p:stCondLst>
+                              <p:cond delay="0"/>
+                            </p:stCondLst>
+                            <p:childTnLst>
+                              <p:par>
+                                <p:cTn id="5" presetID="2" presetClass="entr" presetSubtype="4" fill="hold" nodeType="clickEffect">
+                                  <p:stCondLst>
+                                    <p:cond delay="0"/>
+                                  </p:stCondLst>
+                                  <p:childTnLst>
+                                    <p:set>
+                                      <p:cBhvr>
+                                        <p:cTn id="6" dur="1" fill="hold">
+                                          <p:stCondLst>
+                                            <p:cond delay="0"/>
+                                          </p:stCondLst>
+                                        </p:cTn>
+                                        <p:tgtEl>
+                                          <p:spTgt spid="4"/>
+                                        </p:tgtEl>
+                                        <p:attrNameLst>
+                                          <p:attrName>style.visibility</p:attrName>
+                                        </p:attrNameLst>
+                                      </p:cBhvr>
+                                      <p:to>
+                                        <p:strVal val="visible"/>
+                                      </p:to>
+                                    </p:set>
+                                    <p:anim calcmode="lin" valueType="num">
+                                      <p:cBhvr additive="base">
+                                        <p:cTn id="7" dur="500" fill="hold"/>
+                                        <p:tgtEl>
+                                          <p:spTgt spid="4"/>
+                                        </p:tgtEl>
+                                        <p:attrNameLst>
+                                          <p:attrName>ppt_x</p:attrName>
+                                        </p:attrNameLst>
+                                      </p:cBhvr>
+                                      <p:tavLst>
+                                        <p:tav tm="0">
+                                          <p:val>
+                                            <p:strVal val="#ppt_x"/>
+                                          </p:val>
+                                        </p:tav>
+                                        <p:tav tm="100000">
+                                          <p:val>
+                                            <p:strVal val="#ppt_x"/>
+                                          </p:val>
+                                        </p:tav>
+                                      </p:tavLst>
+                                    </p:anim>
+                                    <p:anim calcmode="lin" valueType="num">
+                                      <p:cBhvr additive="base">
+                                        <p:cTn id="8" dur="500" fill="hold"/>
+                                        <p:tgtEl>
+                                          <p:spTgt spid="4"/>
+                                        </p:tgtEl>
+                                        <p:attrNameLst>
+                                          <p:attrName>ppt_y</p:attrName>
+                                        </p:attrNameLst>
+                                      </p:cBhvr>
+                                      <p:tavLst>
+                                        <p:tav tm="0">
+                                          <p:val>
+                                            <p:strVal val="1+#ppt_h/2"/>
+                                          </p:val>
+                                        </p:tav>
+                                        <p:tav tm="100000">
+                                          <p:val>
+                                            <p:strVal val="#ppt_y"/>
+                                          </p:val>
+                                        </p:tav>
+                                      </p:tavLst>
+                                    </p:anim>
+                                  </p:childTnLst>
+                                </p:cTn>
+                              </p:par>
+                            </p:childTnLst>
+                          </p:cTn>
+                        </p:par>
+                      </p:childTnLst>
+                    </p:cTn>
+                  </p:par>
+                  <p:par>
+                    <p:cTn id="9" fill="hold">
+                      <p:stCondLst>
+                        <p:cond delay="indefinite"/>
+                      </p:stCondLst>
+                      <p:childTnLst>
+                        <p:par>
+                          <p:cTn id="10" fill="hold">
+                            <p:stCondLst>
+                              <p:cond delay="0"/>
+                            </p:stCondLst>
+                            <p:childTnLst>
+                              <p:par>
+                                <p:cTn id="11" presetID="2" presetClass="entr" presetSubtype="4" fill="hold" nodeType="clickEffect">
+                                  <p:stCondLst>
+                                    <p:cond delay="0"/>
+                                  </p:stCondLst>
+                                  <p:childTnLst>
+                                    <p:set>
+                                      <p:cBhvr>
+                                        <p:cTn id="12" dur="1" fill="hold">
+                                          <p:stCondLst>
+                                            <p:cond delay="0"/>
+                                          </p:stCondLst>
+                                        </p:cTn>
+                                        <p:tgtEl>
+                                          <p:spTgt spid="5"/>
+                                        </p:tgtEl>
+                                        <p:attrNameLst>
+                                          <p:attrName>style.visibility</p:attrName>
+                                        </p:attrNameLst>
+                                      </p:cBhvr>
+                                      <p:to>
+                                        <p:strVal val="visible"/>
+                                      </p:to>
+                                    </p:set>
+                                    <p:anim calcmode="lin" valueType="num">
+                                      <p:cBhvr additive="base">
+                                        <p:cTn id="13" dur="500" fill="hold"/>
+                                        <p:tgtEl>
+                                          <p:spTgt spid="5"/>
+                                        </p:tgtEl>
+                                        <p:attrNameLst>
+                                          <p:attrName>ppt_x</p:attrName>
+                                        </p:attrNameLst>
+                                      </p:cBhvr>
+                                      <p:tavLst>
+                                        <p:tav tm="0">
+                                          <p:val>
+                                            <p:strVal val="#ppt_x"/>
+                                          </p:val>
+                                        </p:tav>
+                                        <p:tav tm="100000">
+                                          <p:val>
+                                            <p:strVal val="#ppt_x"/>
+                                          </p:val>
+                                        </p:tav>
+                                      </p:tavLst>
+                                    </p:anim>
+                                    <p:anim calcmode="lin" valueType="num">
+                                      <p:cBhvr additive="base">
+                                        <p:cTn id="14" dur="500" fill="hold"/>
+                                        <p:tgtEl>
+                                          <p:spTgt spid="5"/>
+                                        </p:tgtEl>
+                                        <p:attrNameLst>
+                                          <p:attrName>ppt_y</p:attrName>
+                                        </p:attrNameLst>
+                                      </p:cBhvr>
+                                      <p:tavLst>
+                                        <p:tav tm="0">
+                                          <p:val>
+                                            <p:strVal val="1+#ppt_h/2"/>
+                                          </p:val>
+                                        </p:tav>
+                                        <p:tav tm="100000">
+                                          <p:val>
+                                            <p:strVal val="#ppt_y"/>
+                                          </p:val>
+                                        </p:tav>
+                                      </p:tavLst>
+                                    </p:anim>
+                                  </p:childTnLst>
+                                </p:cTn>
+                              </p:par>
+                            </p:childTnLst>
+                          </p:cTn>
+                        </p:par>
+                      </p:childTnLst>
+                    </p:cTn>
+                  </p:par>
+                </p:childTnLst>
+              </p:cTn>
+              <p:prevCondLst>
+                <p:cond evt="onPrev" delay="0">
+                  <p:tgtEl>
+                    <p:sldTgt/>
+                  </p:tgtEl>
+                </p:cond>
+              </p:prevCondLst>
+              <p:nextCondLst>
+                <p:cond evt="onNext" delay="0">
+                  <p:tgtEl>
+                    <p:sldTgt/>
+                  </p:tgtEl>
+                </p:cond>
+              </p:nextCondLst>
+            </p:seq>
+          </p:childTnLst>
+        </p:cTn>
+      </p:par>
+    </p:tnLst>
+  </p:timing>
+</p:sld>
+</file>
+
+<file path=ppt/slides/slide17.xml><?xml version="1.0" encoding="utf-8"?>
+<p:sld xmlns:a="http://schemas.openxmlformats.org/drawingml/2006/main" xmlns:r="http://schemas.openxmlformats.org/officeDocument/2006/relationships" xmlns:p="http://schemas.openxmlformats.org/presentationml/2006/main">
+  <p:cSld>
+    <p:spTree>
+      <p:nvGrpSpPr>
+        <p:cNvPr id="1" name=""/>
+        <p:cNvGrpSpPr/>
+        <p:nvPr/>
+      </p:nvGrpSpPr>
+      <p:grpSpPr>
+        <a:xfrm>
+          <a:off x="0" y="0"/>
+          <a:ext cx="0" cy="0"/>
+          <a:chOff x="0" y="0"/>
+          <a:chExt cx="0" cy="0"/>
+        </a:xfrm>
+      </p:grpSpPr>
+      <p:pic>
+        <p:nvPicPr>
+          <p:cNvPr id="5" name="Imagen 4">
+            <a:extLst>
+              <a:ext uri="{FF2B5EF4-FFF2-40B4-BE49-F238E27FC236}">
+                <a16:creationId xmlns:a16="http://schemas.microsoft.com/office/drawing/2014/main" id="{34BDB6A7-5E9A-415D-8998-41B7A687D3EA}"/>
+              </a:ext>
+            </a:extLst>
+          </p:cNvPr>
+          <p:cNvPicPr>
+            <a:picLocks noChangeAspect="1"/>
+          </p:cNvPicPr>
+          <p:nvPr/>
+        </p:nvPicPr>
+        <p:blipFill>
+          <a:blip r:embed="rId2"/>
+          <a:stretch>
+            <a:fillRect/>
+          </a:stretch>
+        </p:blipFill>
+        <p:spPr>
+          <a:xfrm>
+            <a:off x="2361609" y="3300428"/>
+            <a:ext cx="6504762" cy="2942857"/>
+          </a:xfrm>
+          <a:prstGeom prst="rect">
+            <a:avLst/>
+          </a:prstGeom>
+        </p:spPr>
+      </p:pic>
+      <p:sp>
+        <p:nvSpPr>
+          <p:cNvPr id="2" name="Título 1">
+            <a:extLst>
+              <a:ext uri="{FF2B5EF4-FFF2-40B4-BE49-F238E27FC236}">
+                <a16:creationId xmlns:a16="http://schemas.microsoft.com/office/drawing/2014/main" id="{2479859B-BEEA-4D13-A4AC-A86CC220F6F9}"/>
+              </a:ext>
+            </a:extLst>
+          </p:cNvPr>
+          <p:cNvSpPr>
+            <a:spLocks noGrp="1"/>
+          </p:cNvSpPr>
+          <p:nvPr>
+            <p:ph type="title"/>
+          </p:nvPr>
+        </p:nvSpPr>
+        <p:spPr/>
+        <p:txBody>
+          <a:bodyPr/>
+          <a:lstStyle/>
+          <a:p>
+            <a:r>
+              <a:rPr lang="es-ES" dirty="0"/>
+              <a:t>ROW_NUMBER</a:t>
+            </a:r>
+          </a:p>
+        </p:txBody>
+      </p:sp>
+      <p:sp>
+        <p:nvSpPr>
+          <p:cNvPr id="3" name="Marcador de contenido 2">
+            <a:extLst>
+              <a:ext uri="{FF2B5EF4-FFF2-40B4-BE49-F238E27FC236}">
+                <a16:creationId xmlns:a16="http://schemas.microsoft.com/office/drawing/2014/main" id="{866D181A-57F8-4152-A322-FE7CDD8B1AD8}"/>
+              </a:ext>
+            </a:extLst>
+          </p:cNvPr>
+          <p:cNvSpPr>
+            <a:spLocks noGrp="1"/>
+          </p:cNvSpPr>
+          <p:nvPr>
+            <p:ph idx="1"/>
+          </p:nvPr>
+        </p:nvSpPr>
+        <p:spPr>
+          <a:xfrm>
+            <a:off x="628650" y="1221971"/>
+            <a:ext cx="7886700" cy="2520689"/>
+          </a:xfrm>
+        </p:spPr>
+        <p:txBody>
+          <a:bodyPr>
+            <a:normAutofit lnSpcReduction="10000"/>
+          </a:bodyPr>
+          <a:lstStyle/>
+          <a:p>
+            <a:pPr fontAlgn="base"/>
+            <a:r>
+              <a:rPr lang="es-NI" dirty="0"/>
+              <a:t>El nombre se explica por sí mismo. Estas funciones asignan un número de fila único a cada registro.</a:t>
+            </a:r>
+          </a:p>
+          <a:p>
+            <a:pPr fontAlgn="base"/>
+            <a:r>
+              <a:rPr lang="es-NI" dirty="0"/>
+              <a:t>El número de fila se restablecerá para cada partición si se especifica PARTITION BY. Veamos cómo funciona ROW_ NUMBER( ) sin PARTITION BY y luego con PARTITION BY</a:t>
+            </a:r>
+          </a:p>
+        </p:txBody>
+      </p:sp>
+      <p:pic>
+        <p:nvPicPr>
+          <p:cNvPr id="4" name="Imagen 3">
+            <a:extLst>
+              <a:ext uri="{FF2B5EF4-FFF2-40B4-BE49-F238E27FC236}">
+                <a16:creationId xmlns:a16="http://schemas.microsoft.com/office/drawing/2014/main" id="{7AAB1A69-1AB3-4400-8E6E-9635ED524CCD}"/>
+              </a:ext>
+            </a:extLst>
+          </p:cNvPr>
+          <p:cNvPicPr>
+            <a:picLocks noChangeAspect="1"/>
+          </p:cNvPicPr>
+          <p:nvPr/>
+        </p:nvPicPr>
+        <p:blipFill>
+          <a:blip r:embed="rId3"/>
+          <a:stretch>
+            <a:fillRect/>
+          </a:stretch>
+        </p:blipFill>
+        <p:spPr>
+          <a:xfrm>
+            <a:off x="192710" y="3429000"/>
+            <a:ext cx="5228571" cy="1342857"/>
+          </a:xfrm>
+          <a:prstGeom prst="rect">
+            <a:avLst/>
+          </a:prstGeom>
+        </p:spPr>
+      </p:pic>
+    </p:spTree>
+    <p:extLst>
+      <p:ext uri="{BB962C8B-B14F-4D97-AF65-F5344CB8AC3E}">
+        <p14:creationId xmlns:p14="http://schemas.microsoft.com/office/powerpoint/2010/main" val="3472747544"/>
+      </p:ext>
+    </p:extLst>
+  </p:cSld>
+  <p:clrMapOvr>
+    <a:masterClrMapping/>
+  </p:clrMapOvr>
+  <p:timing>
+    <p:tnLst>
+      <p:par>
+        <p:cTn id="1" dur="indefinite" restart="never" nodeType="tmRoot">
+          <p:childTnLst>
+            <p:seq concurrent="1" nextAc="seek">
+              <p:cTn id="2" dur="indefinite" nodeType="mainSeq">
+                <p:childTnLst>
+                  <p:par>
+                    <p:cTn id="3" fill="hold">
+                      <p:stCondLst>
+                        <p:cond delay="indefinite"/>
+                      </p:stCondLst>
+                      <p:childTnLst>
+                        <p:par>
+                          <p:cTn id="4" fill="hold">
+                            <p:stCondLst>
+                              <p:cond delay="0"/>
+                            </p:stCondLst>
+                            <p:childTnLst>
+                              <p:par>
+                                <p:cTn id="5" presetID="2" presetClass="entr" presetSubtype="4" fill="hold" nodeType="clickEffect">
+                                  <p:stCondLst>
+                                    <p:cond delay="0"/>
+                                  </p:stCondLst>
+                                  <p:childTnLst>
+                                    <p:set>
+                                      <p:cBhvr>
+                                        <p:cTn id="6" dur="1" fill="hold">
+                                          <p:stCondLst>
+                                            <p:cond delay="0"/>
+                                          </p:stCondLst>
+                                        </p:cTn>
+                                        <p:tgtEl>
+                                          <p:spTgt spid="4"/>
+                                        </p:tgtEl>
+                                        <p:attrNameLst>
+                                          <p:attrName>style.visibility</p:attrName>
+                                        </p:attrNameLst>
+                                      </p:cBhvr>
+                                      <p:to>
+                                        <p:strVal val="visible"/>
+                                      </p:to>
+                                    </p:set>
+                                    <p:anim calcmode="lin" valueType="num">
+                                      <p:cBhvr additive="base">
+                                        <p:cTn id="7" dur="500" fill="hold"/>
+                                        <p:tgtEl>
+                                          <p:spTgt spid="4"/>
+                                        </p:tgtEl>
+                                        <p:attrNameLst>
+                                          <p:attrName>ppt_x</p:attrName>
+                                        </p:attrNameLst>
+                                      </p:cBhvr>
+                                      <p:tavLst>
+                                        <p:tav tm="0">
+                                          <p:val>
+                                            <p:strVal val="#ppt_x"/>
+                                          </p:val>
+                                        </p:tav>
+                                        <p:tav tm="100000">
+                                          <p:val>
+                                            <p:strVal val="#ppt_x"/>
+                                          </p:val>
+                                        </p:tav>
+                                      </p:tavLst>
+                                    </p:anim>
+                                    <p:anim calcmode="lin" valueType="num">
+                                      <p:cBhvr additive="base">
+                                        <p:cTn id="8" dur="500" fill="hold"/>
+                                        <p:tgtEl>
+                                          <p:spTgt spid="4"/>
+                                        </p:tgtEl>
+                                        <p:attrNameLst>
+                                          <p:attrName>ppt_y</p:attrName>
+                                        </p:attrNameLst>
+                                      </p:cBhvr>
+                                      <p:tavLst>
+                                        <p:tav tm="0">
+                                          <p:val>
+                                            <p:strVal val="1+#ppt_h/2"/>
+                                          </p:val>
+                                        </p:tav>
+                                        <p:tav tm="100000">
+                                          <p:val>
+                                            <p:strVal val="#ppt_y"/>
+                                          </p:val>
+                                        </p:tav>
+                                      </p:tavLst>
+                                    </p:anim>
+                                  </p:childTnLst>
+                                </p:cTn>
+                              </p:par>
+                            </p:childTnLst>
+                          </p:cTn>
+                        </p:par>
+                      </p:childTnLst>
+                    </p:cTn>
+                  </p:par>
+                  <p:par>
+                    <p:cTn id="9" fill="hold">
+                      <p:stCondLst>
+                        <p:cond delay="indefinite"/>
+                      </p:stCondLst>
+                      <p:childTnLst>
+                        <p:par>
+                          <p:cTn id="10" fill="hold">
+                            <p:stCondLst>
+                              <p:cond delay="0"/>
+                            </p:stCondLst>
+                            <p:childTnLst>
+                              <p:par>
+                                <p:cTn id="11" presetID="2" presetClass="entr" presetSubtype="4" fill="hold" nodeType="clickEffect">
+                                  <p:stCondLst>
+                                    <p:cond delay="0"/>
+                                  </p:stCondLst>
+                                  <p:childTnLst>
+                                    <p:set>
+                                      <p:cBhvr>
+                                        <p:cTn id="12" dur="1" fill="hold">
+                                          <p:stCondLst>
+                                            <p:cond delay="0"/>
+                                          </p:stCondLst>
+                                        </p:cTn>
+                                        <p:tgtEl>
+                                          <p:spTgt spid="5"/>
+                                        </p:tgtEl>
+                                        <p:attrNameLst>
+                                          <p:attrName>style.visibility</p:attrName>
+                                        </p:attrNameLst>
+                                      </p:cBhvr>
+                                      <p:to>
+                                        <p:strVal val="visible"/>
+                                      </p:to>
+                                    </p:set>
+                                    <p:anim calcmode="lin" valueType="num">
+                                      <p:cBhvr additive="base">
+                                        <p:cTn id="13" dur="500" fill="hold"/>
+                                        <p:tgtEl>
+                                          <p:spTgt spid="5"/>
+                                        </p:tgtEl>
+                                        <p:attrNameLst>
+                                          <p:attrName>ppt_x</p:attrName>
+                                        </p:attrNameLst>
+                                      </p:cBhvr>
+                                      <p:tavLst>
+                                        <p:tav tm="0">
+                                          <p:val>
+                                            <p:strVal val="#ppt_x"/>
+                                          </p:val>
+                                        </p:tav>
+                                        <p:tav tm="100000">
+                                          <p:val>
+                                            <p:strVal val="#ppt_x"/>
+                                          </p:val>
+                                        </p:tav>
+                                      </p:tavLst>
+                                    </p:anim>
+                                    <p:anim calcmode="lin" valueType="num">
+                                      <p:cBhvr additive="base">
+                                        <p:cTn id="14" dur="500" fill="hold"/>
+                                        <p:tgtEl>
+                                          <p:spTgt spid="5"/>
+                                        </p:tgtEl>
+                                        <p:attrNameLst>
+                                          <p:attrName>ppt_y</p:attrName>
+                                        </p:attrNameLst>
+                                      </p:cBhvr>
+                                      <p:tavLst>
+                                        <p:tav tm="0">
+                                          <p:val>
+                                            <p:strVal val="1+#ppt_h/2"/>
+                                          </p:val>
+                                        </p:tav>
+                                        <p:tav tm="100000">
+                                          <p:val>
+                                            <p:strVal val="#ppt_y"/>
+                                          </p:val>
+                                        </p:tav>
+                                      </p:tavLst>
+                                    </p:anim>
+                                  </p:childTnLst>
+                                </p:cTn>
+                              </p:par>
+                            </p:childTnLst>
+                          </p:cTn>
+                        </p:par>
+                      </p:childTnLst>
+                    </p:cTn>
+                  </p:par>
+                </p:childTnLst>
+              </p:cTn>
+              <p:prevCondLst>
+                <p:cond evt="onPrev" delay="0">
+                  <p:tgtEl>
+                    <p:sldTgt/>
+                  </p:tgtEl>
+                </p:cond>
+              </p:prevCondLst>
+              <p:nextCondLst>
+                <p:cond evt="onNext" delay="0">
+                  <p:tgtEl>
+                    <p:sldTgt/>
+                  </p:tgtEl>
+                </p:cond>
+              </p:nextCondLst>
+            </p:seq>
+          </p:childTnLst>
+        </p:cTn>
+      </p:par>
+    </p:tnLst>
+  </p:timing>
+</p:sld>
+</file>
+
+<file path=ppt/slides/slide18.xml><?xml version="1.0" encoding="utf-8"?>
+<p:sld xmlns:a="http://schemas.openxmlformats.org/drawingml/2006/main" xmlns:r="http://schemas.openxmlformats.org/officeDocument/2006/relationships" xmlns:p="http://schemas.openxmlformats.org/presentationml/2006/main">
+  <p:cSld>
+    <p:spTree>
+      <p:nvGrpSpPr>
+        <p:cNvPr id="1" name=""/>
+        <p:cNvGrpSpPr/>
+        <p:nvPr/>
+      </p:nvGrpSpPr>
+      <p:grpSpPr>
+        <a:xfrm>
+          <a:off x="0" y="0"/>
+          <a:ext cx="0" cy="0"/>
+          <a:chOff x="0" y="0"/>
+          <a:chExt cx="0" cy="0"/>
+        </a:xfrm>
+      </p:grpSpPr>
+      <p:pic>
+        <p:nvPicPr>
+          <p:cNvPr id="9" name="Imagen 8">
+            <a:extLst>
+              <a:ext uri="{FF2B5EF4-FFF2-40B4-BE49-F238E27FC236}">
+                <a16:creationId xmlns:a16="http://schemas.microsoft.com/office/drawing/2014/main" id="{0C63A69C-3EEC-431F-AFDD-171AAE0D4D5A}"/>
+              </a:ext>
+            </a:extLst>
+          </p:cNvPr>
+          <p:cNvPicPr>
+            <a:picLocks noChangeAspect="1"/>
+          </p:cNvPicPr>
+          <p:nvPr/>
+        </p:nvPicPr>
+        <p:blipFill>
+          <a:blip r:embed="rId2"/>
+          <a:stretch>
+            <a:fillRect/>
+          </a:stretch>
+        </p:blipFill>
+        <p:spPr>
+          <a:xfrm>
+            <a:off x="2425263" y="3776532"/>
+            <a:ext cx="6514286" cy="2961905"/>
+          </a:xfrm>
+          <a:prstGeom prst="rect">
+            <a:avLst/>
+          </a:prstGeom>
+        </p:spPr>
+      </p:pic>
+      <p:pic>
+        <p:nvPicPr>
+          <p:cNvPr id="5" name="Imagen 4">
+            <a:extLst>
+              <a:ext uri="{FF2B5EF4-FFF2-40B4-BE49-F238E27FC236}">
+                <a16:creationId xmlns:a16="http://schemas.microsoft.com/office/drawing/2014/main" id="{34BDB6A7-5E9A-415D-8998-41B7A687D3EA}"/>
+              </a:ext>
+            </a:extLst>
+          </p:cNvPr>
+          <p:cNvPicPr>
+            <a:picLocks noChangeAspect="1"/>
+          </p:cNvPicPr>
+          <p:nvPr/>
+        </p:nvPicPr>
+        <p:blipFill>
+          <a:blip r:embed="rId3"/>
+          <a:stretch>
+            <a:fillRect/>
+          </a:stretch>
+        </p:blipFill>
+        <p:spPr>
+          <a:xfrm>
+            <a:off x="2425263" y="833675"/>
+            <a:ext cx="6504762" cy="2942857"/>
+          </a:xfrm>
+          <a:prstGeom prst="rect">
+            <a:avLst/>
+          </a:prstGeom>
+        </p:spPr>
+      </p:pic>
+      <p:sp>
+        <p:nvSpPr>
+          <p:cNvPr id="2" name="Título 1">
+            <a:extLst>
+              <a:ext uri="{FF2B5EF4-FFF2-40B4-BE49-F238E27FC236}">
+                <a16:creationId xmlns:a16="http://schemas.microsoft.com/office/drawing/2014/main" id="{2479859B-BEEA-4D13-A4AC-A86CC220F6F9}"/>
+              </a:ext>
+            </a:extLst>
+          </p:cNvPr>
+          <p:cNvSpPr>
+            <a:spLocks noGrp="1"/>
+          </p:cNvSpPr>
+          <p:nvPr>
+            <p:ph type="title"/>
+          </p:nvPr>
+        </p:nvSpPr>
+        <p:spPr/>
+        <p:txBody>
+          <a:bodyPr/>
+          <a:lstStyle/>
+          <a:p>
+            <a:r>
+              <a:rPr lang="es-ES" dirty="0"/>
+              <a:t>ROW_NUMBER</a:t>
+            </a:r>
+          </a:p>
+        </p:txBody>
+      </p:sp>
+      <p:pic>
+        <p:nvPicPr>
+          <p:cNvPr id="4" name="Imagen 3">
+            <a:extLst>
+              <a:ext uri="{FF2B5EF4-FFF2-40B4-BE49-F238E27FC236}">
+                <a16:creationId xmlns:a16="http://schemas.microsoft.com/office/drawing/2014/main" id="{7AAB1A69-1AB3-4400-8E6E-9635ED524CCD}"/>
+              </a:ext>
+            </a:extLst>
+          </p:cNvPr>
+          <p:cNvPicPr>
+            <a:picLocks noChangeAspect="1"/>
+          </p:cNvPicPr>
+          <p:nvPr/>
+        </p:nvPicPr>
+        <p:blipFill>
+          <a:blip r:embed="rId4"/>
+          <a:stretch>
+            <a:fillRect/>
+          </a:stretch>
+        </p:blipFill>
+        <p:spPr>
+          <a:xfrm>
+            <a:off x="213975" y="1132368"/>
+            <a:ext cx="5228571" cy="1342857"/>
+          </a:xfrm>
+          <a:prstGeom prst="rect">
+            <a:avLst/>
+          </a:prstGeom>
+        </p:spPr>
+      </p:pic>
+      <p:pic>
+        <p:nvPicPr>
+          <p:cNvPr id="8" name="Imagen 7">
+            <a:extLst>
+              <a:ext uri="{FF2B5EF4-FFF2-40B4-BE49-F238E27FC236}">
+                <a16:creationId xmlns:a16="http://schemas.microsoft.com/office/drawing/2014/main" id="{C2AC4EBF-F45C-4D56-BC40-3CA8507ED7C6}"/>
+              </a:ext>
+            </a:extLst>
+          </p:cNvPr>
+          <p:cNvPicPr>
+            <a:picLocks noChangeAspect="1"/>
+          </p:cNvPicPr>
+          <p:nvPr/>
+        </p:nvPicPr>
+        <p:blipFill>
+          <a:blip r:embed="rId5"/>
+          <a:stretch>
+            <a:fillRect/>
+          </a:stretch>
+        </p:blipFill>
+        <p:spPr>
+          <a:xfrm>
+            <a:off x="213975" y="4104581"/>
+            <a:ext cx="6542857" cy="1285714"/>
+          </a:xfrm>
+          <a:prstGeom prst="rect">
+            <a:avLst/>
+          </a:prstGeom>
+        </p:spPr>
+      </p:pic>
+    </p:spTree>
+    <p:extLst>
+      <p:ext uri="{BB962C8B-B14F-4D97-AF65-F5344CB8AC3E}">
+        <p14:creationId xmlns:p14="http://schemas.microsoft.com/office/powerpoint/2010/main" val="2814576197"/>
+      </p:ext>
+    </p:extLst>
+  </p:cSld>
+  <p:clrMapOvr>
+    <a:masterClrMapping/>
+  </p:clrMapOvr>
+  <p:timing>
+    <p:tnLst>
+      <p:par>
+        <p:cTn id="1" dur="indefinite" restart="never" nodeType="tmRoot">
+          <p:childTnLst>
+            <p:seq concurrent="1" nextAc="seek">
+              <p:cTn id="2" dur="indefinite" nodeType="mainSeq">
+                <p:childTnLst>
+                  <p:par>
+                    <p:cTn id="3" fill="hold">
+                      <p:stCondLst>
+                        <p:cond delay="indefinite"/>
+                      </p:stCondLst>
+                      <p:childTnLst>
+                        <p:par>
+                          <p:cTn id="4" fill="hold">
+                            <p:stCondLst>
+                              <p:cond delay="0"/>
+                            </p:stCondLst>
+                            <p:childTnLst>
+                              <p:par>
+                                <p:cTn id="5" presetID="2" presetClass="entr" presetSubtype="4" fill="hold" nodeType="clickEffect">
+                                  <p:stCondLst>
+                                    <p:cond delay="0"/>
+                                  </p:stCondLst>
+                                  <p:childTnLst>
+                                    <p:set>
+                                      <p:cBhvr>
+                                        <p:cTn id="6" dur="1" fill="hold">
+                                          <p:stCondLst>
+                                            <p:cond delay="0"/>
+                                          </p:stCondLst>
+                                        </p:cTn>
+                                        <p:tgtEl>
+                                          <p:spTgt spid="4"/>
+                                        </p:tgtEl>
+                                        <p:attrNameLst>
+                                          <p:attrName>style.visibility</p:attrName>
+                                        </p:attrNameLst>
+                                      </p:cBhvr>
+                                      <p:to>
+                                        <p:strVal val="visible"/>
+                                      </p:to>
+                                    </p:set>
+                                    <p:anim calcmode="lin" valueType="num">
+                                      <p:cBhvr additive="base">
+                                        <p:cTn id="7" dur="500" fill="hold"/>
+                                        <p:tgtEl>
+                                          <p:spTgt spid="4"/>
+                                        </p:tgtEl>
+                                        <p:attrNameLst>
+                                          <p:attrName>ppt_x</p:attrName>
+                                        </p:attrNameLst>
+                                      </p:cBhvr>
+                                      <p:tavLst>
+                                        <p:tav tm="0">
+                                          <p:val>
+                                            <p:strVal val="#ppt_x"/>
+                                          </p:val>
+                                        </p:tav>
+                                        <p:tav tm="100000">
+                                          <p:val>
+                                            <p:strVal val="#ppt_x"/>
+                                          </p:val>
+                                        </p:tav>
+                                      </p:tavLst>
+                                    </p:anim>
+                                    <p:anim calcmode="lin" valueType="num">
+                                      <p:cBhvr additive="base">
+                                        <p:cTn id="8" dur="500" fill="hold"/>
+                                        <p:tgtEl>
+                                          <p:spTgt spid="4"/>
+                                        </p:tgtEl>
+                                        <p:attrNameLst>
+                                          <p:attrName>ppt_y</p:attrName>
+                                        </p:attrNameLst>
+                                      </p:cBhvr>
+                                      <p:tavLst>
+                                        <p:tav tm="0">
+                                          <p:val>
+                                            <p:strVal val="1+#ppt_h/2"/>
+                                          </p:val>
+                                        </p:tav>
+                                        <p:tav tm="100000">
+                                          <p:val>
+                                            <p:strVal val="#ppt_y"/>
+                                          </p:val>
+                                        </p:tav>
+                                      </p:tavLst>
+                                    </p:anim>
+                                  </p:childTnLst>
+                                </p:cTn>
+                              </p:par>
+                            </p:childTnLst>
+                          </p:cTn>
+                        </p:par>
+                      </p:childTnLst>
+                    </p:cTn>
+                  </p:par>
+                  <p:par>
+                    <p:cTn id="9" fill="hold">
+                      <p:stCondLst>
+                        <p:cond delay="indefinite"/>
+                      </p:stCondLst>
+                      <p:childTnLst>
+                        <p:par>
+                          <p:cTn id="10" fill="hold">
+                            <p:stCondLst>
+                              <p:cond delay="0"/>
+                            </p:stCondLst>
+                            <p:childTnLst>
+                              <p:par>
+                                <p:cTn id="11" presetID="2" presetClass="entr" presetSubtype="4" fill="hold" nodeType="clickEffect">
+                                  <p:stCondLst>
+                                    <p:cond delay="0"/>
+                                  </p:stCondLst>
+                                  <p:childTnLst>
+                                    <p:set>
+                                      <p:cBhvr>
+                                        <p:cTn id="12" dur="1" fill="hold">
+                                          <p:stCondLst>
+                                            <p:cond delay="0"/>
+                                          </p:stCondLst>
+                                        </p:cTn>
+                                        <p:tgtEl>
+                                          <p:spTgt spid="5"/>
+                                        </p:tgtEl>
+                                        <p:attrNameLst>
+                                          <p:attrName>style.visibility</p:attrName>
+                                        </p:attrNameLst>
+                                      </p:cBhvr>
+                                      <p:to>
+                                        <p:strVal val="visible"/>
+                                      </p:to>
+                                    </p:set>
+                                    <p:anim calcmode="lin" valueType="num">
+                                      <p:cBhvr additive="base">
+                                        <p:cTn id="13" dur="500" fill="hold"/>
+                                        <p:tgtEl>
+                                          <p:spTgt spid="5"/>
+                                        </p:tgtEl>
+                                        <p:attrNameLst>
+                                          <p:attrName>ppt_x</p:attrName>
+                                        </p:attrNameLst>
+                                      </p:cBhvr>
+                                      <p:tavLst>
+                                        <p:tav tm="0">
+                                          <p:val>
+                                            <p:strVal val="#ppt_x"/>
+                                          </p:val>
+                                        </p:tav>
+                                        <p:tav tm="100000">
+                                          <p:val>
+                                            <p:strVal val="#ppt_x"/>
+                                          </p:val>
+                                        </p:tav>
+                                      </p:tavLst>
+                                    </p:anim>
+                                    <p:anim calcmode="lin" valueType="num">
+                                      <p:cBhvr additive="base">
+                                        <p:cTn id="14" dur="500" fill="hold"/>
+                                        <p:tgtEl>
+                                          <p:spTgt spid="5"/>
+                                        </p:tgtEl>
+                                        <p:attrNameLst>
+                                          <p:attrName>ppt_y</p:attrName>
+                                        </p:attrNameLst>
+                                      </p:cBhvr>
+                                      <p:tavLst>
+                                        <p:tav tm="0">
+                                          <p:val>
+                                            <p:strVal val="1+#ppt_h/2"/>
+                                          </p:val>
+                                        </p:tav>
+                                        <p:tav tm="100000">
+                                          <p:val>
+                                            <p:strVal val="#ppt_y"/>
+                                          </p:val>
+                                        </p:tav>
+                                      </p:tavLst>
+                                    </p:anim>
+                                  </p:childTnLst>
+                                </p:cTn>
+                              </p:par>
+                            </p:childTnLst>
+                          </p:cTn>
+                        </p:par>
+                      </p:childTnLst>
+                    </p:cTn>
+                  </p:par>
+                  <p:par>
+                    <p:cTn id="15" fill="hold">
+                      <p:stCondLst>
+                        <p:cond delay="indefinite"/>
+                      </p:stCondLst>
+                      <p:childTnLst>
+                        <p:par>
+                          <p:cTn id="16" fill="hold">
+                            <p:stCondLst>
+                              <p:cond delay="0"/>
+                            </p:stCondLst>
+                            <p:childTnLst>
+                              <p:par>
+                                <p:cTn id="17" presetID="2" presetClass="entr" presetSubtype="4" fill="hold" nodeType="clickEffect">
+                                  <p:stCondLst>
+                                    <p:cond delay="0"/>
+                                  </p:stCondLst>
+                                  <p:childTnLst>
+                                    <p:set>
+                                      <p:cBhvr>
+                                        <p:cTn id="18" dur="1" fill="hold">
+                                          <p:stCondLst>
+                                            <p:cond delay="0"/>
+                                          </p:stCondLst>
+                                        </p:cTn>
+                                        <p:tgtEl>
+                                          <p:spTgt spid="8"/>
+                                        </p:tgtEl>
+                                        <p:attrNameLst>
+                                          <p:attrName>style.visibility</p:attrName>
+                                        </p:attrNameLst>
+                                      </p:cBhvr>
+                                      <p:to>
+                                        <p:strVal val="visible"/>
+                                      </p:to>
+                                    </p:set>
+                                    <p:anim calcmode="lin" valueType="num">
+                                      <p:cBhvr additive="base">
+                                        <p:cTn id="19" dur="500" fill="hold"/>
+                                        <p:tgtEl>
+                                          <p:spTgt spid="8"/>
+                                        </p:tgtEl>
+                                        <p:attrNameLst>
+                                          <p:attrName>ppt_x</p:attrName>
+                                        </p:attrNameLst>
+                                      </p:cBhvr>
+                                      <p:tavLst>
+                                        <p:tav tm="0">
+                                          <p:val>
+                                            <p:strVal val="#ppt_x"/>
+                                          </p:val>
+                                        </p:tav>
+                                        <p:tav tm="100000">
+                                          <p:val>
+                                            <p:strVal val="#ppt_x"/>
+                                          </p:val>
+                                        </p:tav>
+                                      </p:tavLst>
+                                    </p:anim>
+                                    <p:anim calcmode="lin" valueType="num">
+                                      <p:cBhvr additive="base">
+                                        <p:cTn id="20" dur="500" fill="hold"/>
+                                        <p:tgtEl>
+                                          <p:spTgt spid="8"/>
+                                        </p:tgtEl>
+                                        <p:attrNameLst>
+                                          <p:attrName>ppt_y</p:attrName>
+                                        </p:attrNameLst>
+                                      </p:cBhvr>
+                                      <p:tavLst>
+                                        <p:tav tm="0">
+                                          <p:val>
+                                            <p:strVal val="1+#ppt_h/2"/>
+                                          </p:val>
+                                        </p:tav>
+                                        <p:tav tm="100000">
+                                          <p:val>
+                                            <p:strVal val="#ppt_y"/>
+                                          </p:val>
+                                        </p:tav>
+                                      </p:tavLst>
+                                    </p:anim>
+                                  </p:childTnLst>
+                                </p:cTn>
+                              </p:par>
+                            </p:childTnLst>
+                          </p:cTn>
+                        </p:par>
+                      </p:childTnLst>
+                    </p:cTn>
+                  </p:par>
+                  <p:par>
+                    <p:cTn id="21" fill="hold">
+                      <p:stCondLst>
+                        <p:cond delay="indefinite"/>
+                      </p:stCondLst>
+                      <p:childTnLst>
+                        <p:par>
+                          <p:cTn id="22" fill="hold">
+                            <p:stCondLst>
+                              <p:cond delay="0"/>
+                            </p:stCondLst>
+                            <p:childTnLst>
+                              <p:par>
+                                <p:cTn id="23" presetID="2" presetClass="entr" presetSubtype="4" fill="hold" nodeType="clickEffect">
+                                  <p:stCondLst>
+                                    <p:cond delay="0"/>
+                                  </p:stCondLst>
+                                  <p:childTnLst>
+                                    <p:set>
+                                      <p:cBhvr>
+                                        <p:cTn id="24" dur="1" fill="hold">
+                                          <p:stCondLst>
+                                            <p:cond delay="0"/>
+                                          </p:stCondLst>
+                                        </p:cTn>
+                                        <p:tgtEl>
+                                          <p:spTgt spid="9"/>
+                                        </p:tgtEl>
+                                        <p:attrNameLst>
+                                          <p:attrName>style.visibility</p:attrName>
+                                        </p:attrNameLst>
+                                      </p:cBhvr>
+                                      <p:to>
+                                        <p:strVal val="visible"/>
+                                      </p:to>
+                                    </p:set>
+                                    <p:anim calcmode="lin" valueType="num">
+                                      <p:cBhvr additive="base">
+                                        <p:cTn id="25" dur="500" fill="hold"/>
+                                        <p:tgtEl>
+                                          <p:spTgt spid="9"/>
+                                        </p:tgtEl>
+                                        <p:attrNameLst>
+                                          <p:attrName>ppt_x</p:attrName>
+                                        </p:attrNameLst>
+                                      </p:cBhvr>
+                                      <p:tavLst>
+                                        <p:tav tm="0">
+                                          <p:val>
+                                            <p:strVal val="#ppt_x"/>
+                                          </p:val>
+                                        </p:tav>
+                                        <p:tav tm="100000">
+                                          <p:val>
+                                            <p:strVal val="#ppt_x"/>
+                                          </p:val>
+                                        </p:tav>
+                                      </p:tavLst>
+                                    </p:anim>
+                                    <p:anim calcmode="lin" valueType="num">
+                                      <p:cBhvr additive="base">
+                                        <p:cTn id="26" dur="500" fill="hold"/>
+                                        <p:tgtEl>
+                                          <p:spTgt spid="9"/>
+                                        </p:tgtEl>
+                                        <p:attrNameLst>
+                                          <p:attrName>ppt_y</p:attrName>
+                                        </p:attrNameLst>
+                                      </p:cBhvr>
+                                      <p:tavLst>
+                                        <p:tav tm="0">
+                                          <p:val>
+                                            <p:strVal val="1+#ppt_h/2"/>
+                                          </p:val>
+                                        </p:tav>
+                                        <p:tav tm="100000">
+                                          <p:val>
+                                            <p:strVal val="#ppt_y"/>
+                                          </p:val>
+                                        </p:tav>
+                                      </p:tavLst>
+                                    </p:anim>
+                                  </p:childTnLst>
+                                </p:cTn>
+                              </p:par>
+                            </p:childTnLst>
+                          </p:cTn>
+                        </p:par>
+                      </p:childTnLst>
+                    </p:cTn>
+                  </p:par>
+                </p:childTnLst>
+              </p:cTn>
+              <p:prevCondLst>
+                <p:cond evt="onPrev" delay="0">
+                  <p:tgtEl>
+                    <p:sldTgt/>
+                  </p:tgtEl>
+                </p:cond>
+              </p:prevCondLst>
+              <p:nextCondLst>
+                <p:cond evt="onNext" delay="0">
+                  <p:tgtEl>
+                    <p:sldTgt/>
+                  </p:tgtEl>
+                </p:cond>
+              </p:nextCondLst>
+            </p:seq>
+          </p:childTnLst>
+        </p:cTn>
+      </p:par>
+    </p:tnLst>
+  </p:timing>
+</p:sld>
+</file>
+
+<file path=ppt/slides/slide19.xml><?xml version="1.0" encoding="utf-8"?>
+<p:sld xmlns:a="http://schemas.openxmlformats.org/drawingml/2006/main" xmlns:r="http://schemas.openxmlformats.org/officeDocument/2006/relationships" xmlns:p="http://schemas.openxmlformats.org/presentationml/2006/main">
+  <p:cSld>
+    <p:spTree>
+      <p:nvGrpSpPr>
+        <p:cNvPr id="1" name=""/>
+        <p:cNvGrpSpPr/>
+        <p:nvPr/>
+      </p:nvGrpSpPr>
+      <p:grpSpPr>
+        <a:xfrm>
+          <a:off x="0" y="0"/>
+          <a:ext cx="0" cy="0"/>
+          <a:chOff x="0" y="0"/>
+          <a:chExt cx="0" cy="0"/>
+        </a:xfrm>
+      </p:grpSpPr>
+      <p:sp>
+        <p:nvSpPr>
+          <p:cNvPr id="2" name="Título 1">
+            <a:extLst>
+              <a:ext uri="{FF2B5EF4-FFF2-40B4-BE49-F238E27FC236}">
+                <a16:creationId xmlns:a16="http://schemas.microsoft.com/office/drawing/2014/main" id="{8558F514-B638-432F-B620-55D0E262803D}"/>
+              </a:ext>
+            </a:extLst>
+          </p:cNvPr>
+          <p:cNvSpPr>
+            <a:spLocks noGrp="1"/>
+          </p:cNvSpPr>
+          <p:nvPr>
+            <p:ph type="title"/>
+          </p:nvPr>
+        </p:nvSpPr>
+        <p:spPr/>
+        <p:txBody>
+          <a:bodyPr/>
+          <a:lstStyle/>
+          <a:p>
+            <a:r>
+              <a:rPr lang="es-ES" dirty="0"/>
+              <a:t>NTILDE</a:t>
+            </a:r>
+          </a:p>
+        </p:txBody>
+      </p:sp>
+      <p:sp>
+        <p:nvSpPr>
+          <p:cNvPr id="3" name="Marcador de contenido 2">
+            <a:extLst>
+              <a:ext uri="{FF2B5EF4-FFF2-40B4-BE49-F238E27FC236}">
+                <a16:creationId xmlns:a16="http://schemas.microsoft.com/office/drawing/2014/main" id="{605626B0-7361-427D-80E1-6DBC73B94950}"/>
+              </a:ext>
+            </a:extLst>
+          </p:cNvPr>
+          <p:cNvSpPr>
+            <a:spLocks noGrp="1"/>
+          </p:cNvSpPr>
+          <p:nvPr>
+            <p:ph idx="1"/>
+          </p:nvPr>
+        </p:nvSpPr>
+        <p:spPr/>
+        <p:txBody>
+          <a:bodyPr/>
+          <a:lstStyle/>
+          <a:p>
+            <a:r>
+              <a:rPr lang="es-NI" dirty="0"/>
+              <a:t>NTILE( ) es una función muy útil de Windows. Le ayuda a identificar en qué percentil (o cuartil, o cualquier otra subdivisión) cae una fila determinada.</a:t>
+            </a:r>
+          </a:p>
+          <a:p>
+            <a:r>
+              <a:rPr lang="es-NI" dirty="0"/>
+              <a:t>Esto significa que si tiene 100 filas y desea crear 4 cuartiles basados en un campo de valor especificado, puede hacerlo fácilmente y ver cuántas filas caen en cada cuartil.</a:t>
+            </a:r>
+            <a:endParaRPr lang="es-ES" dirty="0"/>
+          </a:p>
+        </p:txBody>
+      </p:sp>
+    </p:spTree>
+    <p:extLst>
+      <p:ext uri="{BB962C8B-B14F-4D97-AF65-F5344CB8AC3E}">
+        <p14:creationId xmlns:p14="http://schemas.microsoft.com/office/powerpoint/2010/main" val="3142685539"/>
+      </p:ext>
+    </p:extLst>
+  </p:cSld>
+  <p:clrMapOvr>
+    <a:masterClrMapping/>
+  </p:clrMapOvr>
+</p:sld>
+</file>
+
+<file path=ppt/slides/slide2.xml><?xml version="1.0" encoding="utf-8"?>
+<p:sld xmlns:a="http://schemas.openxmlformats.org/drawingml/2006/main" xmlns:r="http://schemas.openxmlformats.org/officeDocument/2006/relationships" xmlns:p="http://schemas.openxmlformats.org/presentationml/2006/main">
+  <p:cSld>
+    <p:spTree>
+      <p:nvGrpSpPr>
+        <p:cNvPr id="1" name=""/>
+        <p:cNvGrpSpPr/>
+        <p:nvPr/>
+      </p:nvGrpSpPr>
+      <p:grpSpPr>
+        <a:xfrm>
+          <a:off x="0" y="0"/>
+          <a:ext cx="0" cy="0"/>
+          <a:chOff x="0" y="0"/>
+          <a:chExt cx="0" cy="0"/>
+        </a:xfrm>
+      </p:grpSpPr>
+      <p:sp>
+        <p:nvSpPr>
+          <p:cNvPr id="2" name="Título 1">
+            <a:extLst>
+              <a:ext uri="{FF2B5EF4-FFF2-40B4-BE49-F238E27FC236}">
+                <a16:creationId xmlns:a16="http://schemas.microsoft.com/office/drawing/2014/main" id="{44F78BE5-0AC9-4CAF-8A96-3F4234CCE390}"/>
+              </a:ext>
+            </a:extLst>
+          </p:cNvPr>
+          <p:cNvSpPr>
+            <a:spLocks noGrp="1"/>
+          </p:cNvSpPr>
+          <p:nvPr>
+            <p:ph type="title"/>
+          </p:nvPr>
+        </p:nvSpPr>
+        <p:spPr/>
+        <p:txBody>
+          <a:bodyPr/>
+          <a:lstStyle/>
+          <a:p>
+            <a:r>
+              <a:rPr lang="es-NI" dirty="0"/>
+              <a:t>Windows </a:t>
+            </a:r>
+            <a:r>
+              <a:rPr lang="es-NI" dirty="0" err="1"/>
+              <a:t>Function</a:t>
+            </a:r>
+            <a:endParaRPr lang="es-NI" dirty="0"/>
+          </a:p>
+        </p:txBody>
+      </p:sp>
+      <p:sp>
+        <p:nvSpPr>
+          <p:cNvPr id="3" name="Marcador de contenido 2">
+            <a:extLst>
+              <a:ext uri="{FF2B5EF4-FFF2-40B4-BE49-F238E27FC236}">
+                <a16:creationId xmlns:a16="http://schemas.microsoft.com/office/drawing/2014/main" id="{116ADB10-4B9A-4EF6-AF31-AA4CAB3283E8}"/>
+              </a:ext>
+            </a:extLst>
+          </p:cNvPr>
+          <p:cNvSpPr>
+            <a:spLocks noGrp="1"/>
+          </p:cNvSpPr>
+          <p:nvPr>
+            <p:ph idx="1"/>
+          </p:nvPr>
+        </p:nvSpPr>
+        <p:spPr/>
+        <p:txBody>
+          <a:bodyPr>
+            <a:normAutofit fontScale="92500"/>
+          </a:bodyPr>
+          <a:lstStyle/>
+          <a:p>
+            <a:r>
+              <a:rPr lang="es-NI" dirty="0"/>
+              <a:t>Todos los usuarios de la base de datos conocen las funciones agregadas regulares que operan en una tabla completa y se usan con una cláusula GROUP BY.</a:t>
+            </a:r>
+          </a:p>
+          <a:p>
+            <a:r>
+              <a:rPr lang="es-NI" dirty="0"/>
+              <a:t>Pero muy pocas personas usan las funciones de Windows en SQL. Estos operan en un conjunto de filas y devuelven un único valor agregado para cada fila</a:t>
+            </a:r>
+          </a:p>
+          <a:p>
+            <a:r>
+              <a:rPr lang="es-NI" dirty="0"/>
+              <a:t>La principal ventaja de usar las funciones de Windows sobre las funciones agregadas regulares es</a:t>
+            </a:r>
+          </a:p>
+          <a:p>
+            <a:pPr lvl="1"/>
+            <a:r>
+              <a:rPr lang="es-NI" dirty="0"/>
+              <a:t>Las funciones de Windows no hacen que las filas se agrupen en una sola fila de salida, las filas retienen sus identidades separadas y solo se añadirá un valor agregado a cada fila. </a:t>
+            </a:r>
+          </a:p>
+        </p:txBody>
+      </p:sp>
+    </p:spTree>
+    <p:extLst>
+      <p:ext uri="{BB962C8B-B14F-4D97-AF65-F5344CB8AC3E}">
+        <p14:creationId xmlns:p14="http://schemas.microsoft.com/office/powerpoint/2010/main" val="2344927174"/>
+      </p:ext>
+    </p:extLst>
+  </p:cSld>
+  <p:clrMapOvr>
+    <a:masterClrMapping/>
+  </p:clrMapOvr>
+</p:sld>
+</file>
+
+<file path=ppt/slides/slide20.xml><?xml version="1.0" encoding="utf-8"?>
+<p:sld xmlns:a="http://schemas.openxmlformats.org/drawingml/2006/main" xmlns:r="http://schemas.openxmlformats.org/officeDocument/2006/relationships" xmlns:p="http://schemas.openxmlformats.org/presentationml/2006/main">
+  <p:cSld>
+    <p:spTree>
+      <p:nvGrpSpPr>
+        <p:cNvPr id="1" name=""/>
+        <p:cNvGrpSpPr/>
+        <p:nvPr/>
+      </p:nvGrpSpPr>
+      <p:grpSpPr>
+        <a:xfrm>
+          <a:off x="0" y="0"/>
+          <a:ext cx="0" cy="0"/>
+          <a:chOff x="0" y="0"/>
+          <a:chExt cx="0" cy="0"/>
+        </a:xfrm>
+      </p:grpSpPr>
+      <p:pic>
+        <p:nvPicPr>
+          <p:cNvPr id="2" name="Imagen 1">
+            <a:extLst>
+              <a:ext uri="{FF2B5EF4-FFF2-40B4-BE49-F238E27FC236}">
+                <a16:creationId xmlns:a16="http://schemas.microsoft.com/office/drawing/2014/main" id="{8F793FF9-D109-4075-90BD-BB841B47D876}"/>
+              </a:ext>
+            </a:extLst>
+          </p:cNvPr>
+          <p:cNvPicPr>
+            <a:picLocks noChangeAspect="1"/>
+          </p:cNvPicPr>
+          <p:nvPr/>
+        </p:nvPicPr>
+        <p:blipFill>
+          <a:blip r:embed="rId2"/>
+          <a:stretch>
+            <a:fillRect/>
+          </a:stretch>
+        </p:blipFill>
+        <p:spPr>
+          <a:xfrm>
+            <a:off x="681807" y="910051"/>
+            <a:ext cx="5228571" cy="1295238"/>
+          </a:xfrm>
+          <a:prstGeom prst="rect">
+            <a:avLst/>
+          </a:prstGeom>
+        </p:spPr>
+      </p:pic>
+      <p:pic>
+        <p:nvPicPr>
+          <p:cNvPr id="3" name="Imagen 2">
+            <a:extLst>
+              <a:ext uri="{FF2B5EF4-FFF2-40B4-BE49-F238E27FC236}">
+                <a16:creationId xmlns:a16="http://schemas.microsoft.com/office/drawing/2014/main" id="{D22B7E52-8600-480C-A930-B77C23E97B32}"/>
+              </a:ext>
+            </a:extLst>
+          </p:cNvPr>
+          <p:cNvPicPr>
+            <a:picLocks noChangeAspect="1"/>
+          </p:cNvPicPr>
+          <p:nvPr/>
+        </p:nvPicPr>
+        <p:blipFill>
+          <a:blip r:embed="rId3"/>
+          <a:stretch>
+            <a:fillRect/>
+          </a:stretch>
+        </p:blipFill>
+        <p:spPr>
+          <a:xfrm>
+            <a:off x="1701737" y="2439222"/>
+            <a:ext cx="6676190" cy="2980952"/>
+          </a:xfrm>
+          <a:prstGeom prst="rect">
+            <a:avLst/>
+          </a:prstGeom>
+        </p:spPr>
+      </p:pic>
+      <p:sp>
+        <p:nvSpPr>
+          <p:cNvPr id="4" name="Rectángulo 3">
+            <a:extLst>
+              <a:ext uri="{FF2B5EF4-FFF2-40B4-BE49-F238E27FC236}">
+                <a16:creationId xmlns:a16="http://schemas.microsoft.com/office/drawing/2014/main" id="{25701A52-9B6A-428A-A5F5-3D2DE26F22A1}"/>
+              </a:ext>
+            </a:extLst>
+          </p:cNvPr>
+          <p:cNvSpPr/>
+          <p:nvPr/>
+        </p:nvSpPr>
+        <p:spPr>
+          <a:xfrm>
+            <a:off x="6337004" y="2647507"/>
+            <a:ext cx="1509823" cy="850604"/>
+          </a:xfrm>
+          <a:prstGeom prst="rect">
+            <a:avLst/>
+          </a:prstGeom>
+          <a:noFill/>
+          <a:ln>
+            <a:solidFill>
+              <a:srgbClr val="FF0000"/>
+            </a:solidFill>
+          </a:ln>
+        </p:spPr>
+        <p:style>
+          <a:lnRef idx="2">
+            <a:schemeClr val="accent1">
+              <a:shade val="50000"/>
+            </a:schemeClr>
+          </a:lnRef>
+          <a:fillRef idx="1">
+            <a:schemeClr val="accent1"/>
+          </a:fillRef>
+          <a:effectRef idx="0">
+            <a:schemeClr val="accent1"/>
+          </a:effectRef>
+          <a:fontRef idx="minor">
+            <a:schemeClr val="lt1"/>
+          </a:fontRef>
+        </p:style>
+        <p:txBody>
+          <a:bodyPr rtlCol="0" anchor="ctr"/>
+          <a:lstStyle/>
+          <a:p>
+            <a:pPr algn="ctr"/>
+            <a:endParaRPr lang="es-ES"/>
+          </a:p>
+        </p:txBody>
+      </p:sp>
+      <p:sp>
+        <p:nvSpPr>
+          <p:cNvPr id="5" name="Rectángulo 4">
+            <a:extLst>
+              <a:ext uri="{FF2B5EF4-FFF2-40B4-BE49-F238E27FC236}">
+                <a16:creationId xmlns:a16="http://schemas.microsoft.com/office/drawing/2014/main" id="{E4286C19-A2F4-4929-8048-870EEFE3C445}"/>
+              </a:ext>
+            </a:extLst>
+          </p:cNvPr>
+          <p:cNvSpPr/>
+          <p:nvPr/>
+        </p:nvSpPr>
+        <p:spPr>
+          <a:xfrm>
+            <a:off x="6337004" y="3532338"/>
+            <a:ext cx="1509823" cy="850604"/>
+          </a:xfrm>
+          <a:prstGeom prst="rect">
+            <a:avLst/>
+          </a:prstGeom>
+          <a:noFill/>
+          <a:ln>
+            <a:solidFill>
+              <a:srgbClr val="FF0000"/>
+            </a:solidFill>
+          </a:ln>
+        </p:spPr>
+        <p:style>
+          <a:lnRef idx="2">
+            <a:schemeClr val="accent1">
+              <a:shade val="50000"/>
+            </a:schemeClr>
+          </a:lnRef>
+          <a:fillRef idx="1">
+            <a:schemeClr val="accent1"/>
+          </a:fillRef>
+          <a:effectRef idx="0">
+            <a:schemeClr val="accent1"/>
+          </a:effectRef>
+          <a:fontRef idx="minor">
+            <a:schemeClr val="lt1"/>
+          </a:fontRef>
+        </p:style>
+        <p:txBody>
+          <a:bodyPr rtlCol="0" anchor="ctr"/>
+          <a:lstStyle/>
+          <a:p>
+            <a:pPr algn="ctr"/>
+            <a:endParaRPr lang="es-ES"/>
+          </a:p>
+        </p:txBody>
+      </p:sp>
+      <p:sp>
+        <p:nvSpPr>
+          <p:cNvPr id="6" name="Rectángulo 5">
+            <a:extLst>
+              <a:ext uri="{FF2B5EF4-FFF2-40B4-BE49-F238E27FC236}">
+                <a16:creationId xmlns:a16="http://schemas.microsoft.com/office/drawing/2014/main" id="{33E89418-3040-4D33-8272-D5D21EA2D5F5}"/>
+              </a:ext>
+            </a:extLst>
+          </p:cNvPr>
+          <p:cNvSpPr/>
+          <p:nvPr/>
+        </p:nvSpPr>
+        <p:spPr>
+          <a:xfrm>
+            <a:off x="6337003" y="4374588"/>
+            <a:ext cx="1509823" cy="473858"/>
+          </a:xfrm>
+          <a:prstGeom prst="rect">
+            <a:avLst/>
+          </a:prstGeom>
+          <a:noFill/>
+          <a:ln>
+            <a:solidFill>
+              <a:srgbClr val="FF0000"/>
+            </a:solidFill>
+          </a:ln>
+        </p:spPr>
+        <p:style>
+          <a:lnRef idx="2">
+            <a:schemeClr val="accent1">
+              <a:shade val="50000"/>
+            </a:schemeClr>
+          </a:lnRef>
+          <a:fillRef idx="1">
+            <a:schemeClr val="accent1"/>
+          </a:fillRef>
+          <a:effectRef idx="0">
+            <a:schemeClr val="accent1"/>
+          </a:effectRef>
+          <a:fontRef idx="minor">
+            <a:schemeClr val="lt1"/>
+          </a:fontRef>
+        </p:style>
+        <p:txBody>
+          <a:bodyPr rtlCol="0" anchor="ctr"/>
+          <a:lstStyle/>
+          <a:p>
+            <a:pPr algn="ctr"/>
+            <a:endParaRPr lang="es-ES"/>
+          </a:p>
+        </p:txBody>
+      </p:sp>
+      <p:sp>
+        <p:nvSpPr>
+          <p:cNvPr id="7" name="Rectángulo 6">
+            <a:extLst>
+              <a:ext uri="{FF2B5EF4-FFF2-40B4-BE49-F238E27FC236}">
+                <a16:creationId xmlns:a16="http://schemas.microsoft.com/office/drawing/2014/main" id="{2E6FF8D0-5C36-4855-9526-74BECD1C51C0}"/>
+              </a:ext>
+            </a:extLst>
+          </p:cNvPr>
+          <p:cNvSpPr/>
+          <p:nvPr/>
+        </p:nvSpPr>
+        <p:spPr>
+          <a:xfrm>
+            <a:off x="6337002" y="4848446"/>
+            <a:ext cx="1509823" cy="571728"/>
+          </a:xfrm>
+          <a:prstGeom prst="rect">
+            <a:avLst/>
+          </a:prstGeom>
+          <a:noFill/>
+          <a:ln>
+            <a:solidFill>
+              <a:srgbClr val="FF0000"/>
+            </a:solidFill>
+          </a:ln>
+        </p:spPr>
+        <p:style>
+          <a:lnRef idx="2">
+            <a:schemeClr val="accent1">
+              <a:shade val="50000"/>
+            </a:schemeClr>
+          </a:lnRef>
+          <a:fillRef idx="1">
+            <a:schemeClr val="accent1"/>
+          </a:fillRef>
+          <a:effectRef idx="0">
+            <a:schemeClr val="accent1"/>
+          </a:effectRef>
+          <a:fontRef idx="minor">
+            <a:schemeClr val="lt1"/>
+          </a:fontRef>
+        </p:style>
+        <p:txBody>
+          <a:bodyPr rtlCol="0" anchor="ctr"/>
+          <a:lstStyle/>
+          <a:p>
+            <a:pPr algn="ctr"/>
+            <a:endParaRPr lang="es-ES"/>
+          </a:p>
+        </p:txBody>
+      </p:sp>
+      <p:sp>
+        <p:nvSpPr>
+          <p:cNvPr id="8" name="CuadroTexto 7">
+            <a:extLst>
+              <a:ext uri="{FF2B5EF4-FFF2-40B4-BE49-F238E27FC236}">
+                <a16:creationId xmlns:a16="http://schemas.microsoft.com/office/drawing/2014/main" id="{13C4EE3A-CF31-413B-8BB4-6E7B05FAFDB7}"/>
+              </a:ext>
+            </a:extLst>
+          </p:cNvPr>
+          <p:cNvSpPr txBox="1"/>
+          <p:nvPr/>
+        </p:nvSpPr>
+        <p:spPr>
+          <a:xfrm>
+            <a:off x="6480541" y="1188338"/>
+            <a:ext cx="1222744" cy="369332"/>
+          </a:xfrm>
+          <a:prstGeom prst="rect">
+            <a:avLst/>
+          </a:prstGeom>
+          <a:noFill/>
+        </p:spPr>
+        <p:txBody>
+          <a:bodyPr wrap="square" rtlCol="0">
+            <a:spAutoFit/>
+          </a:bodyPr>
+          <a:lstStyle/>
+          <a:p>
+            <a:r>
+              <a:rPr lang="es-ES" dirty="0"/>
+              <a:t>10/4 = 2.5</a:t>
+            </a:r>
+          </a:p>
+        </p:txBody>
+      </p:sp>
+    </p:spTree>
+    <p:extLst>
+      <p:ext uri="{BB962C8B-B14F-4D97-AF65-F5344CB8AC3E}">
+        <p14:creationId xmlns:p14="http://schemas.microsoft.com/office/powerpoint/2010/main" val="3501113917"/>
+      </p:ext>
+    </p:extLst>
+  </p:cSld>
+  <p:clrMapOvr>
+    <a:masterClrMapping/>
+  </p:clrMapOvr>
+  <p:timing>
+    <p:tnLst>
+      <p:par>
+        <p:cTn id="1" dur="indefinite" restart="never" nodeType="tmRoot">
+          <p:childTnLst>
+            <p:seq concurrent="1" nextAc="seek">
+              <p:cTn id="2" dur="indefinite" nodeType="mainSeq">
+                <p:childTnLst>
+                  <p:par>
+                    <p:cTn id="3" fill="hold">
+                      <p:stCondLst>
+                        <p:cond delay="indefinite"/>
+                      </p:stCondLst>
+                      <p:childTnLst>
+                        <p:par>
+                          <p:cTn id="4" fill="hold">
+                            <p:stCondLst>
+                              <p:cond delay="0"/>
+                            </p:stCondLst>
+                            <p:childTnLst>
+                              <p:par>
+                                <p:cTn id="5" presetID="2" presetClass="entr" presetSubtype="4" fill="hold" nodeType="clickEffect">
+                                  <p:stCondLst>
+                                    <p:cond delay="0"/>
+                                  </p:stCondLst>
+                                  <p:childTnLst>
+                                    <p:set>
+                                      <p:cBhvr>
+                                        <p:cTn id="6" dur="1" fill="hold">
+                                          <p:stCondLst>
+                                            <p:cond delay="0"/>
+                                          </p:stCondLst>
+                                        </p:cTn>
+                                        <p:tgtEl>
+                                          <p:spTgt spid="2"/>
+                                        </p:tgtEl>
+                                        <p:attrNameLst>
+                                          <p:attrName>style.visibility</p:attrName>
+                                        </p:attrNameLst>
+                                      </p:cBhvr>
+                                      <p:to>
+                                        <p:strVal val="visible"/>
+                                      </p:to>
+                                    </p:set>
+                                    <p:anim calcmode="lin" valueType="num">
+                                      <p:cBhvr additive="base">
+                                        <p:cTn id="7" dur="500" fill="hold"/>
+                                        <p:tgtEl>
+                                          <p:spTgt spid="2"/>
+                                        </p:tgtEl>
+                                        <p:attrNameLst>
+                                          <p:attrName>ppt_x</p:attrName>
+                                        </p:attrNameLst>
+                                      </p:cBhvr>
+                                      <p:tavLst>
+                                        <p:tav tm="0">
+                                          <p:val>
+                                            <p:strVal val="#ppt_x"/>
+                                          </p:val>
+                                        </p:tav>
+                                        <p:tav tm="100000">
+                                          <p:val>
+                                            <p:strVal val="#ppt_x"/>
+                                          </p:val>
+                                        </p:tav>
+                                      </p:tavLst>
+                                    </p:anim>
+                                    <p:anim calcmode="lin" valueType="num">
+                                      <p:cBhvr additive="base">
+                                        <p:cTn id="8" dur="500" fill="hold"/>
+                                        <p:tgtEl>
+                                          <p:spTgt spid="2"/>
+                                        </p:tgtEl>
+                                        <p:attrNameLst>
+                                          <p:attrName>ppt_y</p:attrName>
+                                        </p:attrNameLst>
+                                      </p:cBhvr>
+                                      <p:tavLst>
+                                        <p:tav tm="0">
+                                          <p:val>
+                                            <p:strVal val="1+#ppt_h/2"/>
+                                          </p:val>
+                                        </p:tav>
+                                        <p:tav tm="100000">
+                                          <p:val>
+                                            <p:strVal val="#ppt_y"/>
+                                          </p:val>
+                                        </p:tav>
+                                      </p:tavLst>
+                                    </p:anim>
+                                  </p:childTnLst>
+                                </p:cTn>
+                              </p:par>
+                            </p:childTnLst>
+                          </p:cTn>
+                        </p:par>
+                      </p:childTnLst>
+                    </p:cTn>
+                  </p:par>
+                  <p:par>
+                    <p:cTn id="9" fill="hold">
+                      <p:stCondLst>
+                        <p:cond delay="indefinite"/>
+                      </p:stCondLst>
+                      <p:childTnLst>
+                        <p:par>
+                          <p:cTn id="10" fill="hold">
+                            <p:stCondLst>
+                              <p:cond delay="0"/>
+                            </p:stCondLst>
+                            <p:childTnLst>
+                              <p:par>
+                                <p:cTn id="11" presetID="2" presetClass="entr" presetSubtype="4" fill="hold" nodeType="clickEffect">
+                                  <p:stCondLst>
+                                    <p:cond delay="0"/>
+                                  </p:stCondLst>
+                                  <p:childTnLst>
+                                    <p:set>
+                                      <p:cBhvr>
+                                        <p:cTn id="12" dur="1" fill="hold">
+                                          <p:stCondLst>
+                                            <p:cond delay="0"/>
+                                          </p:stCondLst>
+                                        </p:cTn>
+                                        <p:tgtEl>
+                                          <p:spTgt spid="3"/>
+                                        </p:tgtEl>
+                                        <p:attrNameLst>
+                                          <p:attrName>style.visibility</p:attrName>
+                                        </p:attrNameLst>
+                                      </p:cBhvr>
+                                      <p:to>
+                                        <p:strVal val="visible"/>
+                                      </p:to>
+                                    </p:set>
+                                    <p:anim calcmode="lin" valueType="num">
+                                      <p:cBhvr additive="base">
+                                        <p:cTn id="13" dur="500" fill="hold"/>
+                                        <p:tgtEl>
+                                          <p:spTgt spid="3"/>
+                                        </p:tgtEl>
+                                        <p:attrNameLst>
+                                          <p:attrName>ppt_x</p:attrName>
+                                        </p:attrNameLst>
+                                      </p:cBhvr>
+                                      <p:tavLst>
+                                        <p:tav tm="0">
+                                          <p:val>
+                                            <p:strVal val="#ppt_x"/>
+                                          </p:val>
+                                        </p:tav>
+                                        <p:tav tm="100000">
+                                          <p:val>
+                                            <p:strVal val="#ppt_x"/>
+                                          </p:val>
+                                        </p:tav>
+                                      </p:tavLst>
+                                    </p:anim>
+                                    <p:anim calcmode="lin" valueType="num">
+                                      <p:cBhvr additive="base">
+                                        <p:cTn id="14" dur="500" fill="hold"/>
+                                        <p:tgtEl>
+                                          <p:spTgt spid="3"/>
+                                        </p:tgtEl>
+                                        <p:attrNameLst>
+                                          <p:attrName>ppt_y</p:attrName>
+                                        </p:attrNameLst>
+                                      </p:cBhvr>
+                                      <p:tavLst>
+                                        <p:tav tm="0">
+                                          <p:val>
+                                            <p:strVal val="1+#ppt_h/2"/>
+                                          </p:val>
+                                        </p:tav>
+                                        <p:tav tm="100000">
+                                          <p:val>
+                                            <p:strVal val="#ppt_y"/>
+                                          </p:val>
+                                        </p:tav>
+                                      </p:tavLst>
+                                    </p:anim>
+                                  </p:childTnLst>
+                                </p:cTn>
+                              </p:par>
+                            </p:childTnLst>
+                          </p:cTn>
+                        </p:par>
+                      </p:childTnLst>
+                    </p:cTn>
+                  </p:par>
+                  <p:par>
+                    <p:cTn id="15" fill="hold">
+                      <p:stCondLst>
+                        <p:cond delay="indefinite"/>
+                      </p:stCondLst>
+                      <p:childTnLst>
+                        <p:par>
+                          <p:cTn id="16" fill="hold">
+                            <p:stCondLst>
+                              <p:cond delay="0"/>
+                            </p:stCondLst>
+                            <p:childTnLst>
+                              <p:par>
+                                <p:cTn id="17" presetID="2" presetClass="entr" presetSubtype="2" fill="hold" grpId="0" nodeType="clickEffect">
+                                  <p:stCondLst>
+                                    <p:cond delay="0"/>
+                                  </p:stCondLst>
+                                  <p:childTnLst>
+                                    <p:set>
+                                      <p:cBhvr>
+                                        <p:cTn id="18" dur="1" fill="hold">
+                                          <p:stCondLst>
+                                            <p:cond delay="0"/>
+                                          </p:stCondLst>
+                                        </p:cTn>
+                                        <p:tgtEl>
+                                          <p:spTgt spid="4"/>
+                                        </p:tgtEl>
+                                        <p:attrNameLst>
+                                          <p:attrName>style.visibility</p:attrName>
+                                        </p:attrNameLst>
+                                      </p:cBhvr>
+                                      <p:to>
+                                        <p:strVal val="visible"/>
+                                      </p:to>
+                                    </p:set>
+                                    <p:anim calcmode="lin" valueType="num">
+                                      <p:cBhvr additive="base">
+                                        <p:cTn id="19" dur="500" fill="hold"/>
+                                        <p:tgtEl>
+                                          <p:spTgt spid="4"/>
+                                        </p:tgtEl>
+                                        <p:attrNameLst>
+                                          <p:attrName>ppt_x</p:attrName>
+                                        </p:attrNameLst>
+                                      </p:cBhvr>
+                                      <p:tavLst>
+                                        <p:tav tm="0">
+                                          <p:val>
+                                            <p:strVal val="1+#ppt_w/2"/>
+                                          </p:val>
+                                        </p:tav>
+                                        <p:tav tm="100000">
+                                          <p:val>
+                                            <p:strVal val="#ppt_x"/>
+                                          </p:val>
+                                        </p:tav>
+                                      </p:tavLst>
+                                    </p:anim>
+                                    <p:anim calcmode="lin" valueType="num">
+                                      <p:cBhvr additive="base">
+                                        <p:cTn id="20" dur="500" fill="hold"/>
+                                        <p:tgtEl>
+                                          <p:spTgt spid="4"/>
+                                        </p:tgtEl>
+                                        <p:attrNameLst>
+                                          <p:attrName>ppt_y</p:attrName>
+                                        </p:attrNameLst>
+                                      </p:cBhvr>
+                                      <p:tavLst>
+                                        <p:tav tm="0">
+                                          <p:val>
+                                            <p:strVal val="#ppt_y"/>
+                                          </p:val>
+                                        </p:tav>
+                                        <p:tav tm="100000">
+                                          <p:val>
+                                            <p:strVal val="#ppt_y"/>
+                                          </p:val>
+                                        </p:tav>
+                                      </p:tavLst>
+                                    </p:anim>
+                                  </p:childTnLst>
+                                </p:cTn>
+                              </p:par>
+                            </p:childTnLst>
+                          </p:cTn>
+                        </p:par>
+                        <p:par>
+                          <p:cTn id="21" fill="hold">
+                            <p:stCondLst>
+                              <p:cond delay="500"/>
+                            </p:stCondLst>
+                            <p:childTnLst>
+                              <p:par>
+                                <p:cTn id="22" presetID="2" presetClass="entr" presetSubtype="2" fill="hold" grpId="0" nodeType="afterEffect">
+                                  <p:stCondLst>
+                                    <p:cond delay="0"/>
+                                  </p:stCondLst>
+                                  <p:childTnLst>
+                                    <p:set>
+                                      <p:cBhvr>
+                                        <p:cTn id="23" dur="1" fill="hold">
+                                          <p:stCondLst>
+                                            <p:cond delay="0"/>
+                                          </p:stCondLst>
+                                        </p:cTn>
+                                        <p:tgtEl>
+                                          <p:spTgt spid="5"/>
+                                        </p:tgtEl>
+                                        <p:attrNameLst>
+                                          <p:attrName>style.visibility</p:attrName>
+                                        </p:attrNameLst>
+                                      </p:cBhvr>
+                                      <p:to>
+                                        <p:strVal val="visible"/>
+                                      </p:to>
+                                    </p:set>
+                                    <p:anim calcmode="lin" valueType="num">
+                                      <p:cBhvr additive="base">
+                                        <p:cTn id="24" dur="500" fill="hold"/>
+                                        <p:tgtEl>
+                                          <p:spTgt spid="5"/>
+                                        </p:tgtEl>
+                                        <p:attrNameLst>
+                                          <p:attrName>ppt_x</p:attrName>
+                                        </p:attrNameLst>
+                                      </p:cBhvr>
+                                      <p:tavLst>
+                                        <p:tav tm="0">
+                                          <p:val>
+                                            <p:strVal val="1+#ppt_w/2"/>
+                                          </p:val>
+                                        </p:tav>
+                                        <p:tav tm="100000">
+                                          <p:val>
+                                            <p:strVal val="#ppt_x"/>
+                                          </p:val>
+                                        </p:tav>
+                                      </p:tavLst>
+                                    </p:anim>
+                                    <p:anim calcmode="lin" valueType="num">
+                                      <p:cBhvr additive="base">
+                                        <p:cTn id="25" dur="500" fill="hold"/>
+                                        <p:tgtEl>
+                                          <p:spTgt spid="5"/>
+                                        </p:tgtEl>
+                                        <p:attrNameLst>
+                                          <p:attrName>ppt_y</p:attrName>
+                                        </p:attrNameLst>
+                                      </p:cBhvr>
+                                      <p:tavLst>
+                                        <p:tav tm="0">
+                                          <p:val>
+                                            <p:strVal val="#ppt_y"/>
+                                          </p:val>
+                                        </p:tav>
+                                        <p:tav tm="100000">
+                                          <p:val>
+                                            <p:strVal val="#ppt_y"/>
+                                          </p:val>
+                                        </p:tav>
+                                      </p:tavLst>
+                                    </p:anim>
+                                  </p:childTnLst>
+                                </p:cTn>
+                              </p:par>
+                            </p:childTnLst>
+                          </p:cTn>
+                        </p:par>
+                        <p:par>
+                          <p:cTn id="26" fill="hold">
+                            <p:stCondLst>
+                              <p:cond delay="1000"/>
+                            </p:stCondLst>
+                            <p:childTnLst>
+                              <p:par>
+                                <p:cTn id="27" presetID="2" presetClass="entr" presetSubtype="2" fill="hold" grpId="0" nodeType="afterEffect">
+                                  <p:stCondLst>
+                                    <p:cond delay="0"/>
+                                  </p:stCondLst>
+                                  <p:childTnLst>
+                                    <p:set>
+                                      <p:cBhvr>
+                                        <p:cTn id="28" dur="1" fill="hold">
+                                          <p:stCondLst>
+                                            <p:cond delay="0"/>
+                                          </p:stCondLst>
+                                        </p:cTn>
+                                        <p:tgtEl>
+                                          <p:spTgt spid="6"/>
+                                        </p:tgtEl>
+                                        <p:attrNameLst>
+                                          <p:attrName>style.visibility</p:attrName>
+                                        </p:attrNameLst>
+                                      </p:cBhvr>
+                                      <p:to>
+                                        <p:strVal val="visible"/>
+                                      </p:to>
+                                    </p:set>
+                                    <p:anim calcmode="lin" valueType="num">
+                                      <p:cBhvr additive="base">
+                                        <p:cTn id="29" dur="500" fill="hold"/>
+                                        <p:tgtEl>
+                                          <p:spTgt spid="6"/>
+                                        </p:tgtEl>
+                                        <p:attrNameLst>
+                                          <p:attrName>ppt_x</p:attrName>
+                                        </p:attrNameLst>
+                                      </p:cBhvr>
+                                      <p:tavLst>
+                                        <p:tav tm="0">
+                                          <p:val>
+                                            <p:strVal val="1+#ppt_w/2"/>
+                                          </p:val>
+                                        </p:tav>
+                                        <p:tav tm="100000">
+                                          <p:val>
+                                            <p:strVal val="#ppt_x"/>
+                                          </p:val>
+                                        </p:tav>
+                                      </p:tavLst>
+                                    </p:anim>
+                                    <p:anim calcmode="lin" valueType="num">
+                                      <p:cBhvr additive="base">
+                                        <p:cTn id="30" dur="500" fill="hold"/>
+                                        <p:tgtEl>
+                                          <p:spTgt spid="6"/>
+                                        </p:tgtEl>
+                                        <p:attrNameLst>
+                                          <p:attrName>ppt_y</p:attrName>
+                                        </p:attrNameLst>
+                                      </p:cBhvr>
+                                      <p:tavLst>
+                                        <p:tav tm="0">
+                                          <p:val>
+                                            <p:strVal val="#ppt_y"/>
+                                          </p:val>
+                                        </p:tav>
+                                        <p:tav tm="100000">
+                                          <p:val>
+                                            <p:strVal val="#ppt_y"/>
+                                          </p:val>
+                                        </p:tav>
+                                      </p:tavLst>
+                                    </p:anim>
+                                  </p:childTnLst>
+                                </p:cTn>
+                              </p:par>
+                            </p:childTnLst>
+                          </p:cTn>
+                        </p:par>
+                        <p:par>
+                          <p:cTn id="31" fill="hold">
+                            <p:stCondLst>
+                              <p:cond delay="1500"/>
+                            </p:stCondLst>
+                            <p:childTnLst>
+                              <p:par>
+                                <p:cTn id="32" presetID="2" presetClass="entr" presetSubtype="2" fill="hold" grpId="0" nodeType="afterEffect">
+                                  <p:stCondLst>
+                                    <p:cond delay="0"/>
+                                  </p:stCondLst>
+                                  <p:childTnLst>
+                                    <p:set>
+                                      <p:cBhvr>
+                                        <p:cTn id="33" dur="1" fill="hold">
+                                          <p:stCondLst>
+                                            <p:cond delay="0"/>
+                                          </p:stCondLst>
+                                        </p:cTn>
+                                        <p:tgtEl>
+                                          <p:spTgt spid="7"/>
+                                        </p:tgtEl>
+                                        <p:attrNameLst>
+                                          <p:attrName>style.visibility</p:attrName>
+                                        </p:attrNameLst>
+                                      </p:cBhvr>
+                                      <p:to>
+                                        <p:strVal val="visible"/>
+                                      </p:to>
+                                    </p:set>
+                                    <p:anim calcmode="lin" valueType="num">
+                                      <p:cBhvr additive="base">
+                                        <p:cTn id="34" dur="500" fill="hold"/>
+                                        <p:tgtEl>
+                                          <p:spTgt spid="7"/>
+                                        </p:tgtEl>
+                                        <p:attrNameLst>
+                                          <p:attrName>ppt_x</p:attrName>
+                                        </p:attrNameLst>
+                                      </p:cBhvr>
+                                      <p:tavLst>
+                                        <p:tav tm="0">
+                                          <p:val>
+                                            <p:strVal val="1+#ppt_w/2"/>
+                                          </p:val>
+                                        </p:tav>
+                                        <p:tav tm="100000">
+                                          <p:val>
+                                            <p:strVal val="#ppt_x"/>
+                                          </p:val>
+                                        </p:tav>
+                                      </p:tavLst>
+                                    </p:anim>
+                                    <p:anim calcmode="lin" valueType="num">
+                                      <p:cBhvr additive="base">
+                                        <p:cTn id="35" dur="500" fill="hold"/>
+                                        <p:tgtEl>
+                                          <p:spTgt spid="7"/>
+                                        </p:tgtEl>
+                                        <p:attrNameLst>
+                                          <p:attrName>ppt_y</p:attrName>
+                                        </p:attrNameLst>
+                                      </p:cBhvr>
+                                      <p:tavLst>
+                                        <p:tav tm="0">
+                                          <p:val>
+                                            <p:strVal val="#ppt_y"/>
+                                          </p:val>
+                                        </p:tav>
+                                        <p:tav tm="100000">
+                                          <p:val>
+                                            <p:strVal val="#ppt_y"/>
+                                          </p:val>
+                                        </p:tav>
+                                      </p:tavLst>
+                                    </p:anim>
+                                  </p:childTnLst>
+                                </p:cTn>
+                              </p:par>
+                            </p:childTnLst>
+                          </p:cTn>
+                        </p:par>
+                      </p:childTnLst>
+                    </p:cTn>
+                  </p:par>
+                  <p:par>
+                    <p:cTn id="36" fill="hold">
+                      <p:stCondLst>
+                        <p:cond delay="indefinite"/>
+                      </p:stCondLst>
+                      <p:childTnLst>
+                        <p:par>
+                          <p:cTn id="37" fill="hold">
+                            <p:stCondLst>
+                              <p:cond delay="0"/>
+                            </p:stCondLst>
+                            <p:childTnLst>
+                              <p:par>
+                                <p:cTn id="38" presetID="26" presetClass="entr" presetSubtype="0" fill="hold" grpId="0" nodeType="clickEffect">
+                                  <p:stCondLst>
+                                    <p:cond delay="0"/>
+                                  </p:stCondLst>
+                                  <p:childTnLst>
+                                    <p:set>
+                                      <p:cBhvr>
+                                        <p:cTn id="39" dur="1" fill="hold">
+                                          <p:stCondLst>
+                                            <p:cond delay="0"/>
+                                          </p:stCondLst>
+                                        </p:cTn>
+                                        <p:tgtEl>
+                                          <p:spTgt spid="8"/>
+                                        </p:tgtEl>
+                                        <p:attrNameLst>
+                                          <p:attrName>style.visibility</p:attrName>
+                                        </p:attrNameLst>
+                                      </p:cBhvr>
+                                      <p:to>
+                                        <p:strVal val="visible"/>
+                                      </p:to>
+                                    </p:set>
+                                    <p:animEffect transition="in" filter="wipe(down)">
+                                      <p:cBhvr>
+                                        <p:cTn id="40" dur="580">
+                                          <p:stCondLst>
+                                            <p:cond delay="0"/>
+                                          </p:stCondLst>
+                                        </p:cTn>
+                                        <p:tgtEl>
+                                          <p:spTgt spid="8"/>
+                                        </p:tgtEl>
+                                      </p:cBhvr>
+                                    </p:animEffect>
+                                    <p:anim calcmode="lin" valueType="num">
+                                      <p:cBhvr>
+                                        <p:cTn id="41" dur="1822" tmFilter="0,0; 0.14,0.36; 0.43,0.73; 0.71,0.91; 1.0,1.0">
+                                          <p:stCondLst>
+                                            <p:cond delay="0"/>
+                                          </p:stCondLst>
+                                        </p:cTn>
+                                        <p:tgtEl>
+                                          <p:spTgt spid="8"/>
+                                        </p:tgtEl>
+                                        <p:attrNameLst>
+                                          <p:attrName>ppt_x</p:attrName>
+                                        </p:attrNameLst>
+                                      </p:cBhvr>
+                                      <p:tavLst>
+                                        <p:tav tm="0">
+                                          <p:val>
+                                            <p:strVal val="#ppt_x-0.25"/>
+                                          </p:val>
+                                        </p:tav>
+                                        <p:tav tm="100000">
+                                          <p:val>
+                                            <p:strVal val="#ppt_x"/>
+                                          </p:val>
+                                        </p:tav>
+                                      </p:tavLst>
+                                    </p:anim>
+                                    <p:anim calcmode="lin" valueType="num">
+                                      <p:cBhvr>
+                                        <p:cTn id="42" dur="664" tmFilter="0.0,0.0; 0.25,0.07; 0.50,0.2; 0.75,0.467; 1.0,1.0">
+                                          <p:stCondLst>
+                                            <p:cond delay="0"/>
+                                          </p:stCondLst>
+                                        </p:cTn>
+                                        <p:tgtEl>
+                                          <p:spTgt spid="8"/>
+                                        </p:tgtEl>
+                                        <p:attrNameLst>
+                                          <p:attrName>ppt_y</p:attrName>
+                                        </p:attrNameLst>
+                                      </p:cBhvr>
+                                      <p:tavLst>
+                                        <p:tav tm="0" fmla="#ppt_y-sin(pi*$)/3">
+                                          <p:val>
+                                            <p:fltVal val="0.5"/>
+                                          </p:val>
+                                        </p:tav>
+                                        <p:tav tm="100000">
+                                          <p:val>
+                                            <p:fltVal val="1"/>
+                                          </p:val>
+                                        </p:tav>
+                                      </p:tavLst>
+                                    </p:anim>
+                                    <p:anim calcmode="lin" valueType="num">
+                                      <p:cBhvr>
+                                        <p:cTn id="43" dur="664" tmFilter="0, 0; 0.125,0.2665; 0.25,0.4; 0.375,0.465; 0.5,0.5;  0.625,0.535; 0.75,0.6; 0.875,0.7335; 1,1">
+                                          <p:stCondLst>
+                                            <p:cond delay="664"/>
+                                          </p:stCondLst>
+                                        </p:cTn>
+                                        <p:tgtEl>
+                                          <p:spTgt spid="8"/>
+                                        </p:tgtEl>
+                                        <p:attrNameLst>
+                                          <p:attrName>ppt_y</p:attrName>
+                                        </p:attrNameLst>
+                                      </p:cBhvr>
+                                      <p:tavLst>
+                                        <p:tav tm="0" fmla="#ppt_y-sin(pi*$)/9">
+                                          <p:val>
+                                            <p:fltVal val="0"/>
+                                          </p:val>
+                                        </p:tav>
+                                        <p:tav tm="100000">
+                                          <p:val>
+                                            <p:fltVal val="1"/>
+                                          </p:val>
+                                        </p:tav>
+                                      </p:tavLst>
+                                    </p:anim>
+                                    <p:anim calcmode="lin" valueType="num">
+                                      <p:cBhvr>
+                                        <p:cTn id="44" dur="332" tmFilter="0, 0; 0.125,0.2665; 0.25,0.4; 0.375,0.465; 0.5,0.5;  0.625,0.535; 0.75,0.6; 0.875,0.7335; 1,1">
+                                          <p:stCondLst>
+                                            <p:cond delay="1324"/>
+                                          </p:stCondLst>
+                                        </p:cTn>
+                                        <p:tgtEl>
+                                          <p:spTgt spid="8"/>
+                                        </p:tgtEl>
+                                        <p:attrNameLst>
+                                          <p:attrName>ppt_y</p:attrName>
+                                        </p:attrNameLst>
+                                      </p:cBhvr>
+                                      <p:tavLst>
+                                        <p:tav tm="0" fmla="#ppt_y-sin(pi*$)/27">
+                                          <p:val>
+                                            <p:fltVal val="0"/>
+                                          </p:val>
+                                        </p:tav>
+                                        <p:tav tm="100000">
+                                          <p:val>
+                                            <p:fltVal val="1"/>
+                                          </p:val>
+                                        </p:tav>
+                                      </p:tavLst>
+                                    </p:anim>
+                                    <p:anim calcmode="lin" valueType="num">
+                                      <p:cBhvr>
+                                        <p:cTn id="45" dur="164" tmFilter="0, 0; 0.125,0.2665; 0.25,0.4; 0.375,0.465; 0.5,0.5;  0.625,0.535; 0.75,0.6; 0.875,0.7335; 1,1">
+                                          <p:stCondLst>
+                                            <p:cond delay="1656"/>
+                                          </p:stCondLst>
+                                        </p:cTn>
+                                        <p:tgtEl>
+                                          <p:spTgt spid="8"/>
+                                        </p:tgtEl>
+                                        <p:attrNameLst>
+                                          <p:attrName>ppt_y</p:attrName>
+                                        </p:attrNameLst>
+                                      </p:cBhvr>
+                                      <p:tavLst>
+                                        <p:tav tm="0" fmla="#ppt_y-sin(pi*$)/81">
+                                          <p:val>
+                                            <p:fltVal val="0"/>
+                                          </p:val>
+                                        </p:tav>
+                                        <p:tav tm="100000">
+                                          <p:val>
+                                            <p:fltVal val="1"/>
+                                          </p:val>
+                                        </p:tav>
+                                      </p:tavLst>
+                                    </p:anim>
+                                    <p:animScale>
+                                      <p:cBhvr>
+                                        <p:cTn id="46" dur="26">
+                                          <p:stCondLst>
+                                            <p:cond delay="650"/>
+                                          </p:stCondLst>
+                                        </p:cTn>
+                                        <p:tgtEl>
+                                          <p:spTgt spid="8"/>
+                                        </p:tgtEl>
+                                      </p:cBhvr>
+                                      <p:to x="100000" y="60000"/>
+                                    </p:animScale>
+                                    <p:animScale>
+                                      <p:cBhvr>
+                                        <p:cTn id="47" dur="166" decel="50000">
+                                          <p:stCondLst>
+                                            <p:cond delay="676"/>
+                                          </p:stCondLst>
+                                        </p:cTn>
+                                        <p:tgtEl>
+                                          <p:spTgt spid="8"/>
+                                        </p:tgtEl>
+                                      </p:cBhvr>
+                                      <p:to x="100000" y="100000"/>
+                                    </p:animScale>
+                                    <p:animScale>
+                                      <p:cBhvr>
+                                        <p:cTn id="48" dur="26">
+                                          <p:stCondLst>
+                                            <p:cond delay="1312"/>
+                                          </p:stCondLst>
+                                        </p:cTn>
+                                        <p:tgtEl>
+                                          <p:spTgt spid="8"/>
+                                        </p:tgtEl>
+                                      </p:cBhvr>
+                                      <p:to x="100000" y="80000"/>
+                                    </p:animScale>
+                                    <p:animScale>
+                                      <p:cBhvr>
+                                        <p:cTn id="49" dur="166" decel="50000">
+                                          <p:stCondLst>
+                                            <p:cond delay="1338"/>
+                                          </p:stCondLst>
+                                        </p:cTn>
+                                        <p:tgtEl>
+                                          <p:spTgt spid="8"/>
+                                        </p:tgtEl>
+                                      </p:cBhvr>
+                                      <p:to x="100000" y="100000"/>
+                                    </p:animScale>
+                                    <p:animScale>
+                                      <p:cBhvr>
+                                        <p:cTn id="50" dur="26">
+                                          <p:stCondLst>
+                                            <p:cond delay="1642"/>
+                                          </p:stCondLst>
+                                        </p:cTn>
+                                        <p:tgtEl>
+                                          <p:spTgt spid="8"/>
+                                        </p:tgtEl>
+                                      </p:cBhvr>
+                                      <p:to x="100000" y="90000"/>
+                                    </p:animScale>
+                                    <p:animScale>
+                                      <p:cBhvr>
+                                        <p:cTn id="51" dur="166" decel="50000">
+                                          <p:stCondLst>
+                                            <p:cond delay="1668"/>
+                                          </p:stCondLst>
+                                        </p:cTn>
+                                        <p:tgtEl>
+                                          <p:spTgt spid="8"/>
+                                        </p:tgtEl>
+                                      </p:cBhvr>
+                                      <p:to x="100000" y="100000"/>
+                                    </p:animScale>
+                                    <p:animScale>
+                                      <p:cBhvr>
+                                        <p:cTn id="52" dur="26">
+                                          <p:stCondLst>
+                                            <p:cond delay="1808"/>
+                                          </p:stCondLst>
+                                        </p:cTn>
+                                        <p:tgtEl>
+                                          <p:spTgt spid="8"/>
+                                        </p:tgtEl>
+                                      </p:cBhvr>
+                                      <p:to x="100000" y="95000"/>
+                                    </p:animScale>
+                                    <p:animScale>
+                                      <p:cBhvr>
+                                        <p:cTn id="53" dur="166" decel="50000">
+                                          <p:stCondLst>
+                                            <p:cond delay="1834"/>
+                                          </p:stCondLst>
+                                        </p:cTn>
+                                        <p:tgtEl>
+                                          <p:spTgt spid="8"/>
+                                        </p:tgtEl>
+                                      </p:cBhvr>
+                                      <p:to x="100000" y="100000"/>
+                                    </p:animScale>
+                                  </p:childTnLst>
+                                </p:cTn>
+                              </p:par>
+                            </p:childTnLst>
+                          </p:cTn>
+                        </p:par>
+                      </p:childTnLst>
+                    </p:cTn>
+                  </p:par>
+                </p:childTnLst>
+              </p:cTn>
+              <p:prevCondLst>
+                <p:cond evt="onPrev" delay="0">
+                  <p:tgtEl>
+                    <p:sldTgt/>
+                  </p:tgtEl>
+                </p:cond>
+              </p:prevCondLst>
+              <p:nextCondLst>
+                <p:cond evt="onNext" delay="0">
+                  <p:tgtEl>
+                    <p:sldTgt/>
+                  </p:tgtEl>
+                </p:cond>
+              </p:nextCondLst>
+            </p:seq>
+          </p:childTnLst>
+        </p:cTn>
+      </p:par>
+    </p:tnLst>
+    <p:bldLst>
+      <p:bldP spid="4" grpId="0" animBg="1"/>
+      <p:bldP spid="5" grpId="0" animBg="1"/>
+      <p:bldP spid="6" grpId="0" animBg="1"/>
+      <p:bldP spid="7" grpId="0" animBg="1"/>
+      <p:bldP spid="8" grpId="0"/>
+    </p:bldLst>
+  </p:timing>
+</p:sld>
+</file>
+
+<file path=ppt/slides/slide21.xml><?xml version="1.0" encoding="utf-8"?>
+<p:sld xmlns:a="http://schemas.openxmlformats.org/drawingml/2006/main" xmlns:r="http://schemas.openxmlformats.org/officeDocument/2006/relationships" xmlns:p="http://schemas.openxmlformats.org/presentationml/2006/main">
+  <p:cSld>
+    <p:spTree>
+      <p:nvGrpSpPr>
+        <p:cNvPr id="1" name=""/>
+        <p:cNvGrpSpPr/>
+        <p:nvPr/>
+      </p:nvGrpSpPr>
+      <p:grpSpPr>
+        <a:xfrm>
+          <a:off x="0" y="0"/>
+          <a:ext cx="0" cy="0"/>
+          <a:chOff x="0" y="0"/>
+          <a:chExt cx="0" cy="0"/>
+        </a:xfrm>
+      </p:grpSpPr>
+      <p:pic>
+        <p:nvPicPr>
+          <p:cNvPr id="2" name="Imagen 1">
+            <a:extLst>
+              <a:ext uri="{FF2B5EF4-FFF2-40B4-BE49-F238E27FC236}">
+                <a16:creationId xmlns:a16="http://schemas.microsoft.com/office/drawing/2014/main" id="{C95B9F9D-6C16-4000-838A-EDF01FE571B2}"/>
+              </a:ext>
+            </a:extLst>
+          </p:cNvPr>
+          <p:cNvPicPr>
+            <a:picLocks noChangeAspect="1"/>
+          </p:cNvPicPr>
+          <p:nvPr/>
+        </p:nvPicPr>
+        <p:blipFill>
+          <a:blip r:embed="rId2"/>
+          <a:stretch>
+            <a:fillRect/>
+          </a:stretch>
+        </p:blipFill>
+        <p:spPr>
+          <a:xfrm>
+            <a:off x="1239192" y="1411998"/>
+            <a:ext cx="6219048" cy="1333333"/>
+          </a:xfrm>
+          <a:prstGeom prst="rect">
+            <a:avLst/>
+          </a:prstGeom>
+        </p:spPr>
+      </p:pic>
+      <p:pic>
+        <p:nvPicPr>
+          <p:cNvPr id="3" name="Picture 2" descr="Pregunta, Te Preocupes, Maravilla, Seguro, Confundido">
+            <a:extLst>
+              <a:ext uri="{FF2B5EF4-FFF2-40B4-BE49-F238E27FC236}">
+                <a16:creationId xmlns:a16="http://schemas.microsoft.com/office/drawing/2014/main" id="{98FCD92C-748B-4C16-9BA4-7F3CAD5384BC}"/>
+              </a:ext>
+            </a:extLst>
+          </p:cNvPr>
+          <p:cNvPicPr>
+            <a:picLocks noChangeAspect="1" noChangeArrowheads="1"/>
+          </p:cNvPicPr>
+          <p:nvPr/>
+        </p:nvPicPr>
+        <p:blipFill>
+          <a:blip r:embed="rId3" cstate="print">
+            <a:extLst>
+              <a:ext uri="{28A0092B-C50C-407E-A947-70E740481C1C}">
+                <a14:useLocalDpi xmlns:a14="http://schemas.microsoft.com/office/drawing/2010/main" val="0"/>
+              </a:ext>
+            </a:extLst>
+          </a:blip>
+          <a:srcRect/>
+          <a:stretch>
+            <a:fillRect/>
+          </a:stretch>
+        </p:blipFill>
+        <p:spPr bwMode="auto">
+          <a:xfrm>
+            <a:off x="3750635" y="3429000"/>
+            <a:ext cx="1374258" cy="2748516"/>
+          </a:xfrm>
+          <a:prstGeom prst="rect">
+            <a:avLst/>
+          </a:prstGeom>
+          <a:noFill/>
+          <a:extLst>
+            <a:ext uri="{909E8E84-426E-40DD-AFC4-6F175D3DCCD1}">
+              <a14:hiddenFill xmlns:a14="http://schemas.microsoft.com/office/drawing/2010/main">
+                <a:solidFill>
+                  <a:srgbClr val="FFFFFF"/>
+                </a:solidFill>
+              </a14:hiddenFill>
+            </a:ext>
+          </a:extLst>
+        </p:spPr>
+      </p:pic>
+    </p:spTree>
+    <p:extLst>
+      <p:ext uri="{BB962C8B-B14F-4D97-AF65-F5344CB8AC3E}">
+        <p14:creationId xmlns:p14="http://schemas.microsoft.com/office/powerpoint/2010/main" val="1119420805"/>
+      </p:ext>
+    </p:extLst>
+  </p:cSld>
+  <p:clrMapOvr>
+    <a:masterClrMapping/>
+  </p:clrMapOvr>
+  <p:timing>
+    <p:tnLst>
+      <p:par>
+        <p:cTn id="1" dur="indefinite" restart="never" nodeType="tmRoot">
+          <p:childTnLst>
+            <p:seq concurrent="1" nextAc="seek">
+              <p:cTn id="2" dur="indefinite" nodeType="mainSeq">
+                <p:childTnLst>
+                  <p:par>
+                    <p:cTn id="3" fill="hold">
+                      <p:stCondLst>
+                        <p:cond delay="indefinite"/>
+                        <p:cond evt="onBegin" delay="0">
+                          <p:tn val="2"/>
+                        </p:cond>
+                      </p:stCondLst>
+                      <p:childTnLst>
+                        <p:par>
+                          <p:cTn id="4" fill="hold">
+                            <p:stCondLst>
+                              <p:cond delay="0"/>
+                            </p:stCondLst>
+                            <p:childTnLst>
+                              <p:par>
+                                <p:cTn id="5" presetID="2" presetClass="entr" presetSubtype="1" fill="hold" nodeType="afterEffect">
+                                  <p:stCondLst>
+                                    <p:cond delay="0"/>
+                                  </p:stCondLst>
+                                  <p:childTnLst>
+                                    <p:set>
+                                      <p:cBhvr>
+                                        <p:cTn id="6" dur="1" fill="hold">
+                                          <p:stCondLst>
+                                            <p:cond delay="0"/>
+                                          </p:stCondLst>
+                                        </p:cTn>
+                                        <p:tgtEl>
+                                          <p:spTgt spid="2"/>
+                                        </p:tgtEl>
+                                        <p:attrNameLst>
+                                          <p:attrName>style.visibility</p:attrName>
+                                        </p:attrNameLst>
+                                      </p:cBhvr>
+                                      <p:to>
+                                        <p:strVal val="visible"/>
+                                      </p:to>
+                                    </p:set>
+                                    <p:anim calcmode="lin" valueType="num">
+                                      <p:cBhvr additive="base">
+                                        <p:cTn id="7" dur="500" fill="hold"/>
+                                        <p:tgtEl>
+                                          <p:spTgt spid="2"/>
+                                        </p:tgtEl>
+                                        <p:attrNameLst>
+                                          <p:attrName>ppt_x</p:attrName>
+                                        </p:attrNameLst>
+                                      </p:cBhvr>
+                                      <p:tavLst>
+                                        <p:tav tm="0">
+                                          <p:val>
+                                            <p:strVal val="#ppt_x"/>
+                                          </p:val>
+                                        </p:tav>
+                                        <p:tav tm="100000">
+                                          <p:val>
+                                            <p:strVal val="#ppt_x"/>
+                                          </p:val>
+                                        </p:tav>
+                                      </p:tavLst>
+                                    </p:anim>
+                                    <p:anim calcmode="lin" valueType="num">
+                                      <p:cBhvr additive="base">
+                                        <p:cTn id="8" dur="500" fill="hold"/>
+                                        <p:tgtEl>
+                                          <p:spTgt spid="2"/>
+                                        </p:tgtEl>
+                                        <p:attrNameLst>
+                                          <p:attrName>ppt_y</p:attrName>
+                                        </p:attrNameLst>
+                                      </p:cBhvr>
+                                      <p:tavLst>
+                                        <p:tav tm="0">
+                                          <p:val>
+                                            <p:strVal val="0-#ppt_h/2"/>
+                                          </p:val>
+                                        </p:tav>
+                                        <p:tav tm="100000">
+                                          <p:val>
+                                            <p:strVal val="#ppt_y"/>
+                                          </p:val>
+                                        </p:tav>
+                                      </p:tavLst>
+                                    </p:anim>
+                                  </p:childTnLst>
+                                </p:cTn>
+                              </p:par>
+                            </p:childTnLst>
+                          </p:cTn>
+                        </p:par>
+                      </p:childTnLst>
+                    </p:cTn>
+                  </p:par>
+                  <p:par>
+                    <p:cTn id="9" fill="hold">
+                      <p:stCondLst>
+                        <p:cond delay="indefinite"/>
+                      </p:stCondLst>
+                      <p:childTnLst>
+                        <p:par>
+                          <p:cTn id="10" fill="hold">
+                            <p:stCondLst>
+                              <p:cond delay="0"/>
+                            </p:stCondLst>
+                            <p:childTnLst>
+                              <p:par>
+                                <p:cTn id="11" presetID="26" presetClass="entr" presetSubtype="0" fill="hold" nodeType="clickEffect">
+                                  <p:stCondLst>
+                                    <p:cond delay="0"/>
+                                  </p:stCondLst>
+                                  <p:childTnLst>
+                                    <p:set>
+                                      <p:cBhvr>
+                                        <p:cTn id="12" dur="1" fill="hold">
+                                          <p:stCondLst>
+                                            <p:cond delay="0"/>
+                                          </p:stCondLst>
+                                        </p:cTn>
+                                        <p:tgtEl>
+                                          <p:spTgt spid="3"/>
+                                        </p:tgtEl>
+                                        <p:attrNameLst>
+                                          <p:attrName>style.visibility</p:attrName>
+                                        </p:attrNameLst>
+                                      </p:cBhvr>
+                                      <p:to>
+                                        <p:strVal val="visible"/>
+                                      </p:to>
+                                    </p:set>
+                                    <p:animEffect transition="in" filter="wipe(down)">
+                                      <p:cBhvr>
+                                        <p:cTn id="13" dur="580">
+                                          <p:stCondLst>
+                                            <p:cond delay="0"/>
+                                          </p:stCondLst>
+                                        </p:cTn>
+                                        <p:tgtEl>
+                                          <p:spTgt spid="3"/>
+                                        </p:tgtEl>
+                                      </p:cBhvr>
+                                    </p:animEffect>
+                                    <p:anim calcmode="lin" valueType="num">
+                                      <p:cBhvr>
+                                        <p:cTn id="14" dur="1822" tmFilter="0,0; 0.14,0.36; 0.43,0.73; 0.71,0.91; 1.0,1.0">
+                                          <p:stCondLst>
+                                            <p:cond delay="0"/>
+                                          </p:stCondLst>
+                                        </p:cTn>
+                                        <p:tgtEl>
+                                          <p:spTgt spid="3"/>
+                                        </p:tgtEl>
+                                        <p:attrNameLst>
+                                          <p:attrName>ppt_x</p:attrName>
+                                        </p:attrNameLst>
+                                      </p:cBhvr>
+                                      <p:tavLst>
+                                        <p:tav tm="0">
+                                          <p:val>
+                                            <p:strVal val="#ppt_x-0.25"/>
+                                          </p:val>
+                                        </p:tav>
+                                        <p:tav tm="100000">
+                                          <p:val>
+                                            <p:strVal val="#ppt_x"/>
+                                          </p:val>
+                                        </p:tav>
+                                      </p:tavLst>
+                                    </p:anim>
+                                    <p:anim calcmode="lin" valueType="num">
+                                      <p:cBhvr>
+                                        <p:cTn id="15" dur="664" tmFilter="0.0,0.0; 0.25,0.07; 0.50,0.2; 0.75,0.467; 1.0,1.0">
+                                          <p:stCondLst>
+                                            <p:cond delay="0"/>
+                                          </p:stCondLst>
+                                        </p:cTn>
+                                        <p:tgtEl>
+                                          <p:spTgt spid="3"/>
+                                        </p:tgtEl>
+                                        <p:attrNameLst>
+                                          <p:attrName>ppt_y</p:attrName>
+                                        </p:attrNameLst>
+                                      </p:cBhvr>
+                                      <p:tavLst>
+                                        <p:tav tm="0" fmla="#ppt_y-sin(pi*$)/3">
+                                          <p:val>
+                                            <p:fltVal val="0.5"/>
+                                          </p:val>
+                                        </p:tav>
+                                        <p:tav tm="100000">
+                                          <p:val>
+                                            <p:fltVal val="1"/>
+                                          </p:val>
+                                        </p:tav>
+                                      </p:tavLst>
+                                    </p:anim>
+                                    <p:anim calcmode="lin" valueType="num">
+                                      <p:cBhvr>
+                                        <p:cTn id="16" dur="664" tmFilter="0, 0; 0.125,0.2665; 0.25,0.4; 0.375,0.465; 0.5,0.5;  0.625,0.535; 0.75,0.6; 0.875,0.7335; 1,1">
+                                          <p:stCondLst>
+                                            <p:cond delay="664"/>
+                                          </p:stCondLst>
+                                        </p:cTn>
+                                        <p:tgtEl>
+                                          <p:spTgt spid="3"/>
+                                        </p:tgtEl>
+                                        <p:attrNameLst>
+                                          <p:attrName>ppt_y</p:attrName>
+                                        </p:attrNameLst>
+                                      </p:cBhvr>
+                                      <p:tavLst>
+                                        <p:tav tm="0" fmla="#ppt_y-sin(pi*$)/9">
+                                          <p:val>
+                                            <p:fltVal val="0"/>
+                                          </p:val>
+                                        </p:tav>
+                                        <p:tav tm="100000">
+                                          <p:val>
+                                            <p:fltVal val="1"/>
+                                          </p:val>
+                                        </p:tav>
+                                      </p:tavLst>
+                                    </p:anim>
+                                    <p:anim calcmode="lin" valueType="num">
+                                      <p:cBhvr>
+                                        <p:cTn id="17" dur="332" tmFilter="0, 0; 0.125,0.2665; 0.25,0.4; 0.375,0.465; 0.5,0.5;  0.625,0.535; 0.75,0.6; 0.875,0.7335; 1,1">
+                                          <p:stCondLst>
+                                            <p:cond delay="1324"/>
+                                          </p:stCondLst>
+                                        </p:cTn>
+                                        <p:tgtEl>
+                                          <p:spTgt spid="3"/>
+                                        </p:tgtEl>
+                                        <p:attrNameLst>
+                                          <p:attrName>ppt_y</p:attrName>
+                                        </p:attrNameLst>
+                                      </p:cBhvr>
+                                      <p:tavLst>
+                                        <p:tav tm="0" fmla="#ppt_y-sin(pi*$)/27">
+                                          <p:val>
+                                            <p:fltVal val="0"/>
+                                          </p:val>
+                                        </p:tav>
+                                        <p:tav tm="100000">
+                                          <p:val>
+                                            <p:fltVal val="1"/>
+                                          </p:val>
+                                        </p:tav>
+                                      </p:tavLst>
+                                    </p:anim>
+                                    <p:anim calcmode="lin" valueType="num">
+                                      <p:cBhvr>
+                                        <p:cTn id="18" dur="164" tmFilter="0, 0; 0.125,0.2665; 0.25,0.4; 0.375,0.465; 0.5,0.5;  0.625,0.535; 0.75,0.6; 0.875,0.7335; 1,1">
+                                          <p:stCondLst>
+                                            <p:cond delay="1656"/>
+                                          </p:stCondLst>
+                                        </p:cTn>
+                                        <p:tgtEl>
+                                          <p:spTgt spid="3"/>
+                                        </p:tgtEl>
+                                        <p:attrNameLst>
+                                          <p:attrName>ppt_y</p:attrName>
+                                        </p:attrNameLst>
+                                      </p:cBhvr>
+                                      <p:tavLst>
+                                        <p:tav tm="0" fmla="#ppt_y-sin(pi*$)/81">
+                                          <p:val>
+                                            <p:fltVal val="0"/>
+                                          </p:val>
+                                        </p:tav>
+                                        <p:tav tm="100000">
+                                          <p:val>
+                                            <p:fltVal val="1"/>
+                                          </p:val>
+                                        </p:tav>
+                                      </p:tavLst>
+                                    </p:anim>
+                                    <p:animScale>
+                                      <p:cBhvr>
+                                        <p:cTn id="19" dur="26">
+                                          <p:stCondLst>
+                                            <p:cond delay="650"/>
+                                          </p:stCondLst>
+                                        </p:cTn>
+                                        <p:tgtEl>
+                                          <p:spTgt spid="3"/>
+                                        </p:tgtEl>
+                                      </p:cBhvr>
+                                      <p:to x="100000" y="60000"/>
+                                    </p:animScale>
+                                    <p:animScale>
+                                      <p:cBhvr>
+                                        <p:cTn id="20" dur="166" decel="50000">
+                                          <p:stCondLst>
+                                            <p:cond delay="676"/>
+                                          </p:stCondLst>
+                                        </p:cTn>
+                                        <p:tgtEl>
+                                          <p:spTgt spid="3"/>
+                                        </p:tgtEl>
+                                      </p:cBhvr>
+                                      <p:to x="100000" y="100000"/>
+                                    </p:animScale>
+                                    <p:animScale>
+                                      <p:cBhvr>
+                                        <p:cTn id="21" dur="26">
+                                          <p:stCondLst>
+                                            <p:cond delay="1312"/>
+                                          </p:stCondLst>
+                                        </p:cTn>
+                                        <p:tgtEl>
+                                          <p:spTgt spid="3"/>
+                                        </p:tgtEl>
+                                      </p:cBhvr>
+                                      <p:to x="100000" y="80000"/>
+                                    </p:animScale>
+                                    <p:animScale>
+                                      <p:cBhvr>
+                                        <p:cTn id="22" dur="166" decel="50000">
+                                          <p:stCondLst>
+                                            <p:cond delay="1338"/>
+                                          </p:stCondLst>
+                                        </p:cTn>
+                                        <p:tgtEl>
+                                          <p:spTgt spid="3"/>
+                                        </p:tgtEl>
+                                      </p:cBhvr>
+                                      <p:to x="100000" y="100000"/>
+                                    </p:animScale>
+                                    <p:animScale>
+                                      <p:cBhvr>
+                                        <p:cTn id="23" dur="26">
+                                          <p:stCondLst>
+                                            <p:cond delay="1642"/>
+                                          </p:stCondLst>
+                                        </p:cTn>
+                                        <p:tgtEl>
+                                          <p:spTgt spid="3"/>
+                                        </p:tgtEl>
+                                      </p:cBhvr>
+                                      <p:to x="100000" y="90000"/>
+                                    </p:animScale>
+                                    <p:animScale>
+                                      <p:cBhvr>
+                                        <p:cTn id="24" dur="166" decel="50000">
+                                          <p:stCondLst>
+                                            <p:cond delay="1668"/>
+                                          </p:stCondLst>
+                                        </p:cTn>
+                                        <p:tgtEl>
+                                          <p:spTgt spid="3"/>
+                                        </p:tgtEl>
+                                      </p:cBhvr>
+                                      <p:to x="100000" y="100000"/>
+                                    </p:animScale>
+                                    <p:animScale>
+                                      <p:cBhvr>
+                                        <p:cTn id="25" dur="26">
+                                          <p:stCondLst>
+                                            <p:cond delay="1808"/>
+                                          </p:stCondLst>
+                                        </p:cTn>
+                                        <p:tgtEl>
+                                          <p:spTgt spid="3"/>
+                                        </p:tgtEl>
+                                      </p:cBhvr>
+                                      <p:to x="100000" y="95000"/>
+                                    </p:animScale>
+                                    <p:animScale>
+                                      <p:cBhvr>
+                                        <p:cTn id="26" dur="166" decel="50000">
+                                          <p:stCondLst>
+                                            <p:cond delay="1834"/>
+                                          </p:stCondLst>
+                                        </p:cTn>
+                                        <p:tgtEl>
+                                          <p:spTgt spid="3"/>
+                                        </p:tgtEl>
+                                      </p:cBhvr>
+                                      <p:to x="100000" y="100000"/>
+                                    </p:animScale>
+                                  </p:childTnLst>
+                                </p:cTn>
+                              </p:par>
+                            </p:childTnLst>
+                          </p:cTn>
+                        </p:par>
+                      </p:childTnLst>
+                    </p:cTn>
+                  </p:par>
+                </p:childTnLst>
+              </p:cTn>
+              <p:prevCondLst>
+                <p:cond evt="onPrev" delay="0">
+                  <p:tgtEl>
+                    <p:sldTgt/>
+                  </p:tgtEl>
+                </p:cond>
+              </p:prevCondLst>
+              <p:nextCondLst>
+                <p:cond evt="onNext" delay="0">
+                  <p:tgtEl>
+                    <p:sldTgt/>
+                  </p:tgtEl>
+                </p:cond>
+              </p:nextCondLst>
+            </p:seq>
+          </p:childTnLst>
+        </p:cTn>
+      </p:par>
+    </p:tnLst>
+  </p:timing>
+</p:sld>
+</file>
+
+<file path=ppt/slides/slide22.xml><?xml version="1.0" encoding="utf-8"?>
+<p:sld xmlns:a="http://schemas.openxmlformats.org/drawingml/2006/main" xmlns:r="http://schemas.openxmlformats.org/officeDocument/2006/relationships" xmlns:p="http://schemas.openxmlformats.org/presentationml/2006/main">
+  <p:cSld>
+    <p:spTree>
+      <p:nvGrpSpPr>
+        <p:cNvPr id="1" name=""/>
+        <p:cNvGrpSpPr/>
+        <p:nvPr/>
+      </p:nvGrpSpPr>
+      <p:grpSpPr>
+        <a:xfrm>
+          <a:off x="0" y="0"/>
+          <a:ext cx="0" cy="0"/>
+          <a:chOff x="0" y="0"/>
+          <a:chExt cx="0" cy="0"/>
+        </a:xfrm>
+      </p:grpSpPr>
+      <p:sp>
+        <p:nvSpPr>
+          <p:cNvPr id="2" name="Título 1">
+            <a:extLst>
+              <a:ext uri="{FF2B5EF4-FFF2-40B4-BE49-F238E27FC236}">
+                <a16:creationId xmlns:a16="http://schemas.microsoft.com/office/drawing/2014/main" id="{9A2414C3-5EFB-4024-A890-2C8B9A65884E}"/>
+              </a:ext>
+            </a:extLst>
+          </p:cNvPr>
+          <p:cNvSpPr>
+            <a:spLocks noGrp="1"/>
+          </p:cNvSpPr>
+          <p:nvPr>
+            <p:ph type="title"/>
+          </p:nvPr>
+        </p:nvSpPr>
+        <p:spPr/>
+        <p:txBody>
+          <a:bodyPr/>
+          <a:lstStyle/>
+          <a:p>
+            <a:r>
+              <a:rPr lang="es-ES" dirty="0"/>
+              <a:t>Valores de Funciones de Windows</a:t>
+            </a:r>
+          </a:p>
+        </p:txBody>
+      </p:sp>
+      <p:sp>
+        <p:nvSpPr>
+          <p:cNvPr id="3" name="Marcador de contenido 2">
+            <a:extLst>
+              <a:ext uri="{FF2B5EF4-FFF2-40B4-BE49-F238E27FC236}">
+                <a16:creationId xmlns:a16="http://schemas.microsoft.com/office/drawing/2014/main" id="{3B690C96-6647-48AE-BA7A-F20D2A593C78}"/>
+              </a:ext>
+            </a:extLst>
+          </p:cNvPr>
+          <p:cNvSpPr>
+            <a:spLocks noGrp="1"/>
+          </p:cNvSpPr>
+          <p:nvPr>
+            <p:ph idx="1"/>
+          </p:nvPr>
+        </p:nvSpPr>
+        <p:spPr/>
+        <p:txBody>
+          <a:bodyPr/>
+          <a:lstStyle/>
+          <a:p>
+            <a:r>
+              <a:rPr lang="es-NI" dirty="0"/>
+              <a:t>Los valores de las funciones Windows se utilizan para encontrar los valores primero, último, anterior y siguiente. Las funciones que se pueden usar son:</a:t>
+            </a:r>
+          </a:p>
+          <a:p>
+            <a:pPr lvl="1"/>
+            <a:r>
+              <a:rPr lang="es-NI" dirty="0"/>
+              <a:t>LAG( ), LEAD(), FIRST_VALUE(), LAST_VALUE()</a:t>
+            </a:r>
+          </a:p>
+        </p:txBody>
+      </p:sp>
+    </p:spTree>
+    <p:extLst>
+      <p:ext uri="{BB962C8B-B14F-4D97-AF65-F5344CB8AC3E}">
+        <p14:creationId xmlns:p14="http://schemas.microsoft.com/office/powerpoint/2010/main" val="3211950836"/>
+      </p:ext>
+    </p:extLst>
+  </p:cSld>
+  <p:clrMapOvr>
+    <a:masterClrMapping/>
+  </p:clrMapOvr>
+</p:sld>
+</file>
+
+<file path=ppt/slides/slide23.xml><?xml version="1.0" encoding="utf-8"?>
+<p:sld xmlns:a="http://schemas.openxmlformats.org/drawingml/2006/main" xmlns:r="http://schemas.openxmlformats.org/officeDocument/2006/relationships" xmlns:p="http://schemas.openxmlformats.org/presentationml/2006/main">
+  <p:cSld>
+    <p:spTree>
+      <p:nvGrpSpPr>
+        <p:cNvPr id="1" name=""/>
+        <p:cNvGrpSpPr/>
+        <p:nvPr/>
+      </p:nvGrpSpPr>
+      <p:grpSpPr>
+        <a:xfrm>
+          <a:off x="0" y="0"/>
+          <a:ext cx="0" cy="0"/>
+          <a:chOff x="0" y="0"/>
+          <a:chExt cx="0" cy="0"/>
+        </a:xfrm>
+      </p:grpSpPr>
+      <p:sp>
+        <p:nvSpPr>
+          <p:cNvPr id="2" name="Título 1">
+            <a:extLst>
+              <a:ext uri="{FF2B5EF4-FFF2-40B4-BE49-F238E27FC236}">
+                <a16:creationId xmlns:a16="http://schemas.microsoft.com/office/drawing/2014/main" id="{5161D00B-A24F-4C90-AEF7-CBB5D4F8AE80}"/>
+              </a:ext>
+            </a:extLst>
+          </p:cNvPr>
+          <p:cNvSpPr>
+            <a:spLocks noGrp="1"/>
+          </p:cNvSpPr>
+          <p:nvPr>
+            <p:ph type="title"/>
+          </p:nvPr>
+        </p:nvSpPr>
+        <p:spPr/>
+        <p:txBody>
+          <a:bodyPr/>
+          <a:lstStyle/>
+          <a:p>
+            <a:r>
+              <a:rPr lang="es-ES" dirty="0"/>
+              <a:t>LAG y LEAD</a:t>
+            </a:r>
+          </a:p>
+        </p:txBody>
+      </p:sp>
+      <p:sp>
+        <p:nvSpPr>
+          <p:cNvPr id="3" name="Marcador de contenido 2">
+            <a:extLst>
+              <a:ext uri="{FF2B5EF4-FFF2-40B4-BE49-F238E27FC236}">
+                <a16:creationId xmlns:a16="http://schemas.microsoft.com/office/drawing/2014/main" id="{3FCDBAF1-863D-4644-9E8B-FAC2DF8C8A1E}"/>
+              </a:ext>
+            </a:extLst>
+          </p:cNvPr>
+          <p:cNvSpPr>
+            <a:spLocks noGrp="1"/>
+          </p:cNvSpPr>
+          <p:nvPr>
+            <p:ph idx="1"/>
+          </p:nvPr>
+        </p:nvSpPr>
+        <p:spPr/>
+        <p:txBody>
+          <a:bodyPr/>
+          <a:lstStyle/>
+          <a:p>
+            <a:pPr fontAlgn="base"/>
+            <a:r>
+              <a:rPr lang="es-NI" dirty="0"/>
+              <a:t>Las funciones LEAD( ) y LAG() son muy poderosas pero pueden ser complejas de explicar.</a:t>
+            </a:r>
+          </a:p>
+          <a:p>
+            <a:pPr fontAlgn="base"/>
+            <a:r>
+              <a:rPr lang="es-NI" dirty="0"/>
+              <a:t>La función LAG permite acceder a los datos de la fila anterior en el mismo conjunto de resultados sin el uso de ninguna combinación SQL.</a:t>
+            </a:r>
+          </a:p>
+          <a:p>
+            <a:pPr fontAlgn="base"/>
+            <a:r>
+              <a:rPr lang="es-NI" dirty="0"/>
+              <a:t>Veamos el siguiente ejemplo, utilizando la función LAG encontramos la fecha de pedido anterior.</a:t>
+            </a:r>
+          </a:p>
+          <a:p>
+            <a:endParaRPr lang="es-ES" dirty="0"/>
+          </a:p>
+        </p:txBody>
+      </p:sp>
+    </p:spTree>
+    <p:extLst>
+      <p:ext uri="{BB962C8B-B14F-4D97-AF65-F5344CB8AC3E}">
+        <p14:creationId xmlns:p14="http://schemas.microsoft.com/office/powerpoint/2010/main" val="2871386548"/>
+      </p:ext>
+    </p:extLst>
+  </p:cSld>
+  <p:clrMapOvr>
+    <a:masterClrMapping/>
+  </p:clrMapOvr>
+</p:sld>
+</file>
+
+<file path=ppt/slides/slide24.xml><?xml version="1.0" encoding="utf-8"?>
+<p:sld xmlns:a="http://schemas.openxmlformats.org/drawingml/2006/main" xmlns:r="http://schemas.openxmlformats.org/officeDocument/2006/relationships" xmlns:p="http://schemas.openxmlformats.org/presentationml/2006/main">
+  <p:cSld>
+    <p:spTree>
+      <p:nvGrpSpPr>
+        <p:cNvPr id="1" name=""/>
+        <p:cNvGrpSpPr/>
+        <p:nvPr/>
+      </p:nvGrpSpPr>
+      <p:grpSpPr>
+        <a:xfrm>
+          <a:off x="0" y="0"/>
+          <a:ext cx="0" cy="0"/>
+          <a:chOff x="0" y="0"/>
+          <a:chExt cx="0" cy="0"/>
+        </a:xfrm>
+      </p:grpSpPr>
+      <p:pic>
+        <p:nvPicPr>
+          <p:cNvPr id="2" name="Imagen 1">
+            <a:extLst>
+              <a:ext uri="{FF2B5EF4-FFF2-40B4-BE49-F238E27FC236}">
+                <a16:creationId xmlns:a16="http://schemas.microsoft.com/office/drawing/2014/main" id="{C75E2D52-248C-4DF8-8DB4-E274A4A3AE7C}"/>
+              </a:ext>
+            </a:extLst>
+          </p:cNvPr>
+          <p:cNvPicPr>
+            <a:picLocks noChangeAspect="1"/>
+          </p:cNvPicPr>
+          <p:nvPr/>
+        </p:nvPicPr>
+        <p:blipFill>
+          <a:blip r:embed="rId2"/>
+          <a:stretch>
+            <a:fillRect/>
+          </a:stretch>
+        </p:blipFill>
+        <p:spPr>
+          <a:xfrm>
+            <a:off x="753152" y="1084279"/>
+            <a:ext cx="7276190" cy="1457143"/>
+          </a:xfrm>
+          <a:prstGeom prst="rect">
+            <a:avLst/>
+          </a:prstGeom>
+        </p:spPr>
+      </p:pic>
+      <p:pic>
+        <p:nvPicPr>
+          <p:cNvPr id="3" name="Imagen 2">
+            <a:extLst>
+              <a:ext uri="{FF2B5EF4-FFF2-40B4-BE49-F238E27FC236}">
+                <a16:creationId xmlns:a16="http://schemas.microsoft.com/office/drawing/2014/main" id="{C547C58B-1923-4F4E-96E8-D25B73BB8754}"/>
+              </a:ext>
+            </a:extLst>
+          </p:cNvPr>
+          <p:cNvPicPr>
+            <a:picLocks noChangeAspect="1"/>
+          </p:cNvPicPr>
+          <p:nvPr/>
+        </p:nvPicPr>
+        <p:blipFill>
+          <a:blip r:embed="rId3"/>
+          <a:stretch>
+            <a:fillRect/>
+          </a:stretch>
+        </p:blipFill>
+        <p:spPr>
+          <a:xfrm>
+            <a:off x="2797303" y="2649912"/>
+            <a:ext cx="4400000" cy="1666667"/>
+          </a:xfrm>
+          <a:prstGeom prst="rect">
+            <a:avLst/>
+          </a:prstGeom>
+        </p:spPr>
+      </p:pic>
+    </p:spTree>
+    <p:extLst>
+      <p:ext uri="{BB962C8B-B14F-4D97-AF65-F5344CB8AC3E}">
+        <p14:creationId xmlns:p14="http://schemas.microsoft.com/office/powerpoint/2010/main" val="2991540043"/>
+      </p:ext>
+    </p:extLst>
+  </p:cSld>
+  <p:clrMapOvr>
+    <a:masterClrMapping/>
+  </p:clrMapOvr>
+  <p:timing>
+    <p:tnLst>
+      <p:par>
+        <p:cTn id="1" dur="indefinite" restart="never" nodeType="tmRoot">
+          <p:childTnLst>
+            <p:seq concurrent="1" nextAc="seek">
+              <p:cTn id="2" dur="indefinite" nodeType="mainSeq">
+                <p:childTnLst>
+                  <p:par>
+                    <p:cTn id="3" fill="hold">
+                      <p:stCondLst>
+                        <p:cond delay="indefinite"/>
+                      </p:stCondLst>
+                      <p:childTnLst>
+                        <p:par>
+                          <p:cTn id="4" fill="hold">
+                            <p:stCondLst>
+                              <p:cond delay="0"/>
+                            </p:stCondLst>
+                            <p:childTnLst>
+                              <p:par>
+                                <p:cTn id="5" presetID="2" presetClass="entr" presetSubtype="4" fill="hold" nodeType="clickEffect">
+                                  <p:stCondLst>
+                                    <p:cond delay="0"/>
+                                  </p:stCondLst>
+                                  <p:childTnLst>
+                                    <p:set>
+                                      <p:cBhvr>
+                                        <p:cTn id="6" dur="1" fill="hold">
+                                          <p:stCondLst>
+                                            <p:cond delay="0"/>
+                                          </p:stCondLst>
+                                        </p:cTn>
+                                        <p:tgtEl>
+                                          <p:spTgt spid="2"/>
+                                        </p:tgtEl>
+                                        <p:attrNameLst>
+                                          <p:attrName>style.visibility</p:attrName>
+                                        </p:attrNameLst>
+                                      </p:cBhvr>
+                                      <p:to>
+                                        <p:strVal val="visible"/>
+                                      </p:to>
+                                    </p:set>
+                                    <p:anim calcmode="lin" valueType="num">
+                                      <p:cBhvr additive="base">
+                                        <p:cTn id="7" dur="500" fill="hold"/>
+                                        <p:tgtEl>
+                                          <p:spTgt spid="2"/>
+                                        </p:tgtEl>
+                                        <p:attrNameLst>
+                                          <p:attrName>ppt_x</p:attrName>
+                                        </p:attrNameLst>
+                                      </p:cBhvr>
+                                      <p:tavLst>
+                                        <p:tav tm="0">
+                                          <p:val>
+                                            <p:strVal val="#ppt_x"/>
+                                          </p:val>
+                                        </p:tav>
+                                        <p:tav tm="100000">
+                                          <p:val>
+                                            <p:strVal val="#ppt_x"/>
+                                          </p:val>
+                                        </p:tav>
+                                      </p:tavLst>
+                                    </p:anim>
+                                    <p:anim calcmode="lin" valueType="num">
+                                      <p:cBhvr additive="base">
+                                        <p:cTn id="8" dur="500" fill="hold"/>
+                                        <p:tgtEl>
+                                          <p:spTgt spid="2"/>
+                                        </p:tgtEl>
+                                        <p:attrNameLst>
+                                          <p:attrName>ppt_y</p:attrName>
+                                        </p:attrNameLst>
+                                      </p:cBhvr>
+                                      <p:tavLst>
+                                        <p:tav tm="0">
+                                          <p:val>
+                                            <p:strVal val="1+#ppt_h/2"/>
+                                          </p:val>
+                                        </p:tav>
+                                        <p:tav tm="100000">
+                                          <p:val>
+                                            <p:strVal val="#ppt_y"/>
+                                          </p:val>
+                                        </p:tav>
+                                      </p:tavLst>
+                                    </p:anim>
+                                  </p:childTnLst>
+                                </p:cTn>
+                              </p:par>
+                            </p:childTnLst>
+                          </p:cTn>
+                        </p:par>
+                      </p:childTnLst>
+                    </p:cTn>
+                  </p:par>
+                  <p:par>
+                    <p:cTn id="9" fill="hold">
+                      <p:stCondLst>
+                        <p:cond delay="indefinite"/>
+                      </p:stCondLst>
+                      <p:childTnLst>
+                        <p:par>
+                          <p:cTn id="10" fill="hold">
+                            <p:stCondLst>
+                              <p:cond delay="0"/>
+                            </p:stCondLst>
+                            <p:childTnLst>
+                              <p:par>
+                                <p:cTn id="11" presetID="2" presetClass="entr" presetSubtype="4" fill="hold" nodeType="clickEffect">
+                                  <p:stCondLst>
+                                    <p:cond delay="0"/>
+                                  </p:stCondLst>
+                                  <p:childTnLst>
+                                    <p:set>
+                                      <p:cBhvr>
+                                        <p:cTn id="12" dur="1" fill="hold">
+                                          <p:stCondLst>
+                                            <p:cond delay="0"/>
+                                          </p:stCondLst>
+                                        </p:cTn>
+                                        <p:tgtEl>
+                                          <p:spTgt spid="3"/>
+                                        </p:tgtEl>
+                                        <p:attrNameLst>
+                                          <p:attrName>style.visibility</p:attrName>
+                                        </p:attrNameLst>
+                                      </p:cBhvr>
+                                      <p:to>
+                                        <p:strVal val="visible"/>
+                                      </p:to>
+                                    </p:set>
+                                    <p:anim calcmode="lin" valueType="num">
+                                      <p:cBhvr additive="base">
+                                        <p:cTn id="13" dur="500" fill="hold"/>
+                                        <p:tgtEl>
+                                          <p:spTgt spid="3"/>
+                                        </p:tgtEl>
+                                        <p:attrNameLst>
+                                          <p:attrName>ppt_x</p:attrName>
+                                        </p:attrNameLst>
+                                      </p:cBhvr>
+                                      <p:tavLst>
+                                        <p:tav tm="0">
+                                          <p:val>
+                                            <p:strVal val="#ppt_x"/>
+                                          </p:val>
+                                        </p:tav>
+                                        <p:tav tm="100000">
+                                          <p:val>
+                                            <p:strVal val="#ppt_x"/>
+                                          </p:val>
+                                        </p:tav>
+                                      </p:tavLst>
+                                    </p:anim>
+                                    <p:anim calcmode="lin" valueType="num">
+                                      <p:cBhvr additive="base">
+                                        <p:cTn id="14" dur="500" fill="hold"/>
+                                        <p:tgtEl>
+                                          <p:spTgt spid="3"/>
+                                        </p:tgtEl>
+                                        <p:attrNameLst>
+                                          <p:attrName>ppt_y</p:attrName>
+                                        </p:attrNameLst>
+                                      </p:cBhvr>
+                                      <p:tavLst>
+                                        <p:tav tm="0">
+                                          <p:val>
+                                            <p:strVal val="1+#ppt_h/2"/>
+                                          </p:val>
+                                        </p:tav>
+                                        <p:tav tm="100000">
+                                          <p:val>
+                                            <p:strVal val="#ppt_y"/>
+                                          </p:val>
+                                        </p:tav>
+                                      </p:tavLst>
+                                    </p:anim>
+                                  </p:childTnLst>
+                                </p:cTn>
+                              </p:par>
+                            </p:childTnLst>
+                          </p:cTn>
+                        </p:par>
+                      </p:childTnLst>
+                    </p:cTn>
+                  </p:par>
+                </p:childTnLst>
+              </p:cTn>
+              <p:prevCondLst>
+                <p:cond evt="onPrev" delay="0">
+                  <p:tgtEl>
+                    <p:sldTgt/>
+                  </p:tgtEl>
+                </p:cond>
+              </p:prevCondLst>
+              <p:nextCondLst>
+                <p:cond evt="onNext" delay="0">
+                  <p:tgtEl>
+                    <p:sldTgt/>
+                  </p:tgtEl>
+                </p:cond>
+              </p:nextCondLst>
+            </p:seq>
+          </p:childTnLst>
+        </p:cTn>
+      </p:par>
+    </p:tnLst>
+  </p:timing>
+</p:sld>
+</file>
+
+<file path=ppt/slides/slide25.xml><?xml version="1.0" encoding="utf-8"?>
+<p:sld xmlns:a="http://schemas.openxmlformats.org/drawingml/2006/main" xmlns:r="http://schemas.openxmlformats.org/officeDocument/2006/relationships" xmlns:p="http://schemas.openxmlformats.org/presentationml/2006/main">
+  <p:cSld>
+    <p:spTree>
+      <p:nvGrpSpPr>
+        <p:cNvPr id="1" name=""/>
+        <p:cNvGrpSpPr/>
+        <p:nvPr/>
+      </p:nvGrpSpPr>
+      <p:grpSpPr>
+        <a:xfrm>
+          <a:off x="0" y="0"/>
+          <a:ext cx="0" cy="0"/>
+          <a:chOff x="0" y="0"/>
+          <a:chExt cx="0" cy="0"/>
+        </a:xfrm>
+      </p:grpSpPr>
+      <p:sp>
+        <p:nvSpPr>
+          <p:cNvPr id="2" name="Título 1">
+            <a:extLst>
+              <a:ext uri="{FF2B5EF4-FFF2-40B4-BE49-F238E27FC236}">
+                <a16:creationId xmlns:a16="http://schemas.microsoft.com/office/drawing/2014/main" id="{4E9C500E-25EA-4156-941D-A95722E91D02}"/>
+              </a:ext>
+            </a:extLst>
+          </p:cNvPr>
+          <p:cNvSpPr>
+            <a:spLocks noGrp="1"/>
+          </p:cNvSpPr>
+          <p:nvPr>
+            <p:ph type="title"/>
+          </p:nvPr>
+        </p:nvSpPr>
+        <p:spPr/>
+        <p:txBody>
+          <a:bodyPr/>
+          <a:lstStyle/>
+          <a:p>
+            <a:r>
+              <a:rPr lang="es-ES" dirty="0"/>
+              <a:t>LEAD</a:t>
+            </a:r>
+          </a:p>
+        </p:txBody>
+      </p:sp>
+      <p:sp>
+        <p:nvSpPr>
+          <p:cNvPr id="3" name="Marcador de contenido 2">
+            <a:extLst>
+              <a:ext uri="{FF2B5EF4-FFF2-40B4-BE49-F238E27FC236}">
+                <a16:creationId xmlns:a16="http://schemas.microsoft.com/office/drawing/2014/main" id="{EA26F34D-C835-4345-A927-3F29B3E1539D}"/>
+              </a:ext>
+            </a:extLst>
+          </p:cNvPr>
+          <p:cNvSpPr>
+            <a:spLocks noGrp="1"/>
+          </p:cNvSpPr>
+          <p:nvPr>
+            <p:ph idx="1"/>
+          </p:nvPr>
+        </p:nvSpPr>
+        <p:spPr>
+          <a:xfrm>
+            <a:off x="628650" y="1221971"/>
+            <a:ext cx="7886700" cy="2403731"/>
+          </a:xfrm>
+        </p:spPr>
+        <p:txBody>
+          <a:bodyPr/>
+          <a:lstStyle/>
+          <a:p>
+            <a:r>
+              <a:rPr lang="es-NI" dirty="0">
+                <a:solidFill>
+                  <a:srgbClr val="252525"/>
+                </a:solidFill>
+                <a:latin typeface="Segoe UI" panose="020B0502040204020203" pitchFamily="34" charset="0"/>
+              </a:rPr>
+              <a:t>La función LEAD permite acceder a los datos de la siguiente fila en el mismo conjunto de resultados sin el uso de uniones SQL. Entonces, puedes ver en el siguiente ejemplo, usando la función LEAD como encontramos la próxima fecha de pedido.</a:t>
+            </a:r>
+            <a:endParaRPr lang="es-ES" dirty="0"/>
+          </a:p>
+          <a:p>
+            <a:pPr marL="0" indent="0">
+              <a:buNone/>
+            </a:pPr>
+            <a:endParaRPr lang="es-ES" dirty="0"/>
+          </a:p>
+        </p:txBody>
+      </p:sp>
+      <p:pic>
+        <p:nvPicPr>
+          <p:cNvPr id="4" name="Imagen 3">
+            <a:extLst>
+              <a:ext uri="{FF2B5EF4-FFF2-40B4-BE49-F238E27FC236}">
+                <a16:creationId xmlns:a16="http://schemas.microsoft.com/office/drawing/2014/main" id="{AD4F9C15-0179-4B26-A5B0-C0FD44F3A3B6}"/>
+              </a:ext>
+            </a:extLst>
+          </p:cNvPr>
+          <p:cNvPicPr>
+            <a:picLocks noChangeAspect="1"/>
+          </p:cNvPicPr>
+          <p:nvPr/>
+        </p:nvPicPr>
+        <p:blipFill>
+          <a:blip r:embed="rId2"/>
+          <a:stretch>
+            <a:fillRect/>
+          </a:stretch>
+        </p:blipFill>
+        <p:spPr>
+          <a:xfrm>
+            <a:off x="376462" y="3625702"/>
+            <a:ext cx="5371429" cy="1323810"/>
+          </a:xfrm>
+          <a:prstGeom prst="rect">
+            <a:avLst/>
+          </a:prstGeom>
+        </p:spPr>
+      </p:pic>
+      <p:pic>
+        <p:nvPicPr>
+          <p:cNvPr id="5" name="Imagen 4">
+            <a:extLst>
+              <a:ext uri="{FF2B5EF4-FFF2-40B4-BE49-F238E27FC236}">
+                <a16:creationId xmlns:a16="http://schemas.microsoft.com/office/drawing/2014/main" id="{6A1850F3-C59A-4CDB-B920-A33DF7604910}"/>
+              </a:ext>
+            </a:extLst>
+          </p:cNvPr>
+          <p:cNvPicPr>
+            <a:picLocks noChangeAspect="1"/>
+          </p:cNvPicPr>
+          <p:nvPr/>
+        </p:nvPicPr>
+        <p:blipFill>
+          <a:blip r:embed="rId3"/>
+          <a:stretch>
+            <a:fillRect/>
+          </a:stretch>
+        </p:blipFill>
+        <p:spPr>
+          <a:xfrm>
+            <a:off x="4396109" y="4612219"/>
+            <a:ext cx="4371429" cy="2047619"/>
+          </a:xfrm>
+          <a:prstGeom prst="rect">
+            <a:avLst/>
+          </a:prstGeom>
+        </p:spPr>
+      </p:pic>
+    </p:spTree>
+    <p:extLst>
+      <p:ext uri="{BB962C8B-B14F-4D97-AF65-F5344CB8AC3E}">
+        <p14:creationId xmlns:p14="http://schemas.microsoft.com/office/powerpoint/2010/main" val="2188012064"/>
+      </p:ext>
+    </p:extLst>
+  </p:cSld>
+  <p:clrMapOvr>
+    <a:masterClrMapping/>
+  </p:clrMapOvr>
+  <p:timing>
+    <p:tnLst>
+      <p:par>
+        <p:cTn id="1" dur="indefinite" restart="never" nodeType="tmRoot">
+          <p:childTnLst>
+            <p:seq concurrent="1" nextAc="seek">
+              <p:cTn id="2" dur="indefinite" nodeType="mainSeq">
+                <p:childTnLst>
+                  <p:par>
+                    <p:cTn id="3" fill="hold">
+                      <p:stCondLst>
+                        <p:cond delay="indefinite"/>
+                      </p:stCondLst>
+                      <p:childTnLst>
+                        <p:par>
+                          <p:cTn id="4" fill="hold">
+                            <p:stCondLst>
+                              <p:cond delay="0"/>
+                            </p:stCondLst>
+                            <p:childTnLst>
+                              <p:par>
+                                <p:cTn id="5" presetID="2" presetClass="entr" presetSubtype="4" fill="hold" nodeType="clickEffect">
+                                  <p:stCondLst>
+                                    <p:cond delay="0"/>
+                                  </p:stCondLst>
+                                  <p:childTnLst>
+                                    <p:set>
+                                      <p:cBhvr>
+                                        <p:cTn id="6" dur="1" fill="hold">
+                                          <p:stCondLst>
+                                            <p:cond delay="0"/>
+                                          </p:stCondLst>
+                                        </p:cTn>
+                                        <p:tgtEl>
+                                          <p:spTgt spid="4"/>
+                                        </p:tgtEl>
+                                        <p:attrNameLst>
+                                          <p:attrName>style.visibility</p:attrName>
+                                        </p:attrNameLst>
+                                      </p:cBhvr>
+                                      <p:to>
+                                        <p:strVal val="visible"/>
+                                      </p:to>
+                                    </p:set>
+                                    <p:anim calcmode="lin" valueType="num">
+                                      <p:cBhvr additive="base">
+                                        <p:cTn id="7" dur="500" fill="hold"/>
+                                        <p:tgtEl>
+                                          <p:spTgt spid="4"/>
+                                        </p:tgtEl>
+                                        <p:attrNameLst>
+                                          <p:attrName>ppt_x</p:attrName>
+                                        </p:attrNameLst>
+                                      </p:cBhvr>
+                                      <p:tavLst>
+                                        <p:tav tm="0">
+                                          <p:val>
+                                            <p:strVal val="#ppt_x"/>
+                                          </p:val>
+                                        </p:tav>
+                                        <p:tav tm="100000">
+                                          <p:val>
+                                            <p:strVal val="#ppt_x"/>
+                                          </p:val>
+                                        </p:tav>
+                                      </p:tavLst>
+                                    </p:anim>
+                                    <p:anim calcmode="lin" valueType="num">
+                                      <p:cBhvr additive="base">
+                                        <p:cTn id="8" dur="500" fill="hold"/>
+                                        <p:tgtEl>
+                                          <p:spTgt spid="4"/>
+                                        </p:tgtEl>
+                                        <p:attrNameLst>
+                                          <p:attrName>ppt_y</p:attrName>
+                                        </p:attrNameLst>
+                                      </p:cBhvr>
+                                      <p:tavLst>
+                                        <p:tav tm="0">
+                                          <p:val>
+                                            <p:strVal val="1+#ppt_h/2"/>
+                                          </p:val>
+                                        </p:tav>
+                                        <p:tav tm="100000">
+                                          <p:val>
+                                            <p:strVal val="#ppt_y"/>
+                                          </p:val>
+                                        </p:tav>
+                                      </p:tavLst>
+                                    </p:anim>
+                                  </p:childTnLst>
+                                </p:cTn>
+                              </p:par>
+                            </p:childTnLst>
+                          </p:cTn>
+                        </p:par>
+                      </p:childTnLst>
+                    </p:cTn>
+                  </p:par>
+                  <p:par>
+                    <p:cTn id="9" fill="hold">
+                      <p:stCondLst>
+                        <p:cond delay="indefinite"/>
+                      </p:stCondLst>
+                      <p:childTnLst>
+                        <p:par>
+                          <p:cTn id="10" fill="hold">
+                            <p:stCondLst>
+                              <p:cond delay="0"/>
+                            </p:stCondLst>
+                            <p:childTnLst>
+                              <p:par>
+                                <p:cTn id="11" presetID="2" presetClass="entr" presetSubtype="4" fill="hold" nodeType="clickEffect">
+                                  <p:stCondLst>
+                                    <p:cond delay="0"/>
+                                  </p:stCondLst>
+                                  <p:childTnLst>
+                                    <p:set>
+                                      <p:cBhvr>
+                                        <p:cTn id="12" dur="1" fill="hold">
+                                          <p:stCondLst>
+                                            <p:cond delay="0"/>
+                                          </p:stCondLst>
+                                        </p:cTn>
+                                        <p:tgtEl>
+                                          <p:spTgt spid="5"/>
+                                        </p:tgtEl>
+                                        <p:attrNameLst>
+                                          <p:attrName>style.visibility</p:attrName>
+                                        </p:attrNameLst>
+                                      </p:cBhvr>
+                                      <p:to>
+                                        <p:strVal val="visible"/>
+                                      </p:to>
+                                    </p:set>
+                                    <p:anim calcmode="lin" valueType="num">
+                                      <p:cBhvr additive="base">
+                                        <p:cTn id="13" dur="500" fill="hold"/>
+                                        <p:tgtEl>
+                                          <p:spTgt spid="5"/>
+                                        </p:tgtEl>
+                                        <p:attrNameLst>
+                                          <p:attrName>ppt_x</p:attrName>
+                                        </p:attrNameLst>
+                                      </p:cBhvr>
+                                      <p:tavLst>
+                                        <p:tav tm="0">
+                                          <p:val>
+                                            <p:strVal val="#ppt_x"/>
+                                          </p:val>
+                                        </p:tav>
+                                        <p:tav tm="100000">
+                                          <p:val>
+                                            <p:strVal val="#ppt_x"/>
+                                          </p:val>
+                                        </p:tav>
+                                      </p:tavLst>
+                                    </p:anim>
+                                    <p:anim calcmode="lin" valueType="num">
+                                      <p:cBhvr additive="base">
+                                        <p:cTn id="14" dur="500" fill="hold"/>
+                                        <p:tgtEl>
+                                          <p:spTgt spid="5"/>
+                                        </p:tgtEl>
+                                        <p:attrNameLst>
+                                          <p:attrName>ppt_y</p:attrName>
+                                        </p:attrNameLst>
+                                      </p:cBhvr>
+                                      <p:tavLst>
+                                        <p:tav tm="0">
+                                          <p:val>
+                                            <p:strVal val="1+#ppt_h/2"/>
+                                          </p:val>
+                                        </p:tav>
+                                        <p:tav tm="100000">
+                                          <p:val>
+                                            <p:strVal val="#ppt_y"/>
+                                          </p:val>
+                                        </p:tav>
+                                      </p:tavLst>
+                                    </p:anim>
+                                  </p:childTnLst>
+                                </p:cTn>
+                              </p:par>
+                            </p:childTnLst>
+                          </p:cTn>
+                        </p:par>
+                      </p:childTnLst>
+                    </p:cTn>
+                  </p:par>
+                </p:childTnLst>
+              </p:cTn>
+              <p:prevCondLst>
+                <p:cond evt="onPrev" delay="0">
+                  <p:tgtEl>
+                    <p:sldTgt/>
+                  </p:tgtEl>
+                </p:cond>
+              </p:prevCondLst>
+              <p:nextCondLst>
+                <p:cond evt="onNext" delay="0">
+                  <p:tgtEl>
+                    <p:sldTgt/>
+                  </p:tgtEl>
+                </p:cond>
+              </p:nextCondLst>
+            </p:seq>
+          </p:childTnLst>
+        </p:cTn>
+      </p:par>
+    </p:tnLst>
+  </p:timing>
+</p:sld>
+</file>
+
+<file path=ppt/slides/slide26.xml><?xml version="1.0" encoding="utf-8"?>
+<p:sld xmlns:a="http://schemas.openxmlformats.org/drawingml/2006/main" xmlns:r="http://schemas.openxmlformats.org/officeDocument/2006/relationships" xmlns:p="http://schemas.openxmlformats.org/presentationml/2006/main">
+  <p:cSld>
+    <p:spTree>
+      <p:nvGrpSpPr>
+        <p:cNvPr id="1" name=""/>
+        <p:cNvGrpSpPr/>
+        <p:nvPr/>
+      </p:nvGrpSpPr>
+      <p:grpSpPr>
+        <a:xfrm>
+          <a:off x="0" y="0"/>
+          <a:ext cx="0" cy="0"/>
+          <a:chOff x="0" y="0"/>
+          <a:chExt cx="0" cy="0"/>
+        </a:xfrm>
+      </p:grpSpPr>
+      <p:sp>
+        <p:nvSpPr>
+          <p:cNvPr id="2" name="Título 1">
+            <a:extLst>
+              <a:ext uri="{FF2B5EF4-FFF2-40B4-BE49-F238E27FC236}">
+                <a16:creationId xmlns:a16="http://schemas.microsoft.com/office/drawing/2014/main" id="{A6C47E4E-C8E8-4542-84B0-6FDF4AC191E8}"/>
+              </a:ext>
+            </a:extLst>
+          </p:cNvPr>
+          <p:cNvSpPr>
+            <a:spLocks noGrp="1"/>
+          </p:cNvSpPr>
+          <p:nvPr>
+            <p:ph type="title"/>
+          </p:nvPr>
+        </p:nvSpPr>
+        <p:spPr/>
+        <p:txBody>
+          <a:bodyPr/>
+          <a:lstStyle/>
+          <a:p>
+            <a:r>
+              <a:rPr lang="es-ES" dirty="0" err="1"/>
+              <a:t>First_Value</a:t>
+            </a:r>
+            <a:r>
+              <a:rPr lang="es-ES" dirty="0"/>
+              <a:t> y </a:t>
+            </a:r>
+            <a:r>
+              <a:rPr lang="es-ES" dirty="0" err="1"/>
+              <a:t>Last_Value</a:t>
+            </a:r>
+            <a:r>
+              <a:rPr lang="es-ES" dirty="0"/>
+              <a:t> </a:t>
+            </a:r>
+          </a:p>
+        </p:txBody>
+      </p:sp>
+      <p:sp>
+        <p:nvSpPr>
+          <p:cNvPr id="3" name="Marcador de contenido 2">
+            <a:extLst>
+              <a:ext uri="{FF2B5EF4-FFF2-40B4-BE49-F238E27FC236}">
+                <a16:creationId xmlns:a16="http://schemas.microsoft.com/office/drawing/2014/main" id="{4F3B0082-A62F-4A17-BA20-FDF35E660FFA}"/>
+              </a:ext>
+            </a:extLst>
+          </p:cNvPr>
+          <p:cNvSpPr>
+            <a:spLocks noGrp="1"/>
+          </p:cNvSpPr>
+          <p:nvPr>
+            <p:ph idx="1"/>
+          </p:nvPr>
+        </p:nvSpPr>
+        <p:spPr>
+          <a:xfrm>
+            <a:off x="628650" y="1221971"/>
+            <a:ext cx="7886700" cy="2945992"/>
+          </a:xfrm>
+        </p:spPr>
+        <p:txBody>
+          <a:bodyPr/>
+          <a:lstStyle/>
+          <a:p>
+            <a:pPr fontAlgn="base"/>
+            <a:r>
+              <a:rPr lang="es-NI" dirty="0"/>
+              <a:t>Estas funciones lo ayudan a identificar el primer y el último registro dentro de una partición o tabla completa si no se especifica </a:t>
+            </a:r>
+            <a:r>
+              <a:rPr lang="es-NI" b="1" dirty="0"/>
+              <a:t>PARTITION BY</a:t>
+            </a:r>
+            <a:r>
+              <a:rPr lang="es-NI" dirty="0"/>
+              <a:t>.</a:t>
+            </a:r>
+          </a:p>
+          <a:p>
+            <a:pPr fontAlgn="base"/>
+            <a:r>
+              <a:rPr lang="es-NI" dirty="0"/>
+              <a:t>Encontremos el primer y último pedido de cada ciudad a partir de nuestro conjunto de datos existente. Nota La cláusula ORDER BY es obligatoria para las funciones FIRST_ VALUE ( ) y LAST_VALUE()</a:t>
+            </a:r>
+          </a:p>
+        </p:txBody>
+      </p:sp>
+      <p:pic>
+        <p:nvPicPr>
+          <p:cNvPr id="4" name="Imagen 3">
+            <a:extLst>
+              <a:ext uri="{FF2B5EF4-FFF2-40B4-BE49-F238E27FC236}">
+                <a16:creationId xmlns:a16="http://schemas.microsoft.com/office/drawing/2014/main" id="{C1451C29-F869-499C-BD65-753B8312DA3F}"/>
+              </a:ext>
+            </a:extLst>
+          </p:cNvPr>
+          <p:cNvPicPr>
+            <a:picLocks noChangeAspect="1"/>
+          </p:cNvPicPr>
+          <p:nvPr/>
+        </p:nvPicPr>
+        <p:blipFill>
+          <a:blip r:embed="rId2"/>
+          <a:stretch>
+            <a:fillRect/>
+          </a:stretch>
+        </p:blipFill>
+        <p:spPr>
+          <a:xfrm>
+            <a:off x="628650" y="2675824"/>
+            <a:ext cx="6752381" cy="1476190"/>
+          </a:xfrm>
+          <a:prstGeom prst="rect">
+            <a:avLst/>
+          </a:prstGeom>
+        </p:spPr>
+      </p:pic>
+      <p:pic>
+        <p:nvPicPr>
+          <p:cNvPr id="5" name="Imagen 4">
+            <a:extLst>
+              <a:ext uri="{FF2B5EF4-FFF2-40B4-BE49-F238E27FC236}">
+                <a16:creationId xmlns:a16="http://schemas.microsoft.com/office/drawing/2014/main" id="{A1DE72E7-ED67-44D4-9E93-52BF5A878984}"/>
+              </a:ext>
+            </a:extLst>
+          </p:cNvPr>
+          <p:cNvPicPr>
+            <a:picLocks noChangeAspect="1"/>
+          </p:cNvPicPr>
+          <p:nvPr/>
+        </p:nvPicPr>
+        <p:blipFill>
+          <a:blip r:embed="rId3"/>
+          <a:stretch>
+            <a:fillRect/>
+          </a:stretch>
+        </p:blipFill>
+        <p:spPr>
+          <a:xfrm>
+            <a:off x="2447722" y="4435731"/>
+            <a:ext cx="5609524" cy="2057143"/>
+          </a:xfrm>
+          <a:prstGeom prst="rect">
+            <a:avLst/>
+          </a:prstGeom>
+        </p:spPr>
+      </p:pic>
+    </p:spTree>
+    <p:extLst>
+      <p:ext uri="{BB962C8B-B14F-4D97-AF65-F5344CB8AC3E}">
+        <p14:creationId xmlns:p14="http://schemas.microsoft.com/office/powerpoint/2010/main" val="1130691830"/>
+      </p:ext>
+    </p:extLst>
+  </p:cSld>
+  <p:clrMapOvr>
+    <a:masterClrMapping/>
+  </p:clrMapOvr>
+</p:sld>
+</file>
+
+<file path=ppt/slides/slide27.xml><?xml version="1.0" encoding="utf-8"?>
+<p:sld xmlns:a="http://schemas.openxmlformats.org/drawingml/2006/main" xmlns:r="http://schemas.openxmlformats.org/officeDocument/2006/relationships" xmlns:p="http://schemas.openxmlformats.org/presentationml/2006/main">
+  <p:cSld>
+    <p:spTree>
+      <p:nvGrpSpPr>
+        <p:cNvPr id="1" name=""/>
+        <p:cNvGrpSpPr/>
+        <p:nvPr/>
+      </p:nvGrpSpPr>
+      <p:grpSpPr>
+        <a:xfrm>
+          <a:off x="0" y="0"/>
+          <a:ext cx="0" cy="0"/>
+          <a:chOff x="0" y="0"/>
+          <a:chExt cx="0" cy="0"/>
+        </a:xfrm>
+      </p:grpSpPr>
+      <p:sp>
+        <p:nvSpPr>
+          <p:cNvPr id="2" name="Título 1">
+            <a:extLst>
+              <a:ext uri="{FF2B5EF4-FFF2-40B4-BE49-F238E27FC236}">
                 <a16:creationId xmlns:a16="http://schemas.microsoft.com/office/drawing/2014/main" id="{249BE62F-F950-462E-8B19-1FBAE5687C25}"/>
               </a:ext>
             </a:extLst>
@@ -9714,118 +15239,6 @@
       <p:bldP spid="2" grpId="0"/>
     </p:bldLst>
   </p:timing>
-</p:sld>
-</file>
-
-<file path=ppt/slides/slide2.xml><?xml version="1.0" encoding="utf-8"?>
-<p:sld xmlns:a="http://schemas.openxmlformats.org/drawingml/2006/main" xmlns:r="http://schemas.openxmlformats.org/officeDocument/2006/relationships" xmlns:p="http://schemas.openxmlformats.org/presentationml/2006/main">
-  <p:cSld>
-    <p:spTree>
-      <p:nvGrpSpPr>
-        <p:cNvPr id="1" name=""/>
-        <p:cNvGrpSpPr/>
-        <p:nvPr/>
-      </p:nvGrpSpPr>
-      <p:grpSpPr>
-        <a:xfrm>
-          <a:off x="0" y="0"/>
-          <a:ext cx="0" cy="0"/>
-          <a:chOff x="0" y="0"/>
-          <a:chExt cx="0" cy="0"/>
-        </a:xfrm>
-      </p:grpSpPr>
-      <p:sp>
-        <p:nvSpPr>
-          <p:cNvPr id="2" name="Título 1">
-            <a:extLst>
-              <a:ext uri="{FF2B5EF4-FFF2-40B4-BE49-F238E27FC236}">
-                <a16:creationId xmlns:a16="http://schemas.microsoft.com/office/drawing/2014/main" id="{44F78BE5-0AC9-4CAF-8A96-3F4234CCE390}"/>
-              </a:ext>
-            </a:extLst>
-          </p:cNvPr>
-          <p:cNvSpPr>
-            <a:spLocks noGrp="1"/>
-          </p:cNvSpPr>
-          <p:nvPr>
-            <p:ph type="title"/>
-          </p:nvPr>
-        </p:nvSpPr>
-        <p:spPr/>
-        <p:txBody>
-          <a:bodyPr/>
-          <a:lstStyle/>
-          <a:p>
-            <a:r>
-              <a:rPr lang="es-NI" dirty="0"/>
-              <a:t>Windows </a:t>
-            </a:r>
-            <a:r>
-              <a:rPr lang="es-NI" dirty="0" err="1"/>
-              <a:t>Function</a:t>
-            </a:r>
-            <a:endParaRPr lang="es-NI" dirty="0"/>
-          </a:p>
-        </p:txBody>
-      </p:sp>
-      <p:sp>
-        <p:nvSpPr>
-          <p:cNvPr id="3" name="Marcador de contenido 2">
-            <a:extLst>
-              <a:ext uri="{FF2B5EF4-FFF2-40B4-BE49-F238E27FC236}">
-                <a16:creationId xmlns:a16="http://schemas.microsoft.com/office/drawing/2014/main" id="{116ADB10-4B9A-4EF6-AF31-AA4CAB3283E8}"/>
-              </a:ext>
-            </a:extLst>
-          </p:cNvPr>
-          <p:cNvSpPr>
-            <a:spLocks noGrp="1"/>
-          </p:cNvSpPr>
-          <p:nvPr>
-            <p:ph idx="1"/>
-          </p:nvPr>
-        </p:nvSpPr>
-        <p:spPr/>
-        <p:txBody>
-          <a:bodyPr>
-            <a:normAutofit fontScale="92500"/>
-          </a:bodyPr>
-          <a:lstStyle/>
-          <a:p>
-            <a:r>
-              <a:rPr lang="es-NI" dirty="0"/>
-              <a:t>Todos los usuarios de la base de datos conocen las funciones agregadas regulares que operan en una tabla completa y se usan con una cláusula GROUP BY.</a:t>
-            </a:r>
-          </a:p>
-          <a:p>
-            <a:r>
-              <a:rPr lang="es-NI" dirty="0"/>
-              <a:t>Pero muy pocas personas usan las funciones de Windows en SQL. Estos operan en un conjunto de filas y devuelven un único valor agregado para cada fila</a:t>
-            </a:r>
-          </a:p>
-          <a:p>
-            <a:r>
-              <a:rPr lang="es-NI" dirty="0"/>
-              <a:t>La principal ventaja de usar las funciones de Windows sobre las funciones agregadas regulares es</a:t>
-            </a:r>
-          </a:p>
-          <a:p>
-            <a:pPr lvl="1"/>
-            <a:r>
-              <a:rPr lang="es-NI" dirty="0"/>
-              <a:t>Las funciones de Windows no hacen que las filas se agrupen en una sola fila de salida, las filas retienen sus identidades separadas y solo se añadirá un valor agregado a cada fila. </a:t>
-            </a:r>
-          </a:p>
-        </p:txBody>
-      </p:sp>
-    </p:spTree>
-    <p:extLst>
-      <p:ext uri="{BB962C8B-B14F-4D97-AF65-F5344CB8AC3E}">
-        <p14:creationId xmlns:p14="http://schemas.microsoft.com/office/powerpoint/2010/main" val="2344927174"/>
-      </p:ext>
-    </p:extLst>
-  </p:cSld>
-  <p:clrMapOvr>
-    <a:masterClrMapping/>
-  </p:clrMapOvr>
 </p:sld>
 </file>
 

--- a/Presentaciones/Semana 8 - Windows Function.pptx
+++ b/Presentaciones/Semana 8 - Windows Function.pptx
@@ -3474,7 +3474,7 @@
           <a:p>
             <a:fld id="{1E61A9BF-0BFA-43BA-9075-7BAB5702E502}" type="datetimeFigureOut">
               <a:rPr lang="es-ES" smtClean="0"/>
-              <a:t>17/07/2021</a:t>
+              <a:t>18/07/2021</a:t>
             </a:fld>
             <a:endParaRPr lang="es-ES"/>
           </a:p>
@@ -3872,7 +3872,7 @@
           <a:p>
             <a:fld id="{D773F917-CF9F-4E5E-A9C0-25A32D536801}" type="datetimeFigureOut">
               <a:rPr lang="es-NI" smtClean="0"/>
-              <a:t>17/7/2021</a:t>
+              <a:t>18/7/2021</a:t>
             </a:fld>
             <a:endParaRPr lang="es-NI"/>
           </a:p>
@@ -4042,7 +4042,7 @@
           <a:p>
             <a:fld id="{D773F917-CF9F-4E5E-A9C0-25A32D536801}" type="datetimeFigureOut">
               <a:rPr lang="es-NI" smtClean="0"/>
-              <a:t>17/7/2021</a:t>
+              <a:t>18/7/2021</a:t>
             </a:fld>
             <a:endParaRPr lang="es-NI"/>
           </a:p>
@@ -4222,7 +4222,7 @@
           <a:p>
             <a:fld id="{D773F917-CF9F-4E5E-A9C0-25A32D536801}" type="datetimeFigureOut">
               <a:rPr lang="es-NI" smtClean="0"/>
-              <a:t>17/7/2021</a:t>
+              <a:t>18/7/2021</a:t>
             </a:fld>
             <a:endParaRPr lang="es-NI"/>
           </a:p>
@@ -4416,7 +4416,7 @@
           <a:p>
             <a:fld id="{D773F917-CF9F-4E5E-A9C0-25A32D536801}" type="datetimeFigureOut">
               <a:rPr lang="es-NI" smtClean="0"/>
-              <a:t>17/7/2021</a:t>
+              <a:t>18/7/2021</a:t>
             </a:fld>
             <a:endParaRPr lang="es-NI"/>
           </a:p>
@@ -5199,7 +5199,7 @@
           <a:p>
             <a:fld id="{D773F917-CF9F-4E5E-A9C0-25A32D536801}" type="datetimeFigureOut">
               <a:rPr lang="es-NI" smtClean="0"/>
-              <a:t>17/7/2021</a:t>
+              <a:t>18/7/2021</a:t>
             </a:fld>
             <a:endParaRPr lang="es-NI"/>
           </a:p>
@@ -5431,7 +5431,7 @@
           <a:p>
             <a:fld id="{D773F917-CF9F-4E5E-A9C0-25A32D536801}" type="datetimeFigureOut">
               <a:rPr lang="es-NI" smtClean="0"/>
-              <a:t>17/7/2021</a:t>
+              <a:t>18/7/2021</a:t>
             </a:fld>
             <a:endParaRPr lang="es-NI"/>
           </a:p>
@@ -5798,7 +5798,7 @@
           <a:p>
             <a:fld id="{D773F917-CF9F-4E5E-A9C0-25A32D536801}" type="datetimeFigureOut">
               <a:rPr lang="es-NI" smtClean="0"/>
-              <a:t>17/7/2021</a:t>
+              <a:t>18/7/2021</a:t>
             </a:fld>
             <a:endParaRPr lang="es-NI"/>
           </a:p>
@@ -6487,7 +6487,7 @@
           <a:p>
             <a:fld id="{D773F917-CF9F-4E5E-A9C0-25A32D536801}" type="datetimeFigureOut">
               <a:rPr lang="es-NI" smtClean="0"/>
-              <a:t>17/7/2021</a:t>
+              <a:t>18/7/2021</a:t>
             </a:fld>
             <a:endParaRPr lang="es-NI"/>
           </a:p>
@@ -6582,7 +6582,7 @@
           <a:p>
             <a:fld id="{D773F917-CF9F-4E5E-A9C0-25A32D536801}" type="datetimeFigureOut">
               <a:rPr lang="es-NI" smtClean="0"/>
-              <a:t>17/7/2021</a:t>
+              <a:t>18/7/2021</a:t>
             </a:fld>
             <a:endParaRPr lang="es-NI"/>
           </a:p>
@@ -6859,7 +6859,7 @@
           <a:p>
             <a:fld id="{D773F917-CF9F-4E5E-A9C0-25A32D536801}" type="datetimeFigureOut">
               <a:rPr lang="es-NI" smtClean="0"/>
-              <a:t>17/7/2021</a:t>
+              <a:t>18/7/2021</a:t>
             </a:fld>
             <a:endParaRPr lang="es-NI"/>
           </a:p>
@@ -7116,7 +7116,7 @@
           <a:p>
             <a:fld id="{D773F917-CF9F-4E5E-A9C0-25A32D536801}" type="datetimeFigureOut">
               <a:rPr lang="es-NI" smtClean="0"/>
-              <a:t>17/7/2021</a:t>
+              <a:t>18/7/2021</a:t>
             </a:fld>
             <a:endParaRPr lang="es-NI"/>
           </a:p>
@@ -7338,7 +7338,7 @@
           <a:p>
             <a:fld id="{D773F917-CF9F-4E5E-A9C0-25A32D536801}" type="datetimeFigureOut">
               <a:rPr lang="es-NI" smtClean="0"/>
-              <a:t>17/7/2021</a:t>
+              <a:t>18/7/2021</a:t>
             </a:fld>
             <a:endParaRPr lang="es-NI"/>
           </a:p>
@@ -15438,7 +15438,7 @@
         </p:blipFill>
         <p:spPr>
           <a:xfrm>
-            <a:off x="715438" y="2753156"/>
+            <a:off x="821915" y="142687"/>
             <a:ext cx="7391060" cy="1560051"/>
           </a:xfrm>
           <a:prstGeom prst="rect">
@@ -16341,7 +16341,7 @@
           <a:p>
             <a:r>
               <a:rPr lang="es-NI" dirty="0"/>
-              <a:t>PARTIION BY </a:t>
+              <a:t>PARTITION BY </a:t>
             </a:r>
             <a:r>
               <a:rPr lang="es-NI" dirty="0" err="1"/>
